--- a/resources/05. ASP.NET-Web-Security/ASP.NET Web Security.pptx
+++ b/resources/05. ASP.NET-Web-Security/ASP.NET Web Security.pptx
@@ -5,10 +5,10 @@
     <p:sldMasterId id="2147483672" r:id="rId1"/>
   </p:sldMasterIdLst>
   <p:notesMasterIdLst>
-    <p:notesMasterId r:id="rId40"/>
+    <p:notesMasterId r:id="rId39"/>
   </p:notesMasterIdLst>
   <p:handoutMasterIdLst>
-    <p:handoutMasterId r:id="rId41"/>
+    <p:handoutMasterId r:id="rId40"/>
   </p:handoutMasterIdLst>
   <p:sldIdLst>
     <p:sldId id="334" r:id="rId2"/>
@@ -41,14 +41,13 @@
     <p:sldId id="389" r:id="rId29"/>
     <p:sldId id="435" r:id="rId30"/>
     <p:sldId id="434" r:id="rId31"/>
-    <p:sldId id="437" r:id="rId32"/>
-    <p:sldId id="392" r:id="rId33"/>
-    <p:sldId id="394" r:id="rId34"/>
-    <p:sldId id="438" r:id="rId35"/>
-    <p:sldId id="449" r:id="rId36"/>
-    <p:sldId id="439" r:id="rId37"/>
-    <p:sldId id="380" r:id="rId38"/>
-    <p:sldId id="333" r:id="rId39"/>
+    <p:sldId id="392" r:id="rId32"/>
+    <p:sldId id="394" r:id="rId33"/>
+    <p:sldId id="438" r:id="rId34"/>
+    <p:sldId id="449" r:id="rId35"/>
+    <p:sldId id="439" r:id="rId36"/>
+    <p:sldId id="380" r:id="rId37"/>
+    <p:sldId id="333" r:id="rId38"/>
   </p:sldIdLst>
   <p:sldSz cx="9144000" cy="6858000" type="screen4x3"/>
   <p:notesSz cx="6881813" cy="9296400"/>
@@ -210,6 +209,10 @@
 </p:presentation>
 </file>
 
+<file path=ppt/revisionInfo.xml><?xml version="1.0" encoding="utf-8"?>
+<p1510:revInfo xmlns:a="http://schemas.openxmlformats.org/drawingml/2006/main" xmlns:r="http://schemas.openxmlformats.org/officeDocument/2006/relationships" xmlns:p1510="http://schemas.microsoft.com/office/powerpoint/2015/10/main"/>
+</file>
+
 <file path=ppt/handoutMasters/handoutMaster1.xml><?xml version="1.0" encoding="utf-8"?>
 <p:handoutMaster xmlns:a="http://schemas.openxmlformats.org/drawingml/2006/main" xmlns:r="http://schemas.openxmlformats.org/officeDocument/2006/relationships" xmlns:p="http://schemas.openxmlformats.org/presentationml/2006/main">
   <p:cSld>
@@ -325,7 +328,7 @@
             <a:fld id="{3BF7C7B5-275F-4D1F-9AB4-9255447DBC73}" type="datetimeFigureOut">
               <a:rPr lang="en-US"/>
               <a:pPr/>
-              <a:t>2/8/2016</a:t>
+              <a:t>10/3/2017</a:t>
             </a:fld>
             <a:endParaRPr lang="en-US" dirty="0"/>
           </a:p>
@@ -556,7 +559,7 @@
             <a:fld id="{9B46F231-FB2B-4655-A644-E2477325E686}" type="datetimeFigureOut">
               <a:rPr lang="en-US"/>
               <a:pPr/>
-              <a:t>2/8/2016</a:t>
+              <a:t>10/1/2017</a:t>
             </a:fld>
             <a:endParaRPr lang="en-US" dirty="0"/>
           </a:p>
@@ -632,38 +635,37 @@
           <a:p>
             <a:pPr lvl="0"/>
             <a:r>
-              <a:rPr lang="en-US" noProof="0" smtClean="0"/>
+              <a:rPr lang="en-US" noProof="0"/>
               <a:t>Click to edit Master text styles</a:t>
             </a:r>
           </a:p>
           <a:p>
             <a:pPr lvl="1"/>
             <a:r>
-              <a:rPr lang="en-US" noProof="0" smtClean="0"/>
+              <a:rPr lang="en-US" noProof="0"/>
               <a:t>Second level</a:t>
             </a:r>
           </a:p>
           <a:p>
             <a:pPr lvl="2"/>
             <a:r>
-              <a:rPr lang="en-US" noProof="0" smtClean="0"/>
+              <a:rPr lang="en-US" noProof="0"/>
               <a:t>Third level</a:t>
             </a:r>
           </a:p>
           <a:p>
             <a:pPr lvl="3"/>
             <a:r>
-              <a:rPr lang="en-US" noProof="0" smtClean="0"/>
+              <a:rPr lang="en-US" noProof="0"/>
               <a:t>Fourth level</a:t>
             </a:r>
           </a:p>
           <a:p>
             <a:pPr lvl="4"/>
             <a:r>
-              <a:rPr lang="en-US" noProof="0" smtClean="0"/>
+              <a:rPr lang="en-US" noProof="0"/>
               <a:t>Fifth level</a:t>
             </a:r>
-            <a:endParaRPr lang="en-US" noProof="0"/>
           </a:p>
         </p:txBody>
       </p:sp>
@@ -1383,7 +1385,7 @@
           <a:lstStyle/>
           <a:p>
             <a:pPr eaLnBrk="1" hangingPunct="1"/>
-            <a:endParaRPr lang="bg-BG" dirty="0" smtClean="0"/>
+            <a:endParaRPr lang="bg-BG" dirty="0"/>
           </a:p>
         </p:txBody>
       </p:sp>
@@ -1884,7 +1886,7 @@
           <a:lstStyle/>
           <a:p>
             <a:pPr eaLnBrk="1" hangingPunct="1"/>
-            <a:endParaRPr lang="bg-BG" smtClean="0"/>
+            <a:endParaRPr lang="bg-BG"/>
           </a:p>
         </p:txBody>
       </p:sp>
@@ -1963,7 +1965,7 @@
               <a:defRPr/>
             </a:pPr>
             <a:r>
-              <a:rPr lang="en-US" dirty="0" smtClean="0"/>
+              <a:rPr lang="en-US" dirty="0"/>
               <a:t>Advanced Software Testing Vol. 1</a:t>
             </a:r>
           </a:p>
@@ -2051,13 +2053,13 @@
           <a:lstStyle/>
           <a:p>
             <a:r>
-              <a:rPr lang="en-US" dirty="0" smtClean="0"/>
+              <a:rPr lang="en-US" dirty="0"/>
               <a:t>Software Security Testing, Gary McGraw</a:t>
             </a:r>
           </a:p>
           <a:p>
             <a:r>
-              <a:rPr lang="en-US" dirty="0" smtClean="0"/>
+              <a:rPr lang="en-US" dirty="0"/>
               <a:t>+</a:t>
             </a:r>
           </a:p>
@@ -2080,11 +2082,11 @@
               <a:defRPr/>
             </a:pPr>
             <a:r>
-              <a:rPr lang="en-US" dirty="0" smtClean="0"/>
+              <a:rPr lang="en-US" dirty="0"/>
               <a:t>Software Testing,</a:t>
             </a:r>
             <a:r>
-              <a:rPr lang="en-US" baseline="0" dirty="0" smtClean="0"/>
+              <a:rPr lang="en-US" baseline="0" dirty="0"/>
               <a:t> Ron Patton</a:t>
             </a:r>
             <a:endParaRPr lang="en-US" dirty="0"/>
@@ -2190,7 +2192,7 @@
             <a:fld id="{F21109B2-5A62-4E8C-B5B7-D36E4D026692}" type="datetime1">
               <a:rPr lang="en-US"/>
               <a:pPr/>
-              <a:t>2/8/2016</a:t>
+              <a:t>10/1/2017</a:t>
             </a:fld>
             <a:r>
               <a:rPr lang="en-US"/>
@@ -2354,7 +2356,7 @@
                   <a:spcPct val="100000"/>
                 </a:lnSpc>
               </a:pPr>
-              <a:t>2/8/2016</a:t>
+              <a:t>10/1/2017</a:t>
             </a:fld>
             <a:r>
               <a:rPr lang="en-US" sz="1100" b="0" i="1">
@@ -2610,7 +2612,7 @@
             <a:fld id="{6FB4F6EA-423E-42DF-9292-215E7D886C4E}" type="slidenum">
               <a:rPr lang="en-US" smtClean="0"/>
               <a:pPr/>
-              <a:t>36</a:t>
+              <a:t>35</a:t>
             </a:fld>
             <a:endParaRPr lang="en-US" dirty="0"/>
           </a:p>
@@ -2691,10 +2693,9 @@
           </a:lstStyle>
           <a:p>
             <a:r>
-              <a:rPr lang="en-US" dirty="0" smtClean="0"/>
+              <a:rPr lang="en-US" dirty="0"/>
               <a:t>Presentation Title</a:t>
             </a:r>
-            <a:endParaRPr lang="en-US" dirty="0"/>
           </a:p>
         </p:txBody>
       </p:sp>
@@ -2755,10 +2756,9 @@
           </a:lstStyle>
           <a:p>
             <a:r>
-              <a:rPr lang="en-US" dirty="0" smtClean="0"/>
+              <a:rPr lang="en-US" dirty="0"/>
               <a:t>Presentation Subtitle</a:t>
             </a:r>
-            <a:endParaRPr lang="en-US" dirty="0"/>
           </a:p>
         </p:txBody>
       </p:sp>
@@ -2861,10 +2861,9 @@
           <a:p>
             <a:pPr lvl="0"/>
             <a:r>
-              <a:rPr lang="en-US" dirty="0" smtClean="0"/>
+              <a:rPr lang="en-US" dirty="0"/>
               <a:t>Author Name</a:t>
             </a:r>
-            <a:endParaRPr lang="en-US" dirty="0"/>
           </a:p>
         </p:txBody>
       </p:sp>
@@ -2940,7 +2939,7 @@
               <a:buNone/>
             </a:pPr>
             <a:r>
-              <a:rPr lang="en-US" sz="1800" b="1" dirty="0" smtClean="0">
+              <a:rPr lang="en-US" sz="1800" b="1" dirty="0">
                 <a:solidFill>
                   <a:srgbClr val="0EFE58"/>
                 </a:solidFill>
@@ -2954,18 +2953,6 @@
               </a:rPr>
               <a:t>Company Name</a:t>
             </a:r>
-            <a:endParaRPr lang="en-US" sz="1800" b="1" dirty="0">
-              <a:solidFill>
-                <a:srgbClr val="0EFE58"/>
-              </a:solidFill>
-              <a:effectLst>
-                <a:outerShdw blurRad="38100" dist="38100" dir="2700000" algn="tl">
-                  <a:srgbClr val="000000">
-                    <a:alpha val="43137"/>
-                  </a:srgbClr>
-                </a:outerShdw>
-              </a:effectLst>
-            </a:endParaRPr>
           </a:p>
         </p:txBody>
       </p:sp>
@@ -3022,7 +3009,7 @@
           <a:p>
             <a:pPr algn="l"/>
             <a:r>
-              <a:rPr lang="en-US" sz="1600" b="1" dirty="0" smtClean="0">
+              <a:rPr lang="en-US" sz="1600" b="1" dirty="0">
                 <a:solidFill>
                   <a:schemeClr val="tx1">
                     <a:lumMod val="50000"/>
@@ -3038,20 +3025,6 @@
               </a:rPr>
               <a:t>Company Web Site</a:t>
             </a:r>
-            <a:endParaRPr lang="en-US" sz="1600" b="1" dirty="0">
-              <a:solidFill>
-                <a:schemeClr val="tx1">
-                  <a:lumMod val="50000"/>
-                </a:schemeClr>
-              </a:solidFill>
-              <a:effectLst>
-                <a:outerShdw blurRad="38100" dist="38100" dir="2700000" algn="tl">
-                  <a:srgbClr val="000000">
-                    <a:alpha val="43137"/>
-                  </a:srgbClr>
-                </a:outerShdw>
-              </a:effectLst>
-            </a:endParaRPr>
           </a:p>
         </p:txBody>
       </p:sp>
@@ -3110,10 +3083,9 @@
           <a:p>
             <a:pPr lvl="0"/>
             <a:r>
-              <a:rPr lang="en-US" dirty="0" smtClean="0"/>
+              <a:rPr lang="en-US" dirty="0"/>
               <a:t>Position</a:t>
             </a:r>
-            <a:endParaRPr lang="en-US" dirty="0"/>
           </a:p>
         </p:txBody>
       </p:sp>
@@ -3172,7 +3144,7 @@
           <a:p>
             <a:pPr lvl="0"/>
             <a:r>
-              <a:rPr lang="en-US" smtClean="0"/>
+              <a:rPr lang="en-US"/>
               <a:t>Web Site</a:t>
             </a:r>
             <a:endParaRPr lang="en-US" dirty="0"/>
@@ -3208,10 +3180,9 @@
           </a:lstStyle>
           <a:p>
             <a:r>
-              <a:rPr lang="en-US" dirty="0" smtClean="0"/>
+              <a:rPr lang="en-US" dirty="0"/>
               <a:t>Insert a Picture Here</a:t>
             </a:r>
-            <a:endParaRPr lang="en-US" dirty="0"/>
           </a:p>
         </p:txBody>
       </p:sp>
@@ -3220,13 +3191,6 @@
   <p:clrMapOvr>
     <a:masterClrMapping/>
   </p:clrMapOvr>
-  <p:timing>
-    <p:tnLst>
-      <p:par>
-        <p:cTn id="1" dur="indefinite" restart="never" nodeType="tmRoot"/>
-      </p:par>
-    </p:tnLst>
-  </p:timing>
 </p:sldLayout>
 </file>
 
@@ -3304,10 +3268,9 @@
           </a:lstStyle>
           <a:p>
             <a:r>
-              <a:rPr lang="en-US" dirty="0" smtClean="0"/>
+              <a:rPr lang="en-US" dirty="0"/>
               <a:t>Slide Title</a:t>
             </a:r>
-            <a:endParaRPr lang="en-US" dirty="0"/>
           </a:p>
         </p:txBody>
       </p:sp>
@@ -3444,38 +3407,37 @@
           <a:p>
             <a:pPr lvl="0"/>
             <a:r>
-              <a:rPr lang="en-US" dirty="0" smtClean="0"/>
+              <a:rPr lang="en-US" dirty="0"/>
               <a:t>First Level</a:t>
             </a:r>
           </a:p>
           <a:p>
             <a:pPr lvl="1"/>
             <a:r>
-              <a:rPr lang="en-US" dirty="0" smtClean="0"/>
+              <a:rPr lang="en-US" dirty="0"/>
               <a:t>Second level</a:t>
             </a:r>
           </a:p>
           <a:p>
             <a:pPr lvl="2"/>
             <a:r>
-              <a:rPr lang="en-US" dirty="0" smtClean="0"/>
+              <a:rPr lang="en-US" dirty="0"/>
               <a:t>Third level</a:t>
             </a:r>
           </a:p>
           <a:p>
             <a:pPr lvl="3"/>
             <a:r>
-              <a:rPr lang="en-US" dirty="0" smtClean="0"/>
+              <a:rPr lang="en-US" dirty="0"/>
               <a:t>Fourth level</a:t>
             </a:r>
           </a:p>
           <a:p>
             <a:pPr lvl="4"/>
             <a:r>
-              <a:rPr lang="en-US" dirty="0" smtClean="0"/>
+              <a:rPr lang="en-US" dirty="0"/>
               <a:t>Fifth level</a:t>
             </a:r>
-            <a:endParaRPr lang="en-US" dirty="0"/>
           </a:p>
         </p:txBody>
       </p:sp>
@@ -3525,13 +3487,6 @@
   <p:clrMapOvr>
     <a:masterClrMapping/>
   </p:clrMapOvr>
-  <p:timing>
-    <p:tnLst>
-      <p:par>
-        <p:cTn id="1" dur="indefinite" restart="never" nodeType="tmRoot"/>
-      </p:par>
-    </p:tnLst>
-  </p:timing>
 </p:sldLayout>
 </file>
 
@@ -3594,10 +3549,9 @@
           </a:lstStyle>
           <a:p>
             <a:r>
-              <a:rPr lang="en-US" dirty="0" smtClean="0"/>
+              <a:rPr lang="en-US" dirty="0"/>
               <a:t>Slide Title</a:t>
             </a:r>
-            <a:endParaRPr lang="en-US" dirty="0"/>
           </a:p>
         </p:txBody>
       </p:sp>
@@ -3764,7 +3718,7 @@
               <a:defRPr/>
             </a:pPr>
             <a:r>
-              <a:rPr kumimoji="0" lang="en-US" sz="3200" b="1" i="0" u="none" strike="noStrike" kern="1200" cap="none" spc="0" normalizeH="0" baseline="0" noProof="0" dirty="0" smtClean="0">
+              <a:rPr kumimoji="0" lang="en-US" sz="3200" b="1" i="0" u="none" strike="noStrike" kern="1200" cap="none" spc="0" normalizeH="0" baseline="0" noProof="0" dirty="0">
                 <a:ln>
                   <a:noFill/>
                 </a:ln>
@@ -3848,65 +3802,65 @@
           <a:p>
             <a:pPr lvl="0"/>
             <a:r>
-              <a:rPr lang="en-US" noProof="1" smtClean="0"/>
+              <a:rPr lang="en-US" noProof="1"/>
               <a:t>Enter source code here</a:t>
             </a:r>
           </a:p>
           <a:p>
             <a:pPr lvl="0"/>
-            <a:endParaRPr lang="en-US" noProof="1" smtClean="0"/>
+            <a:endParaRPr lang="en-US" noProof="1"/>
           </a:p>
           <a:p>
             <a:pPr lvl="0"/>
-            <a:endParaRPr lang="en-US" noProof="1" smtClean="0"/>
+            <a:endParaRPr lang="en-US" noProof="1"/>
           </a:p>
           <a:p>
             <a:pPr lvl="0"/>
-            <a:endParaRPr lang="en-US" noProof="1" smtClean="0"/>
+            <a:endParaRPr lang="en-US" noProof="1"/>
           </a:p>
           <a:p>
             <a:pPr lvl="0"/>
-            <a:endParaRPr lang="en-US" noProof="1" smtClean="0"/>
+            <a:endParaRPr lang="en-US" noProof="1"/>
           </a:p>
           <a:p>
             <a:pPr lvl="0"/>
-            <a:endParaRPr lang="en-US" noProof="1" smtClean="0"/>
+            <a:endParaRPr lang="en-US" noProof="1"/>
           </a:p>
           <a:p>
             <a:pPr lvl="0"/>
-            <a:endParaRPr lang="en-US" noProof="1" smtClean="0"/>
+            <a:endParaRPr lang="en-US" noProof="1"/>
           </a:p>
           <a:p>
             <a:pPr lvl="0"/>
-            <a:endParaRPr lang="en-US" noProof="1" smtClean="0"/>
+            <a:endParaRPr lang="en-US" noProof="1"/>
           </a:p>
           <a:p>
             <a:pPr lvl="0"/>
-            <a:endParaRPr lang="en-US" noProof="1" smtClean="0"/>
+            <a:endParaRPr lang="en-US" noProof="1"/>
           </a:p>
           <a:p>
             <a:pPr lvl="0"/>
-            <a:endParaRPr lang="en-US" noProof="1" smtClean="0"/>
+            <a:endParaRPr lang="en-US" noProof="1"/>
           </a:p>
           <a:p>
             <a:pPr lvl="0"/>
-            <a:endParaRPr lang="en-US" noProof="1" smtClean="0"/>
+            <a:endParaRPr lang="en-US" noProof="1"/>
           </a:p>
           <a:p>
             <a:pPr lvl="0"/>
-            <a:endParaRPr lang="en-US" noProof="1" smtClean="0"/>
+            <a:endParaRPr lang="en-US" noProof="1"/>
           </a:p>
           <a:p>
             <a:pPr lvl="0"/>
-            <a:endParaRPr lang="en-US" noProof="1" smtClean="0"/>
+            <a:endParaRPr lang="en-US" noProof="1"/>
           </a:p>
           <a:p>
             <a:pPr lvl="0"/>
-            <a:endParaRPr lang="en-US" noProof="1" smtClean="0"/>
+            <a:endParaRPr lang="en-US" noProof="1"/>
           </a:p>
           <a:p>
             <a:pPr lvl="0"/>
-            <a:endParaRPr lang="en-US" noProof="1" smtClean="0"/>
+            <a:endParaRPr lang="en-US" noProof="1"/>
           </a:p>
         </p:txBody>
       </p:sp>
@@ -4023,10 +3977,9 @@
           </a:lstStyle>
           <a:p>
             <a:r>
-              <a:rPr lang="en-US" dirty="0" smtClean="0"/>
+              <a:rPr lang="en-US" dirty="0"/>
               <a:t>Section Title</a:t>
             </a:r>
-            <a:endParaRPr lang="en-US" dirty="0"/>
           </a:p>
         </p:txBody>
       </p:sp>
@@ -4111,10 +4064,9 @@
           </a:lstStyle>
           <a:p>
             <a:r>
-              <a:rPr lang="en-US" dirty="0" smtClean="0"/>
+              <a:rPr lang="en-US" dirty="0"/>
               <a:t>Section Subtitle</a:t>
             </a:r>
-            <a:endParaRPr lang="en-US" dirty="0"/>
           </a:p>
         </p:txBody>
       </p:sp>
@@ -4123,13 +4075,6 @@
   <p:clrMapOvr>
     <a:masterClrMapping/>
   </p:clrMapOvr>
-  <p:timing>
-    <p:tnLst>
-      <p:par>
-        <p:cTn id="1" dur="indefinite" restart="never" nodeType="tmRoot"/>
-      </p:par>
-    </p:tnLst>
-  </p:timing>
 </p:sldLayout>
 </file>
 
@@ -4198,7 +4143,7 @@
             <a:p>
               <a:pPr lvl="0"/>
               <a:r>
-                <a:rPr lang="bg-BG" sz="200" noProof="1" smtClean="0">
+                <a:rPr lang="bg-BG" sz="200" noProof="1">
                   <a:ln w="0">
                     <a:noFill/>
                   </a:ln>
@@ -4209,15 +4154,6 @@
                 </a:rPr>
                 <a:t>форум програмиране, форум уеб дизайн</a:t>
               </a:r>
-              <a:endParaRPr lang="bg-BG" sz="200" noProof="1">
-                <a:ln w="0">
-                  <a:noFill/>
-                </a:ln>
-                <a:solidFill>
-                  <a:schemeClr val="bg1"/>
-                </a:solidFill>
-                <a:effectLst/>
-              </a:endParaRPr>
             </a:p>
           </p:txBody>
         </p:sp>
@@ -4251,7 +4187,7 @@
                 </a:lnSpc>
               </a:pPr>
               <a:r>
-                <a:rPr lang="bg-BG" sz="200" kern="1200" noProof="1" smtClean="0">
+                <a:rPr lang="bg-BG" sz="200" kern="1200" noProof="1">
                   <a:ln w="0">
                     <a:noFill/>
                   </a:ln>
@@ -4265,18 +4201,6 @@
                 </a:rPr>
                 <a:t>курсове и уроци по програмиране, уеб дизайн – безплатно</a:t>
               </a:r>
-              <a:endParaRPr lang="bg-BG" sz="200" kern="1200" noProof="1">
-                <a:ln w="0">
-                  <a:noFill/>
-                </a:ln>
-                <a:solidFill>
-                  <a:schemeClr val="bg1"/>
-                </a:solidFill>
-                <a:effectLst/>
-                <a:latin typeface="Corbel" pitchFamily="34" charset="0"/>
-                <a:ea typeface="+mn-ea"/>
-                <a:cs typeface="+mn-cs"/>
-              </a:endParaRPr>
             </a:p>
           </p:txBody>
         </p:sp>
@@ -4305,7 +4229,7 @@
             <a:lstStyle/>
             <a:p>
               <a:r>
-                <a:rPr lang="bg-BG" sz="200" kern="1200" noProof="1" smtClean="0">
+                <a:rPr lang="bg-BG" sz="200" kern="1200" noProof="1">
                   <a:ln w="0">
                     <a:noFill/>
                   </a:ln>
@@ -4319,18 +4243,6 @@
                 </a:rPr>
                 <a:t>програмиране за деца – безплатни курсове и уроци</a:t>
               </a:r>
-              <a:endParaRPr lang="bg-BG" sz="200" kern="1200" noProof="1">
-                <a:ln w="0">
-                  <a:noFill/>
-                </a:ln>
-                <a:solidFill>
-                  <a:schemeClr val="bg1"/>
-                </a:solidFill>
-                <a:effectLst/>
-                <a:latin typeface="Corbel" pitchFamily="34" charset="0"/>
-                <a:ea typeface="+mn-ea"/>
-                <a:cs typeface="+mn-cs"/>
-              </a:endParaRPr>
             </a:p>
           </p:txBody>
         </p:sp>
@@ -4367,7 +4279,7 @@
             <a:p>
               <a:pPr lvl="0" algn="l"/>
               <a:r>
-                <a:rPr lang="bg-BG" sz="200" noProof="1" smtClean="0">
+                <a:rPr lang="bg-BG" sz="200" noProof="1">
                   <a:ln w="0">
                     <a:noFill/>
                   </a:ln>
@@ -4378,15 +4290,6 @@
                 </a:rPr>
                 <a:t>безплатен SEO курс - оптимизация за търсачки</a:t>
               </a:r>
-              <a:endParaRPr lang="bg-BG" sz="200" noProof="1">
-                <a:ln w="0">
-                  <a:noFill/>
-                </a:ln>
-                <a:solidFill>
-                  <a:schemeClr val="bg1"/>
-                </a:solidFill>
-                <a:effectLst/>
-              </a:endParaRPr>
             </a:p>
           </p:txBody>
         </p:sp>
@@ -4423,7 +4326,7 @@
             <a:p>
               <a:pPr lvl="0"/>
               <a:r>
-                <a:rPr lang="bg-BG" sz="200" noProof="1" smtClean="0">
+                <a:rPr lang="bg-BG" sz="200" noProof="1">
                   <a:ln w="0">
                     <a:noFill/>
                   </a:ln>
@@ -4434,15 +4337,6 @@
                 </a:rPr>
                 <a:t>уроци по уеб дизайн, HTML, CSS, JavaScript, Photoshop</a:t>
               </a:r>
-              <a:endParaRPr lang="bg-BG" sz="200" noProof="1">
-                <a:ln w="0">
-                  <a:noFill/>
-                </a:ln>
-                <a:solidFill>
-                  <a:schemeClr val="bg1"/>
-                </a:solidFill>
-                <a:effectLst/>
-              </a:endParaRPr>
             </a:p>
           </p:txBody>
         </p:sp>
@@ -4472,7 +4366,7 @@
             <a:p>
               <a:pPr algn="l"/>
               <a:r>
-                <a:rPr lang="bg-BG" sz="200" kern="1200" noProof="1" smtClean="0">
+                <a:rPr lang="bg-BG" sz="200" kern="1200" noProof="1">
                   <a:ln w="0">
                     <a:noFill/>
                   </a:ln>
@@ -4486,18 +4380,6 @@
                 </a:rPr>
                 <a:t>уроци по програмиране и уеб дизайн за ученици</a:t>
               </a:r>
-              <a:endParaRPr lang="bg-BG" sz="200" kern="1200" noProof="1">
-                <a:ln w="0">
-                  <a:noFill/>
-                </a:ln>
-                <a:solidFill>
-                  <a:schemeClr val="bg1"/>
-                </a:solidFill>
-                <a:effectLst/>
-                <a:latin typeface="Corbel" pitchFamily="34" charset="0"/>
-                <a:ea typeface="+mn-ea"/>
-                <a:cs typeface="+mn-cs"/>
-              </a:endParaRPr>
             </a:p>
           </p:txBody>
         </p:sp>
@@ -4534,7 +4416,7 @@
             <a:p>
               <a:pPr lvl="0"/>
               <a:r>
-                <a:rPr lang="bg-BG" sz="200" noProof="1" smtClean="0">
+                <a:rPr lang="bg-BG" sz="200" noProof="1">
                   <a:ln w="0">
                     <a:noFill/>
                   </a:ln>
@@ -4545,15 +4427,6 @@
                 </a:rPr>
                 <a:t>ASP.NET MVC курс – HTML, SQL, C#, .NET, ASP.NET MVC</a:t>
               </a:r>
-              <a:endParaRPr lang="bg-BG" sz="200" noProof="1">
-                <a:ln w="0">
-                  <a:noFill/>
-                </a:ln>
-                <a:solidFill>
-                  <a:schemeClr val="bg1"/>
-                </a:solidFill>
-                <a:effectLst/>
-              </a:endParaRPr>
             </a:p>
           </p:txBody>
         </p:sp>
@@ -4582,7 +4455,7 @@
             <a:lstStyle/>
             <a:p>
               <a:r>
-                <a:rPr lang="bg-BG" sz="200" kern="1200" noProof="1" smtClean="0">
+                <a:rPr lang="bg-BG" sz="200" kern="1200" noProof="1">
                   <a:ln w="0">
                     <a:noFill/>
                   </a:ln>
@@ -4596,18 +4469,6 @@
                 </a:rPr>
                 <a:t>безплатен курс "Разработка на софтуер в cloud среда"</a:t>
               </a:r>
-              <a:endParaRPr lang="bg-BG" sz="200" kern="1200" noProof="1">
-                <a:ln w="0">
-                  <a:noFill/>
-                </a:ln>
-                <a:solidFill>
-                  <a:schemeClr val="bg1"/>
-                </a:solidFill>
-                <a:effectLst/>
-                <a:latin typeface="Corbel" pitchFamily="34" charset="0"/>
-                <a:ea typeface="+mn-ea"/>
-                <a:cs typeface="+mn-cs"/>
-              </a:endParaRPr>
             </a:p>
           </p:txBody>
         </p:sp>
@@ -4644,7 +4505,7 @@
             <a:p>
               <a:pPr lvl="0"/>
               <a:r>
-                <a:rPr lang="bg-BG" sz="200" noProof="1" smtClean="0">
+                <a:rPr lang="bg-BG" sz="200" noProof="1">
                   <a:ln w="0">
                     <a:noFill/>
                   </a:ln>
@@ -4655,15 +4516,6 @@
                 </a:rPr>
                 <a:t>BG Coder - онлайн състезателна система - online judge</a:t>
               </a:r>
-              <a:endParaRPr lang="bg-BG" sz="200" noProof="1">
-                <a:ln w="0">
-                  <a:noFill/>
-                </a:ln>
-                <a:solidFill>
-                  <a:schemeClr val="bg1"/>
-                </a:solidFill>
-                <a:effectLst/>
-              </a:endParaRPr>
             </a:p>
           </p:txBody>
         </p:sp>
@@ -4700,7 +4552,7 @@
             <a:p>
               <a:pPr lvl="0"/>
               <a:r>
-                <a:rPr lang="bg-BG" sz="200" noProof="1" smtClean="0">
+                <a:rPr lang="bg-BG" sz="200" noProof="1">
                   <a:ln w="0">
                     <a:noFill/>
                   </a:ln>
@@ -4711,15 +4563,6 @@
                 </a:rPr>
                 <a:t>курсове и уроци по програмиране, книги – безплатно от Наков</a:t>
               </a:r>
-              <a:endParaRPr lang="bg-BG" sz="200" noProof="1">
-                <a:ln w="0">
-                  <a:noFill/>
-                </a:ln>
-                <a:solidFill>
-                  <a:schemeClr val="bg1"/>
-                </a:solidFill>
-                <a:effectLst/>
-              </a:endParaRPr>
             </a:p>
           </p:txBody>
         </p:sp>
@@ -4748,7 +4591,7 @@
             <a:lstStyle/>
             <a:p>
               <a:r>
-                <a:rPr lang="bg-BG" sz="200" kern="1200" noProof="1" smtClean="0">
+                <a:rPr lang="bg-BG" sz="200" kern="1200" noProof="1">
                   <a:ln w="0">
                     <a:noFill/>
                   </a:ln>
@@ -4762,18 +4605,6 @@
                 </a:rPr>
                 <a:t>безплатен курс "Качествен програмен код"</a:t>
               </a:r>
-              <a:endParaRPr lang="bg-BG" sz="200" kern="1200" noProof="1">
-                <a:ln w="0">
-                  <a:noFill/>
-                </a:ln>
-                <a:solidFill>
-                  <a:schemeClr val="bg1"/>
-                </a:solidFill>
-                <a:effectLst/>
-                <a:latin typeface="Corbel" pitchFamily="34" charset="0"/>
-                <a:ea typeface="+mn-ea"/>
-                <a:cs typeface="+mn-cs"/>
-              </a:endParaRPr>
             </a:p>
           </p:txBody>
         </p:sp>
@@ -4810,7 +4641,7 @@
             <a:p>
               <a:pPr lvl="0"/>
               <a:r>
-                <a:rPr lang="bg-BG" sz="200" noProof="1" smtClean="0">
+                <a:rPr lang="bg-BG" sz="200" noProof="1">
                   <a:ln w="0">
                     <a:noFill/>
                   </a:ln>
@@ -4821,15 +4652,6 @@
                 </a:rPr>
                 <a:t>алго академия – състезателно програмиране, състезания</a:t>
               </a:r>
-              <a:endParaRPr lang="bg-BG" sz="200" noProof="1">
-                <a:ln w="0">
-                  <a:noFill/>
-                </a:ln>
-                <a:solidFill>
-                  <a:schemeClr val="bg1"/>
-                </a:solidFill>
-                <a:effectLst/>
-              </a:endParaRPr>
             </a:p>
           </p:txBody>
         </p:sp>
@@ -4866,7 +4688,7 @@
             <a:p>
               <a:pPr lvl="0"/>
               <a:r>
-                <a:rPr lang="bg-BG" sz="200" noProof="1" smtClean="0">
+                <a:rPr lang="bg-BG" sz="200" noProof="1">
                   <a:ln w="0">
                     <a:noFill/>
                   </a:ln>
@@ -4877,15 +4699,6 @@
                 </a:rPr>
                 <a:t>ASP.NET курс - уеб програмиране, бази данни, C#, .NET, ASP.NET</a:t>
               </a:r>
-              <a:endParaRPr lang="bg-BG" sz="200" noProof="1">
-                <a:ln w="0">
-                  <a:noFill/>
-                </a:ln>
-                <a:solidFill>
-                  <a:schemeClr val="bg1"/>
-                </a:solidFill>
-                <a:effectLst/>
-              </a:endParaRPr>
             </a:p>
           </p:txBody>
         </p:sp>
@@ -4922,7 +4735,7 @@
             <a:p>
               <a:pPr lvl="0" algn="l"/>
               <a:r>
-                <a:rPr lang="bg-BG" sz="200" noProof="1" smtClean="0">
+                <a:rPr lang="bg-BG" sz="200" noProof="1">
                   <a:ln w="0">
                     <a:noFill/>
                   </a:ln>
@@ -4934,7 +4747,7 @@
                 <a:t>курсове и уроци по </a:t>
               </a:r>
               <a:r>
-                <a:rPr lang="bg-BG" sz="200" kern="1200" noProof="1" smtClean="0">
+                <a:rPr lang="bg-BG" sz="200" kern="1200" noProof="1">
                   <a:ln w="0">
                     <a:noFill/>
                   </a:ln>
@@ -4948,18 +4761,6 @@
                 </a:rPr>
                 <a:t>програмиране – Телерик академия</a:t>
               </a:r>
-              <a:endParaRPr lang="bg-BG" sz="200" kern="1200" noProof="1">
-                <a:ln w="0">
-                  <a:noFill/>
-                </a:ln>
-                <a:solidFill>
-                  <a:schemeClr val="bg1"/>
-                </a:solidFill>
-                <a:effectLst/>
-                <a:latin typeface="Corbel" pitchFamily="34" charset="0"/>
-                <a:ea typeface="+mn-ea"/>
-                <a:cs typeface="+mn-cs"/>
-              </a:endParaRPr>
             </a:p>
           </p:txBody>
         </p:sp>
@@ -4996,7 +4797,7 @@
             <a:p>
               <a:pPr lvl="0"/>
               <a:r>
-                <a:rPr lang="bg-BG" sz="200" noProof="1" smtClean="0">
+                <a:rPr lang="bg-BG" sz="200" noProof="1">
                   <a:ln w="0">
                     <a:noFill/>
                   </a:ln>
@@ -5007,15 +4808,6 @@
                 </a:rPr>
                 <a:t>курс мобилни приложения с iPhone, Android, WP7, PhoneGap</a:t>
               </a:r>
-              <a:endParaRPr lang="bg-BG" sz="200" noProof="1">
-                <a:ln w="0">
-                  <a:noFill/>
-                </a:ln>
-                <a:solidFill>
-                  <a:schemeClr val="bg1"/>
-                </a:solidFill>
-                <a:effectLst/>
-              </a:endParaRPr>
             </a:p>
           </p:txBody>
         </p:sp>
@@ -5044,7 +4836,7 @@
             <a:lstStyle/>
             <a:p>
               <a:r>
-                <a:rPr lang="bg-BG" sz="200" kern="1200" noProof="1" smtClean="0">
+                <a:rPr lang="bg-BG" sz="200" kern="1200" noProof="1">
                   <a:ln w="0">
                     <a:noFill/>
                   </a:ln>
@@ -5058,18 +4850,6 @@
                 </a:rPr>
                 <a:t>free C# book, безплатна книга C#, книга Java, книга C#</a:t>
               </a:r>
-              <a:endParaRPr lang="bg-BG" sz="200" kern="1200" noProof="1">
-                <a:ln w="0">
-                  <a:noFill/>
-                </a:ln>
-                <a:solidFill>
-                  <a:schemeClr val="bg1"/>
-                </a:solidFill>
-                <a:effectLst/>
-                <a:latin typeface="Corbel" pitchFamily="34" charset="0"/>
-                <a:ea typeface="+mn-ea"/>
-                <a:cs typeface="+mn-cs"/>
-              </a:endParaRPr>
             </a:p>
           </p:txBody>
         </p:sp>
@@ -5113,7 +4893,7 @@
             <a:p>
               <a:pPr lvl="0"/>
               <a:r>
-                <a:rPr lang="bg-BG" sz="200" noProof="1" smtClean="0">
+                <a:rPr lang="bg-BG" sz="200" noProof="1">
                   <a:ln w="0">
                     <a:noFill/>
                   </a:ln>
@@ -5123,14 +4903,6 @@
                 </a:rPr>
                 <a:t>Дончо Минков - сайт за програмиране</a:t>
               </a:r>
-              <a:endParaRPr lang="bg-BG" sz="200" noProof="1">
-                <a:ln w="0">
-                  <a:noFill/>
-                </a:ln>
-                <a:solidFill>
-                  <a:schemeClr val="bg1"/>
-                </a:solidFill>
-              </a:endParaRPr>
             </a:p>
           </p:txBody>
         </p:sp>
@@ -5160,7 +4932,7 @@
             <a:p>
               <a:pPr algn="l"/>
               <a:r>
-                <a:rPr lang="bg-BG" sz="200" kern="1200" noProof="1" smtClean="0">
+                <a:rPr lang="bg-BG" sz="200" kern="1200" noProof="1">
                   <a:ln w="0">
                     <a:noFill/>
                   </a:ln>
@@ -5174,18 +4946,6 @@
                 </a:rPr>
                 <a:t>Николай Костов - блог за програмиране</a:t>
               </a:r>
-              <a:endParaRPr lang="bg-BG" sz="200" kern="1200" noProof="1">
-                <a:ln w="0">
-                  <a:noFill/>
-                </a:ln>
-                <a:solidFill>
-                  <a:schemeClr val="bg1"/>
-                </a:solidFill>
-                <a:effectLst/>
-                <a:latin typeface="Corbel" pitchFamily="34" charset="0"/>
-                <a:ea typeface="+mn-ea"/>
-                <a:cs typeface="+mn-cs"/>
-              </a:endParaRPr>
             </a:p>
           </p:txBody>
         </p:sp>
@@ -5229,7 +4989,7 @@
             <a:p>
               <a:pPr lvl="0"/>
               <a:r>
-                <a:rPr lang="bg-BG" sz="200" noProof="1" smtClean="0">
+                <a:rPr lang="bg-BG" sz="200" noProof="1">
                   <a:ln w="0">
                     <a:noFill/>
                   </a:ln>
@@ -5239,14 +4999,6 @@
                 </a:rPr>
                 <a:t>C# курс, програмиране, безплатно</a:t>
               </a:r>
-              <a:endParaRPr lang="bg-BG" sz="200" noProof="1">
-                <a:ln w="0">
-                  <a:noFill/>
-                </a:ln>
-                <a:solidFill>
-                  <a:schemeClr val="bg1"/>
-                </a:solidFill>
-              </a:endParaRPr>
             </a:p>
           </p:txBody>
         </p:sp>
@@ -5308,10 +5060,9 @@
           </a:lstStyle>
           <a:p>
             <a:r>
-              <a:rPr lang="en-US" dirty="0" smtClean="0"/>
+              <a:rPr lang="en-US" dirty="0"/>
               <a:t>Presentation Title</a:t>
             </a:r>
-            <a:endParaRPr lang="en-US" dirty="0"/>
           </a:p>
         </p:txBody>
       </p:sp>
@@ -5347,7 +5098,7 @@
           <a:lstStyle/>
           <a:p>
             <a:r>
-              <a:rPr lang="en-US" sz="9600" b="1" dirty="0" smtClean="0">
+              <a:rPr lang="en-US" sz="9600" b="1" dirty="0">
                 <a:solidFill>
                   <a:schemeClr val="tx1">
                     <a:lumMod val="75000"/>
@@ -5359,16 +5110,6 @@
               </a:rPr>
               <a:t>?</a:t>
             </a:r>
-            <a:endParaRPr lang="en-US" sz="9600" b="1" dirty="0">
-              <a:solidFill>
-                <a:schemeClr val="tx1">
-                  <a:lumMod val="75000"/>
-                </a:schemeClr>
-              </a:solidFill>
-              <a:effectLst>
-                <a:reflection blurRad="6350" stA="55000" endA="300" endPos="45500" dir="5400000" sy="-100000" algn="bl" rotWithShape="0"/>
-              </a:effectLst>
-            </a:endParaRPr>
           </a:p>
         </p:txBody>
       </p:sp>
@@ -5404,7 +5145,7 @@
           <a:lstStyle/>
           <a:p>
             <a:r>
-              <a:rPr lang="en-US" sz="8800" dirty="0" smtClean="0">
+              <a:rPr lang="en-US" sz="8800" dirty="0">
                 <a:solidFill>
                   <a:schemeClr val="accent5">
                     <a:lumMod val="60000"/>
@@ -5417,17 +5158,6 @@
               </a:rPr>
               <a:t>?</a:t>
             </a:r>
-            <a:endParaRPr lang="en-US" sz="8800" dirty="0">
-              <a:solidFill>
-                <a:schemeClr val="accent5">
-                  <a:lumMod val="60000"/>
-                  <a:lumOff val="40000"/>
-                </a:schemeClr>
-              </a:solidFill>
-              <a:effectLst>
-                <a:reflection blurRad="6350" stA="55000" endA="300" endPos="45500" dir="5400000" sy="-100000" algn="bl" rotWithShape="0"/>
-              </a:effectLst>
-            </a:endParaRPr>
           </a:p>
         </p:txBody>
       </p:sp>
@@ -5463,7 +5193,7 @@
           <a:lstStyle/>
           <a:p>
             <a:r>
-              <a:rPr lang="en-US" sz="11500" b="1" dirty="0" smtClean="0">
+              <a:rPr lang="en-US" sz="11500" b="1" dirty="0">
                 <a:solidFill>
                   <a:srgbClr val="FF831D"/>
                 </a:solidFill>
@@ -5473,14 +5203,6 @@
               </a:rPr>
               <a:t>?</a:t>
             </a:r>
-            <a:endParaRPr lang="en-US" sz="11500" b="1" dirty="0">
-              <a:solidFill>
-                <a:srgbClr val="FF831D"/>
-              </a:solidFill>
-              <a:effectLst>
-                <a:reflection blurRad="6350" stA="55000" endA="300" endPos="45500" dir="5400000" sy="-100000" algn="bl" rotWithShape="0"/>
-              </a:effectLst>
-            </a:endParaRPr>
           </a:p>
         </p:txBody>
       </p:sp>
@@ -5523,7 +5245,7 @@
           <a:lstStyle/>
           <a:p>
             <a:r>
-              <a:rPr lang="en-US" sz="12800" b="1" dirty="0" smtClean="0">
+              <a:rPr lang="en-US" sz="12800" b="1" dirty="0">
                 <a:ln w="11430"/>
                 <a:gradFill>
                   <a:gsLst>
@@ -5571,52 +5293,6 @@
               </a:rPr>
               <a:t>?</a:t>
             </a:r>
-            <a:endParaRPr lang="en-US" sz="12800" b="1" dirty="0">
-              <a:ln w="11430"/>
-              <a:gradFill>
-                <a:gsLst>
-                  <a:gs pos="0">
-                    <a:schemeClr val="accent6">
-                      <a:tint val="90000"/>
-                      <a:satMod val="120000"/>
-                    </a:schemeClr>
-                  </a:gs>
-                  <a:gs pos="25000">
-                    <a:schemeClr val="accent6">
-                      <a:tint val="93000"/>
-                      <a:satMod val="120000"/>
-                    </a:schemeClr>
-                  </a:gs>
-                  <a:gs pos="50000">
-                    <a:schemeClr val="accent6">
-                      <a:shade val="89000"/>
-                      <a:satMod val="110000"/>
-                    </a:schemeClr>
-                  </a:gs>
-                  <a:gs pos="75000">
-                    <a:schemeClr val="accent6">
-                      <a:tint val="93000"/>
-                      <a:satMod val="120000"/>
-                    </a:schemeClr>
-                  </a:gs>
-                  <a:gs pos="100000">
-                    <a:schemeClr val="accent6">
-                      <a:tint val="90000"/>
-                      <a:satMod val="120000"/>
-                    </a:schemeClr>
-                  </a:gs>
-                </a:gsLst>
-                <a:lin ang="5400000"/>
-              </a:gradFill>
-              <a:effectLst>
-                <a:innerShdw blurRad="63500" dist="50800" dir="8100000">
-                  <a:prstClr val="black">
-                    <a:alpha val="50000"/>
-                  </a:prstClr>
-                </a:innerShdw>
-                <a:reflection blurRad="6350" stA="55000" endA="300" endPos="45500" dir="5400000" sy="-100000" algn="bl" rotWithShape="0"/>
-              </a:effectLst>
-            </a:endParaRPr>
           </a:p>
         </p:txBody>
       </p:sp>
@@ -5652,7 +5328,7 @@
           <a:lstStyle/>
           <a:p>
             <a:r>
-              <a:rPr lang="en-US" sz="5600" dirty="0" smtClean="0">
+              <a:rPr lang="en-US" sz="5600" dirty="0">
                 <a:solidFill>
                   <a:schemeClr val="tx2">
                     <a:lumMod val="75000"/>
@@ -5664,16 +5340,6 @@
               </a:rPr>
               <a:t>?</a:t>
             </a:r>
-            <a:endParaRPr lang="en-US" sz="5600" dirty="0">
-              <a:solidFill>
-                <a:schemeClr val="tx2">
-                  <a:lumMod val="75000"/>
-                </a:schemeClr>
-              </a:solidFill>
-              <a:effectLst>
-                <a:reflection blurRad="6350" stA="55000" endA="300" endPos="45500" dir="5400000" sy="-100000" algn="bl" rotWithShape="0"/>
-              </a:effectLst>
-            </a:endParaRPr>
           </a:p>
         </p:txBody>
       </p:sp>
@@ -5709,7 +5375,7 @@
           <a:lstStyle/>
           <a:p>
             <a:r>
-              <a:rPr lang="en-US" sz="9600" dirty="0" smtClean="0">
+              <a:rPr lang="en-US" sz="9600" dirty="0">
                 <a:solidFill>
                   <a:srgbClr val="FF4A37"/>
                 </a:solidFill>
@@ -5719,14 +5385,6 @@
               </a:rPr>
               <a:t>?</a:t>
             </a:r>
-            <a:endParaRPr lang="en-US" sz="9600" dirty="0">
-              <a:solidFill>
-                <a:srgbClr val="FF4A37"/>
-              </a:solidFill>
-              <a:effectLst>
-                <a:reflection blurRad="6350" stA="60000" endA="900" endPos="60000" dist="29997" dir="5400000" sy="-100000" algn="bl" rotWithShape="0"/>
-              </a:effectLst>
-            </a:endParaRPr>
           </a:p>
         </p:txBody>
       </p:sp>
@@ -5762,7 +5420,7 @@
           <a:lstStyle/>
           <a:p>
             <a:r>
-              <a:rPr lang="en-US" sz="3600" dirty="0" smtClean="0">
+              <a:rPr lang="en-US" sz="3600" dirty="0">
                 <a:solidFill>
                   <a:schemeClr val="tx2">
                     <a:lumMod val="40000"/>
@@ -5775,17 +5433,6 @@
               </a:rPr>
               <a:t>?</a:t>
             </a:r>
-            <a:endParaRPr lang="en-US" sz="3600" dirty="0">
-              <a:solidFill>
-                <a:schemeClr val="tx2">
-                  <a:lumMod val="40000"/>
-                  <a:lumOff val="60000"/>
-                </a:schemeClr>
-              </a:solidFill>
-              <a:effectLst>
-                <a:reflection blurRad="6350" stA="55000" endA="300" endPos="45500" dir="5400000" sy="-100000" algn="bl" rotWithShape="0"/>
-              </a:effectLst>
-            </a:endParaRPr>
           </a:p>
         </p:txBody>
       </p:sp>
@@ -5821,7 +5468,7 @@
           <a:lstStyle/>
           <a:p>
             <a:r>
-              <a:rPr lang="en-US" sz="6600" dirty="0" smtClean="0">
+              <a:rPr lang="en-US" sz="6600" dirty="0">
                 <a:solidFill>
                   <a:srgbClr val="9966FF"/>
                 </a:solidFill>
@@ -5831,14 +5478,6 @@
               </a:rPr>
               <a:t>?</a:t>
             </a:r>
-            <a:endParaRPr lang="en-US" sz="6600" dirty="0">
-              <a:solidFill>
-                <a:srgbClr val="9966FF"/>
-              </a:solidFill>
-              <a:effectLst>
-                <a:reflection blurRad="6350" stA="55000" endA="300" endPos="45500" dir="5400000" sy="-100000" algn="bl" rotWithShape="0"/>
-              </a:effectLst>
-            </a:endParaRPr>
           </a:p>
         </p:txBody>
       </p:sp>
@@ -5877,7 +5516,7 @@
           <a:lstStyle/>
           <a:p>
             <a:r>
-              <a:rPr lang="en-US" sz="4400" dirty="0" smtClean="0">
+              <a:rPr lang="en-US" sz="4400" dirty="0">
                 <a:solidFill>
                   <a:srgbClr val="FF6699"/>
                 </a:solidFill>
@@ -5887,14 +5526,6 @@
               </a:rPr>
               <a:t>?</a:t>
             </a:r>
-            <a:endParaRPr lang="en-US" sz="4400" dirty="0">
-              <a:solidFill>
-                <a:srgbClr val="FF6699"/>
-              </a:solidFill>
-              <a:effectLst>
-                <a:reflection blurRad="6350" stA="55000" endA="300" endPos="45500" dir="5400000" sy="-100000" algn="bl" rotWithShape="0"/>
-              </a:effectLst>
-            </a:endParaRPr>
           </a:p>
         </p:txBody>
       </p:sp>
@@ -5930,7 +5561,7 @@
           <a:lstStyle/>
           <a:p>
             <a:r>
-              <a:rPr lang="en-US" sz="3600" dirty="0" smtClean="0">
+              <a:rPr lang="en-US" sz="3600" dirty="0">
                 <a:solidFill>
                   <a:schemeClr val="tx2">
                     <a:lumMod val="40000"/>
@@ -5943,17 +5574,6 @@
               </a:rPr>
               <a:t>?</a:t>
             </a:r>
-            <a:endParaRPr lang="en-US" sz="3600" dirty="0">
-              <a:solidFill>
-                <a:schemeClr val="tx2">
-                  <a:lumMod val="40000"/>
-                  <a:lumOff val="60000"/>
-                </a:schemeClr>
-              </a:solidFill>
-              <a:effectLst>
-                <a:reflection blurRad="6350" stA="55000" endA="300" endPos="45500" dir="5400000" sy="-100000" algn="bl" rotWithShape="0"/>
-              </a:effectLst>
-            </a:endParaRPr>
           </a:p>
         </p:txBody>
       </p:sp>
@@ -5982,7 +5602,7 @@
           <a:lstStyle/>
           <a:p>
             <a:r>
-              <a:rPr lang="en-US" sz="6000" b="1" dirty="0" smtClean="0">
+              <a:rPr lang="en-US" sz="6000" b="1" dirty="0">
                 <a:ln w="1905"/>
                 <a:gradFill>
                   <a:gsLst>
@@ -6018,40 +5638,6 @@
               </a:rPr>
               <a:t>?</a:t>
             </a:r>
-            <a:endParaRPr lang="en-US" sz="6000" b="1" dirty="0">
-              <a:ln w="1905"/>
-              <a:gradFill>
-                <a:gsLst>
-                  <a:gs pos="0">
-                    <a:schemeClr val="accent6">
-                      <a:shade val="20000"/>
-                      <a:satMod val="200000"/>
-                    </a:schemeClr>
-                  </a:gs>
-                  <a:gs pos="78000">
-                    <a:schemeClr val="accent6">
-                      <a:tint val="90000"/>
-                      <a:shade val="89000"/>
-                      <a:satMod val="220000"/>
-                    </a:schemeClr>
-                  </a:gs>
-                  <a:gs pos="100000">
-                    <a:schemeClr val="accent6">
-                      <a:tint val="12000"/>
-                      <a:satMod val="255000"/>
-                    </a:schemeClr>
-                  </a:gs>
-                </a:gsLst>
-                <a:lin ang="5400000"/>
-              </a:gradFill>
-              <a:effectLst>
-                <a:innerShdw blurRad="69850" dist="43180" dir="5400000">
-                  <a:srgbClr val="000000">
-                    <a:alpha val="65000"/>
-                  </a:srgbClr>
-                </a:innerShdw>
-              </a:effectLst>
-            </a:endParaRPr>
           </a:p>
         </p:txBody>
       </p:sp>
@@ -6087,7 +5673,7 @@
           <a:lstStyle/>
           <a:p>
             <a:r>
-              <a:rPr lang="en-US" sz="4000" dirty="0" smtClean="0">
+              <a:rPr lang="en-US" sz="4000" dirty="0">
                 <a:solidFill>
                   <a:schemeClr val="accent4">
                     <a:lumMod val="60000"/>
@@ -6100,17 +5686,6 @@
               </a:rPr>
               <a:t>?</a:t>
             </a:r>
-            <a:endParaRPr lang="en-US" sz="4000" dirty="0">
-              <a:solidFill>
-                <a:schemeClr val="accent4">
-                  <a:lumMod val="60000"/>
-                  <a:lumOff val="40000"/>
-                </a:schemeClr>
-              </a:solidFill>
-              <a:effectLst>
-                <a:reflection blurRad="6350" stA="55000" endA="300" endPos="45500" dir="5400000" sy="-100000" algn="bl" rotWithShape="0"/>
-              </a:effectLst>
-            </a:endParaRPr>
           </a:p>
         </p:txBody>
       </p:sp>
@@ -6151,7 +5726,7 @@
           <a:lstStyle/>
           <a:p>
             <a:r>
-              <a:rPr lang="en-US" sz="4000" b="1" spc="150" dirty="0" smtClean="0">
+              <a:rPr lang="en-US" sz="4000" b="1" spc="150" dirty="0">
                 <a:ln w="11430"/>
                 <a:solidFill>
                   <a:schemeClr val="accent4">
@@ -6169,22 +5744,6 @@
               </a:rPr>
               <a:t>?</a:t>
             </a:r>
-            <a:endParaRPr lang="en-US" sz="4000" b="1" spc="150" dirty="0">
-              <a:ln w="11430"/>
-              <a:solidFill>
-                <a:schemeClr val="accent4">
-                  <a:lumMod val="60000"/>
-                  <a:lumOff val="40000"/>
-                </a:schemeClr>
-              </a:solidFill>
-              <a:effectLst>
-                <a:outerShdw blurRad="25400" algn="tl" rotWithShape="0">
-                  <a:srgbClr val="000000">
-                    <a:alpha val="43000"/>
-                  </a:srgbClr>
-                </a:outerShdw>
-              </a:effectLst>
-            </a:endParaRPr>
           </a:p>
         </p:txBody>
       </p:sp>
@@ -6213,7 +5772,7 @@
           <a:lstStyle/>
           <a:p>
             <a:r>
-              <a:rPr lang="en-US" sz="3600" b="1" dirty="0" smtClean="0">
+              <a:rPr lang="en-US" sz="3600" b="1" dirty="0">
                 <a:ln w="19050">
                   <a:solidFill>
                     <a:schemeClr val="accent4">
@@ -6302,7 +5861,7 @@
           <a:lstStyle/>
           <a:p>
             <a:r>
-              <a:rPr lang="en-US" sz="4400" dirty="0" smtClean="0">
+              <a:rPr lang="en-US" sz="4400" dirty="0">
                 <a:ln>
                   <a:solidFill>
                     <a:schemeClr val="accent2">
@@ -6323,25 +5882,6 @@
               </a:rPr>
               <a:t>?</a:t>
             </a:r>
-            <a:endParaRPr lang="en-US" sz="4400" dirty="0">
-              <a:ln>
-                <a:solidFill>
-                  <a:schemeClr val="accent2">
-                    <a:lumMod val="40000"/>
-                    <a:lumOff val="60000"/>
-                  </a:schemeClr>
-                </a:solidFill>
-              </a:ln>
-              <a:solidFill>
-                <a:schemeClr val="accent6">
-                  <a:lumMod val="60000"/>
-                  <a:lumOff val="40000"/>
-                </a:schemeClr>
-              </a:solidFill>
-              <a:effectLst>
-                <a:reflection blurRad="6350" stA="55000" endA="300" endPos="45500" dir="5400000" sy="-100000" algn="bl" rotWithShape="0"/>
-              </a:effectLst>
-            </a:endParaRPr>
           </a:p>
         </p:txBody>
       </p:sp>
@@ -6377,7 +5917,7 @@
           <a:lstStyle/>
           <a:p>
             <a:r>
-              <a:rPr lang="en-US" sz="2800" dirty="0" smtClean="0">
+              <a:rPr lang="en-US" sz="2800" dirty="0">
                 <a:ln>
                   <a:solidFill>
                     <a:schemeClr val="tx1">
@@ -6397,24 +5937,6 @@
               </a:rPr>
               <a:t>?</a:t>
             </a:r>
-            <a:endParaRPr lang="en-US" sz="2800" dirty="0">
-              <a:ln>
-                <a:solidFill>
-                  <a:schemeClr val="tx1">
-                    <a:lumMod val="75000"/>
-                  </a:schemeClr>
-                </a:solidFill>
-              </a:ln>
-              <a:solidFill>
-                <a:schemeClr val="accent4">
-                  <a:lumMod val="60000"/>
-                  <a:lumOff val="40000"/>
-                </a:schemeClr>
-              </a:solidFill>
-              <a:effectLst>
-                <a:reflection blurRad="6350" stA="55000" endA="300" endPos="45500" dir="5400000" sy="-100000" algn="bl" rotWithShape="0"/>
-              </a:effectLst>
-            </a:endParaRPr>
           </a:p>
         </p:txBody>
       </p:sp>
@@ -6450,7 +5972,7 @@
           <a:lstStyle/>
           <a:p>
             <a:r>
-              <a:rPr lang="en-US" sz="2800" b="1" dirty="0" smtClean="0">
+              <a:rPr lang="en-US" sz="2800" b="1" dirty="0">
                 <a:ln w="31550" cmpd="sng">
                   <a:solidFill>
                     <a:schemeClr val="tx2">
@@ -6533,7 +6055,7 @@
           <a:lstStyle/>
           <a:p>
             <a:r>
-              <a:rPr lang="en-US" sz="3200" dirty="0" smtClean="0">
+              <a:rPr lang="en-US" sz="3200" dirty="0">
                 <a:ln>
                   <a:solidFill>
                     <a:schemeClr val="accent1">
@@ -6554,25 +6076,6 @@
               </a:rPr>
               <a:t>?</a:t>
             </a:r>
-            <a:endParaRPr lang="en-US" sz="3200" dirty="0">
-              <a:ln>
-                <a:solidFill>
-                  <a:schemeClr val="accent1">
-                    <a:lumMod val="40000"/>
-                    <a:lumOff val="60000"/>
-                  </a:schemeClr>
-                </a:solidFill>
-              </a:ln>
-              <a:solidFill>
-                <a:schemeClr val="accent4">
-                  <a:lumMod val="60000"/>
-                  <a:lumOff val="40000"/>
-                </a:schemeClr>
-              </a:solidFill>
-              <a:effectLst>
-                <a:reflection blurRad="6350" stA="55000" endA="300" endPos="45500" dir="5400000" sy="-100000" algn="bl" rotWithShape="0"/>
-              </a:effectLst>
-            </a:endParaRPr>
           </a:p>
         </p:txBody>
       </p:sp>
@@ -6630,7 +6133,7 @@
               <a:buNone/>
             </a:pPr>
             <a:r>
-              <a:rPr lang="en-US" sz="7600" b="1" spc="150" noProof="0" dirty="0" smtClean="0">
+              <a:rPr lang="en-US" sz="7600" b="1" spc="150" noProof="0" dirty="0">
                 <a:ln w="11430"/>
                 <a:solidFill>
                   <a:schemeClr val="tx1">
@@ -6701,10 +6204,9 @@
           <a:p>
             <a:pPr lvl="0"/>
             <a:r>
-              <a:rPr lang="en-US" dirty="0" smtClean="0"/>
+              <a:rPr lang="en-US" dirty="0"/>
               <a:t>Course web site URL</a:t>
             </a:r>
-            <a:endParaRPr lang="en-US" dirty="0"/>
           </a:p>
         </p:txBody>
       </p:sp>
@@ -6745,7 +6247,7 @@
               </a:lnSpc>
             </a:pPr>
             <a:r>
-              <a:rPr lang="en-US" sz="12000" b="1" dirty="0" smtClean="0">
+              <a:rPr lang="en-US" sz="12000" b="1" dirty="0">
                 <a:solidFill>
                   <a:srgbClr val="FFBF8B"/>
                 </a:solidFill>
@@ -6756,15 +6258,6 @@
               </a:rPr>
               <a:t>?</a:t>
             </a:r>
-            <a:endParaRPr lang="en-US" sz="12000" b="1" dirty="0">
-              <a:solidFill>
-                <a:srgbClr val="FFBF8B"/>
-              </a:solidFill>
-              <a:effectLst>
-                <a:reflection blurRad="6350" stA="55000" endA="300" endPos="45500" dir="5400000" sy="-100000" algn="bl" rotWithShape="0"/>
-              </a:effectLst>
-              <a:latin typeface="Cambria" pitchFamily="18" charset="0"/>
-            </a:endParaRPr>
           </a:p>
         </p:txBody>
       </p:sp>
@@ -6773,13 +6266,6 @@
   <p:clrMapOvr>
     <a:masterClrMapping/>
   </p:clrMapOvr>
-  <p:timing>
-    <p:tnLst>
-      <p:par>
-        <p:cTn id="1" dur="indefinite" restart="never" nodeType="tmRoot"/>
-      </p:par>
-    </p:tnLst>
-  </p:timing>
 </p:sldLayout>
 </file>
 
@@ -6845,10 +6331,9 @@
           </a:lstStyle>
           <a:p>
             <a:r>
-              <a:rPr lang="en-US" dirty="0" smtClean="0"/>
+              <a:rPr lang="en-US" dirty="0"/>
               <a:t>Presentation Title</a:t>
             </a:r>
-            <a:endParaRPr lang="en-US" dirty="0"/>
           </a:p>
         </p:txBody>
       </p:sp>
@@ -6909,10 +6394,9 @@
           </a:lstStyle>
           <a:p>
             <a:r>
-              <a:rPr lang="en-US" dirty="0" smtClean="0"/>
+              <a:rPr lang="en-US" dirty="0"/>
               <a:t>Presentation Subtitle</a:t>
             </a:r>
-            <a:endParaRPr lang="en-US" dirty="0"/>
           </a:p>
         </p:txBody>
       </p:sp>
@@ -7015,10 +6499,9 @@
           <a:p>
             <a:pPr lvl="0"/>
             <a:r>
-              <a:rPr lang="en-US" dirty="0" smtClean="0"/>
+              <a:rPr lang="en-US" dirty="0"/>
               <a:t>Author Name</a:t>
             </a:r>
-            <a:endParaRPr lang="en-US" dirty="0"/>
           </a:p>
         </p:txBody>
       </p:sp>
@@ -7075,7 +6558,7 @@
           <a:p>
             <a:pPr algn="l"/>
             <a:r>
-              <a:rPr lang="en-US" sz="1800" b="1" dirty="0" smtClean="0">
+              <a:rPr lang="en-US" sz="1800" b="1" dirty="0">
                 <a:solidFill>
                   <a:srgbClr val="0EFE58"/>
                 </a:solidFill>
@@ -7089,18 +6572,6 @@
               </a:rPr>
               <a:t>Telerik Corporation</a:t>
             </a:r>
-            <a:endParaRPr lang="en-US" sz="1800" b="1" dirty="0">
-              <a:solidFill>
-                <a:srgbClr val="0EFE58"/>
-              </a:solidFill>
-              <a:effectLst>
-                <a:outerShdw blurRad="38100" dist="38100" dir="2700000" algn="tl">
-                  <a:srgbClr val="000000">
-                    <a:alpha val="43137"/>
-                  </a:srgbClr>
-                </a:outerShdw>
-              </a:effectLst>
-            </a:endParaRPr>
           </a:p>
         </p:txBody>
       </p:sp>
@@ -7157,7 +6628,7 @@
           <a:p>
             <a:pPr algn="l"/>
             <a:r>
-              <a:rPr lang="en-US" sz="1600" b="1" dirty="0" smtClean="0">
+              <a:rPr lang="en-US" sz="1600" b="1" dirty="0">
                 <a:solidFill>
                   <a:schemeClr val="tx1">
                     <a:lumMod val="50000"/>
@@ -7201,13 +6672,6 @@
   <p:clrMapOvr>
     <a:masterClrMapping/>
   </p:clrMapOvr>
-  <p:timing>
-    <p:tnLst>
-      <p:par>
-        <p:cTn id="1" dur="indefinite" restart="never" nodeType="tmRoot"/>
-      </p:par>
-    </p:tnLst>
-  </p:timing>
 </p:sldLayout>
 </file>
 
@@ -7270,10 +6734,9 @@
           </a:lstStyle>
           <a:p>
             <a:r>
-              <a:rPr lang="en-US" dirty="0" smtClean="0"/>
+              <a:rPr lang="en-US" dirty="0"/>
               <a:t>Slide Title</a:t>
             </a:r>
-            <a:endParaRPr lang="en-US" dirty="0"/>
           </a:p>
         </p:txBody>
       </p:sp>
@@ -7440,7 +6903,7 @@
               <a:defRPr/>
             </a:pPr>
             <a:r>
-              <a:rPr kumimoji="0" lang="en-US" sz="3200" b="1" i="0" u="none" strike="noStrike" kern="1200" cap="none" spc="0" normalizeH="0" baseline="0" noProof="0" dirty="0" smtClean="0">
+              <a:rPr kumimoji="0" lang="en-US" sz="3200" b="1" i="0" u="none" strike="noStrike" kern="1200" cap="none" spc="0" normalizeH="0" baseline="0" noProof="0" dirty="0">
                 <a:ln>
                   <a:noFill/>
                 </a:ln>
@@ -7524,65 +6987,65 @@
           <a:p>
             <a:pPr lvl="0"/>
             <a:r>
-              <a:rPr lang="en-US" noProof="1" smtClean="0"/>
+              <a:rPr lang="en-US" noProof="1"/>
               <a:t>Source code box</a:t>
             </a:r>
           </a:p>
           <a:p>
             <a:pPr lvl="0"/>
-            <a:endParaRPr lang="en-US" noProof="1" smtClean="0"/>
+            <a:endParaRPr lang="en-US" noProof="1"/>
           </a:p>
           <a:p>
             <a:pPr lvl="0"/>
-            <a:endParaRPr lang="en-US" noProof="1" smtClean="0"/>
+            <a:endParaRPr lang="en-US" noProof="1"/>
           </a:p>
           <a:p>
             <a:pPr lvl="0"/>
-            <a:endParaRPr lang="en-US" noProof="1" smtClean="0"/>
+            <a:endParaRPr lang="en-US" noProof="1"/>
           </a:p>
           <a:p>
             <a:pPr lvl="0"/>
-            <a:endParaRPr lang="en-US" noProof="1" smtClean="0"/>
+            <a:endParaRPr lang="en-US" noProof="1"/>
           </a:p>
           <a:p>
             <a:pPr lvl="0"/>
-            <a:endParaRPr lang="en-US" noProof="1" smtClean="0"/>
+            <a:endParaRPr lang="en-US" noProof="1"/>
           </a:p>
           <a:p>
             <a:pPr lvl="0"/>
-            <a:endParaRPr lang="en-US" noProof="1" smtClean="0"/>
+            <a:endParaRPr lang="en-US" noProof="1"/>
           </a:p>
           <a:p>
             <a:pPr lvl="0"/>
-            <a:endParaRPr lang="en-US" noProof="1" smtClean="0"/>
+            <a:endParaRPr lang="en-US" noProof="1"/>
           </a:p>
           <a:p>
             <a:pPr lvl="0"/>
-            <a:endParaRPr lang="en-US" noProof="1" smtClean="0"/>
+            <a:endParaRPr lang="en-US" noProof="1"/>
           </a:p>
           <a:p>
             <a:pPr lvl="0"/>
-            <a:endParaRPr lang="en-US" noProof="1" smtClean="0"/>
+            <a:endParaRPr lang="en-US" noProof="1"/>
           </a:p>
           <a:p>
             <a:pPr lvl="0"/>
-            <a:endParaRPr lang="en-US" noProof="1" smtClean="0"/>
+            <a:endParaRPr lang="en-US" noProof="1"/>
           </a:p>
           <a:p>
             <a:pPr lvl="0"/>
-            <a:endParaRPr lang="en-US" noProof="1" smtClean="0"/>
+            <a:endParaRPr lang="en-US" noProof="1"/>
           </a:p>
           <a:p>
             <a:pPr lvl="0"/>
-            <a:endParaRPr lang="en-US" noProof="1" smtClean="0"/>
+            <a:endParaRPr lang="en-US" noProof="1"/>
           </a:p>
           <a:p>
             <a:pPr lvl="0"/>
-            <a:endParaRPr lang="en-US" noProof="1" smtClean="0"/>
+            <a:endParaRPr lang="en-US" noProof="1"/>
           </a:p>
           <a:p>
             <a:pPr lvl="0"/>
-            <a:endParaRPr lang="en-US" noProof="1" smtClean="0"/>
+            <a:endParaRPr lang="en-US" noProof="1"/>
           </a:p>
         </p:txBody>
       </p:sp>
@@ -7633,13 +7096,6 @@
   <p:clrMapOvr>
     <a:masterClrMapping/>
   </p:clrMapOvr>
-  <p:timing>
-    <p:tnLst>
-      <p:par>
-        <p:cTn id="1" dur="indefinite" restart="never" nodeType="tmRoot"/>
-      </p:par>
-    </p:tnLst>
-  </p:timing>
 </p:sldLayout>
 </file>
 
@@ -7907,13 +7363,6 @@
     <p:sldLayoutId id="2147483705" r:id="rId6"/>
     <p:sldLayoutId id="2147483706" r:id="rId7"/>
   </p:sldLayoutIdLst>
-  <p:timing>
-    <p:tnLst>
-      <p:par>
-        <p:cTn id="1" dur="indefinite" restart="never" nodeType="tmRoot"/>
-      </p:par>
-    </p:tnLst>
-  </p:timing>
   <p:hf hdr="0" ftr="0" dt="0"/>
   <p:txStyles>
     <p:titleStyle>
@@ -8471,17 +7920,17 @@
               <a:defRPr/>
             </a:pPr>
             <a:r>
-              <a:rPr lang="en-US" dirty="0" smtClean="0"/>
+              <a:rPr lang="en-US" dirty="0"/>
               <a:t>ASP.NET</a:t>
             </a:r>
             <a:br>
-              <a:rPr lang="en-US" dirty="0" smtClean="0"/>
+              <a:rPr lang="en-US" dirty="0"/>
             </a:br>
             <a:r>
-              <a:rPr lang="en-US" dirty="0" smtClean="0"/>
+              <a:rPr lang="en-US" dirty="0"/>
               <a:t>Web Security</a:t>
             </a:r>
-            <a:endParaRPr lang="bg-BG" dirty="0" smtClean="0"/>
+            <a:endParaRPr lang="bg-BG" dirty="0"/>
           </a:p>
         </p:txBody>
       </p:sp>
@@ -8506,7 +7955,7 @@
           <a:lstStyle/>
           <a:p>
             <a:r>
-              <a:rPr lang="en-US" dirty="0" smtClean="0">
+              <a:rPr lang="en-US" dirty="0">
                 <a:effectLst>
                   <a:outerShdw blurRad="50800" dist="38100" algn="tr" rotWithShape="0">
                     <a:prstClr val="black">
@@ -8518,7 +7967,7 @@
               <a:t>SQL Injection, XSS, CSRF, Parameter Tampering, </a:t>
             </a:r>
             <a:r>
-              <a:rPr lang="en-US" noProof="1" smtClean="0">
+              <a:rPr lang="en-US" noProof="1">
                 <a:effectLst>
                   <a:outerShdw blurRad="50800" dist="38100" algn="tr" rotWithShape="0">
                     <a:prstClr val="black">
@@ -8530,18 +7979,6 @@
               <a:t>DoS Attacks</a:t>
             </a:r>
             <a:r>
-              <a:rPr lang="en-US" dirty="0" smtClean="0">
-                <a:effectLst>
-                  <a:outerShdw blurRad="50800" dist="38100" algn="tr" rotWithShape="0">
-                    <a:prstClr val="black">
-                      <a:alpha val="40000"/>
-                    </a:prstClr>
-                  </a:outerShdw>
-                </a:effectLst>
-              </a:rPr>
-              <a:t>, </a:t>
-            </a:r>
-            <a:r>
               <a:rPr lang="en-US" dirty="0">
                 <a:effectLst>
                   <a:outerShdw blurRad="50800" dist="38100" algn="tr" rotWithShape="0">
@@ -8551,7 +7988,7 @@
                   </a:outerShdw>
                 </a:effectLst>
               </a:rPr>
-              <a:t>Session Hijacking</a:t>
+              <a:t>, Session Hijacking</a:t>
             </a:r>
             <a:endParaRPr lang="en-US" dirty="0"/>
           </a:p>
@@ -9356,16 +8793,15 @@
           </a:lstStyle>
           <a:p>
             <a:r>
-              <a:rPr lang="en-US" dirty="0" smtClean="0">
+              <a:rPr lang="en-US" dirty="0">
                 <a:hlinkClick r:id="rId9"/>
               </a:rPr>
               <a:t>http://academy.telerik.com</a:t>
             </a:r>
             <a:r>
-              <a:rPr lang="en-US" dirty="0" smtClean="0"/>
+              <a:rPr lang="en-US" dirty="0"/>
               <a:t> </a:t>
             </a:r>
-            <a:endParaRPr lang="en-US" dirty="0"/>
           </a:p>
         </p:txBody>
       </p:sp>
@@ -9630,10 +9066,9 @@
           </a:lstStyle>
           <a:p>
             <a:r>
-              <a:rPr lang="en-US" dirty="0" smtClean="0"/>
+              <a:rPr lang="en-US" dirty="0"/>
               <a:t>ASP.NET MVC</a:t>
             </a:r>
-            <a:endParaRPr lang="en-US" dirty="0"/>
           </a:p>
         </p:txBody>
       </p:sp>
@@ -9647,21 +9082,6 @@
   <p:clrMapOvr>
     <a:masterClrMapping/>
   </p:clrMapOvr>
-  <mc:AlternateContent xmlns:mc="http://schemas.openxmlformats.org/markup-compatibility/2006" xmlns:p14="http://schemas.microsoft.com/office/powerpoint/2010/main">
-    <mc:Choice Requires="p14">
-      <p:transition spd="slow" p14:dur="2000"/>
-    </mc:Choice>
-    <mc:Fallback xmlns="">
-      <p:transition spd="slow"/>
-    </mc:Fallback>
-  </mc:AlternateContent>
-  <p:timing>
-    <p:tnLst>
-      <p:par>
-        <p:cTn id="1" dur="indefinite" restart="never" nodeType="tmRoot"/>
-      </p:par>
-    </p:tnLst>
-  </p:timing>
 </p:sld>
 </file>
 
@@ -9703,12 +9123,8 @@
           <a:lstStyle/>
           <a:p>
             <a:r>
-              <a:rPr lang="en-US" dirty="0" smtClean="0"/>
-              <a:t>Another SQL </a:t>
-            </a:r>
-            <a:r>
               <a:rPr lang="en-US" dirty="0"/>
-              <a:t>Injection Example</a:t>
+              <a:t>Another SQL Injection Example</a:t>
             </a:r>
           </a:p>
         </p:txBody>
@@ -9735,13 +9151,8 @@
           <a:p>
             <a:r>
               <a:rPr lang="en-US" dirty="0"/>
-              <a:t>Original SQL </a:t>
-            </a:r>
-            <a:r>
-              <a:rPr lang="en-US" dirty="0" smtClean="0"/>
-              <a:t>Query:</a:t>
-            </a:r>
-            <a:endParaRPr lang="en-US" dirty="0"/>
+              <a:t>Original SQL Query:</a:t>
+            </a:r>
           </a:p>
         </p:txBody>
       </p:sp>
@@ -9782,14 +9193,10 @@
             </a:r>
             <a:r>
               <a:rPr lang="en-US" noProof="1"/>
-              <a:t>" + username </a:t>
-            </a:r>
-            <a:r>
-              <a:rPr lang="en-US" noProof="1" smtClean="0"/>
-              <a:t>+ "</a:t>
-            </a:r>
-            <a:r>
-              <a:rPr lang="en-US" noProof="1" smtClean="0">
+              <a:t>" + username + "</a:t>
+            </a:r>
+            <a:r>
+              <a:rPr lang="en-US" noProof="1">
                 <a:solidFill>
                   <a:schemeClr val="accent2">
                     <a:lumMod val="60000"/>
@@ -9797,7 +9204,11 @@
                   </a:schemeClr>
                 </a:solidFill>
               </a:rPr>
-              <a:t>' </a:t>
+              <a:t>' AND pass='</a:t>
+            </a:r>
+            <a:r>
+              <a:rPr lang="en-US" noProof="1"/>
+              <a:t>" + password + "</a:t>
             </a:r>
             <a:r>
               <a:rPr lang="en-US" noProof="1">
@@ -9808,32 +9219,12 @@
                   </a:schemeClr>
                 </a:solidFill>
               </a:rPr>
-              <a:t>AND pass='</a:t>
+              <a:t>'</a:t>
             </a:r>
             <a:r>
               <a:rPr lang="en-US" noProof="1"/>
-              <a:t>" + password + </a:t>
-            </a:r>
-            <a:r>
-              <a:rPr lang="en-US" noProof="1" smtClean="0"/>
               <a:t>"</a:t>
             </a:r>
-            <a:r>
-              <a:rPr lang="en-US" noProof="1" smtClean="0">
-                <a:solidFill>
-                  <a:schemeClr val="accent2">
-                    <a:lumMod val="60000"/>
-                    <a:lumOff val="40000"/>
-                  </a:schemeClr>
-                </a:solidFill>
-              </a:rPr>
-              <a:t>'</a:t>
-            </a:r>
-            <a:r>
-              <a:rPr lang="en-US" noProof="1" smtClean="0"/>
-              <a:t>"</a:t>
-            </a:r>
-            <a:endParaRPr lang="en-US" noProof="1"/>
           </a:p>
         </p:txBody>
       </p:sp>
@@ -10187,7 +9578,7 @@
               <a:t>Setting username to </a:t>
             </a:r>
             <a:r>
-              <a:rPr lang="en-US" dirty="0" smtClean="0">
+              <a:rPr lang="en-US" dirty="0">
                 <a:solidFill>
                   <a:schemeClr val="accent5">
                     <a:lumMod val="20000"/>
@@ -10198,22 +9589,14 @@
               <a:t>John</a:t>
             </a:r>
             <a:r>
-              <a:rPr lang="en-US" dirty="0" smtClean="0"/>
-              <a:t> &amp; </a:t>
-            </a:r>
-            <a:r>
               <a:rPr lang="en-US" dirty="0"/>
-              <a:t>password to </a:t>
-            </a:r>
-            <a:r>
-              <a:rPr lang="en-US" dirty="0" smtClean="0"/>
-              <a:t/>
+              <a:t> &amp; password to </a:t>
             </a:r>
             <a:br>
-              <a:rPr lang="en-US" dirty="0" smtClean="0"/>
+              <a:rPr lang="en-US" dirty="0"/>
             </a:br>
             <a:r>
-              <a:rPr lang="en-US" dirty="0" smtClean="0">
+              <a:rPr lang="en-US" dirty="0">
                 <a:solidFill>
                   <a:schemeClr val="accent5">
                     <a:lumMod val="20000"/>
@@ -10221,18 +9604,7 @@
                   </a:schemeClr>
                 </a:solidFill>
               </a:rPr>
-              <a:t>' </a:t>
-            </a:r>
-            <a:r>
-              <a:rPr lang="en-US" dirty="0">
-                <a:solidFill>
-                  <a:schemeClr val="accent5">
-                    <a:lumMod val="20000"/>
-                    <a:lumOff val="80000"/>
-                  </a:schemeClr>
-                </a:solidFill>
-              </a:rPr>
-              <a:t>OR '1'= '1  </a:t>
+              <a:t>' OR '1'= '1  </a:t>
             </a:r>
             <a:r>
               <a:rPr lang="en-US" dirty="0"/>
@@ -10515,14 +9887,10 @@
           <a:p>
             <a:r>
               <a:rPr lang="en-US" noProof="1"/>
-              <a:t>String sqlQuery = SELECT * FROM user WHERE name = </a:t>
-            </a:r>
-            <a:r>
-              <a:rPr lang="en-US" noProof="1" smtClean="0"/>
-              <a:t>'</a:t>
-            </a:r>
-            <a:r>
-              <a:rPr lang="en-US" noProof="1" smtClean="0">
+              <a:t>String sqlQuery = SELECT * FROM user WHERE name = '</a:t>
+            </a:r>
+            <a:r>
+              <a:rPr lang="en-US" noProof="1">
                 <a:solidFill>
                   <a:schemeClr val="tx1">
                     <a:lumMod val="75000"/>
@@ -10532,12 +9900,8 @@
               <a:t>Admin</a:t>
             </a:r>
             <a:r>
-              <a:rPr lang="en-US" noProof="1" smtClean="0"/>
-              <a:t>' </a:t>
-            </a:r>
-            <a:r>
               <a:rPr lang="en-US" noProof="1"/>
-              <a:t>AND pass='</a:t>
+              <a:t>' AND pass='</a:t>
             </a:r>
             <a:r>
               <a:rPr lang="en-US" noProof="1">
@@ -10828,7 +10192,7 @@
           </a:lstStyle>
           <a:p>
             <a:r>
-              <a:rPr lang="en-US" dirty="0" smtClean="0"/>
+              <a:rPr lang="en-US" dirty="0"/>
               <a:t>The result:</a:t>
             </a:r>
           </a:p>
@@ -10839,17 +10203,16 @@
               </a:lnSpc>
             </a:pPr>
             <a:r>
-              <a:rPr lang="en-US" dirty="0" smtClean="0"/>
+              <a:rPr lang="en-US" dirty="0"/>
               <a:t>If a user Admin exists – he is </a:t>
             </a:r>
             <a:br>
-              <a:rPr lang="en-US" dirty="0" smtClean="0"/>
+              <a:rPr lang="en-US" dirty="0"/>
             </a:br>
             <a:r>
-              <a:rPr lang="en-US" dirty="0" smtClean="0"/>
+              <a:rPr lang="en-US" dirty="0"/>
               <a:t>logged in without password</a:t>
             </a:r>
-            <a:endParaRPr lang="en-US" dirty="0"/>
           </a:p>
         </p:txBody>
       </p:sp>
@@ -10863,13 +10226,6 @@
   <p:clrMapOvr>
     <a:masterClrMapping/>
   </p:clrMapOvr>
-  <p:timing>
-    <p:tnLst>
-      <p:par>
-        <p:cTn id="1" dur="indefinite" restart="never" nodeType="tmRoot"/>
-      </p:par>
-    </p:tnLst>
-  </p:timing>
 </p:sld>
 </file>
 
@@ -10906,10 +10262,9 @@
           <a:lstStyle/>
           <a:p>
             <a:r>
-              <a:rPr lang="en-US" dirty="0" smtClean="0"/>
+              <a:rPr lang="en-US" dirty="0"/>
               <a:t>Preventing SQL Injection</a:t>
             </a:r>
-            <a:endParaRPr lang="en-US" dirty="0"/>
           </a:p>
         </p:txBody>
       </p:sp>
@@ -10939,7 +10294,7 @@
               </a:spcAft>
             </a:pPr>
             <a:r>
-              <a:rPr lang="en-US" dirty="0" smtClean="0"/>
+              <a:rPr lang="en-US" dirty="0"/>
               <a:t>Ways to prevent the SQL injection:</a:t>
             </a:r>
           </a:p>
@@ -10950,7 +10305,7 @@
               </a:spcAft>
             </a:pPr>
             <a:r>
-              <a:rPr lang="en-US" dirty="0" smtClean="0">
+              <a:rPr lang="en-US" dirty="0">
                 <a:solidFill>
                   <a:schemeClr val="accent5">
                     <a:lumMod val="20000"/>
@@ -10961,10 +10316,9 @@
               <a:t>SQL-escape</a:t>
             </a:r>
             <a:r>
-              <a:rPr lang="en-US" dirty="0" smtClean="0"/>
+              <a:rPr lang="en-US" dirty="0"/>
               <a:t> all data coming from the user:</a:t>
             </a:r>
-            <a:endParaRPr lang="en-US" dirty="0"/>
           </a:p>
           <a:p>
             <a:pPr lvl="2">
@@ -10973,7 +10327,7 @@
               </a:spcAft>
             </a:pPr>
             <a:r>
-              <a:rPr lang="en-US" dirty="0" smtClean="0"/>
+              <a:rPr lang="en-US" dirty="0"/>
               <a:t>Not recommended: use as last resort only!</a:t>
             </a:r>
           </a:p>
@@ -10984,7 +10338,7 @@
               </a:spcAft>
             </a:pPr>
             <a:r>
-              <a:rPr lang="en-US" dirty="0" smtClean="0"/>
+              <a:rPr lang="en-US" dirty="0"/>
               <a:t>Preferred approach:</a:t>
             </a:r>
           </a:p>
@@ -10995,7 +10349,7 @@
               </a:spcAft>
             </a:pPr>
             <a:r>
-              <a:rPr lang="en-US" dirty="0" smtClean="0"/>
+              <a:rPr lang="en-US" dirty="0"/>
               <a:t>Use </a:t>
             </a:r>
             <a:r>
@@ -11010,7 +10364,7 @@
               <a:t>ORM</a:t>
             </a:r>
             <a:r>
-              <a:rPr lang="en-US" dirty="0" smtClean="0"/>
+              <a:rPr lang="en-US" dirty="0"/>
               <a:t> (e.g. </a:t>
             </a:r>
             <a:r>
@@ -11025,7 +10379,7 @@
               <a:t>Entity Framework</a:t>
             </a:r>
             <a:r>
-              <a:rPr lang="en-US" dirty="0" smtClean="0"/>
+              <a:rPr lang="en-US" dirty="0"/>
               <a:t>)</a:t>
             </a:r>
           </a:p>
@@ -11036,11 +10390,11 @@
               </a:spcAft>
             </a:pPr>
             <a:r>
-              <a:rPr lang="en-US" dirty="0" smtClean="0"/>
+              <a:rPr lang="en-US" dirty="0"/>
               <a:t>Use </a:t>
             </a:r>
             <a:r>
-              <a:rPr lang="en-US" dirty="0" smtClean="0">
+              <a:rPr lang="en-US" dirty="0">
                 <a:solidFill>
                   <a:schemeClr val="accent5">
                     <a:lumMod val="20000"/>
@@ -11145,10 +10499,21 @@
                 <a:cs typeface="Consolas" pitchFamily="49" charset="0"/>
                 <a:sym typeface="Wingdings" pitchFamily="2" charset="2"/>
               </a:rPr>
-              <a:t>string searchSql = </a:t>
-            </a:r>
-            <a:r>
-              <a:rPr lang="en-US" sz="1800" b="1" noProof="1" smtClean="0">
+              <a:t>string searchSql = @"SELECT * FROM Messages</a:t>
+            </a:r>
+          </a:p>
+          <a:p>
+            <a:pPr eaLnBrk="0" hangingPunct="0">
+              <a:buClr>
+                <a:schemeClr val="accent5">
+                  <a:lumMod val="40000"/>
+                  <a:lumOff val="60000"/>
+                </a:schemeClr>
+              </a:buClr>
+              <a:buSzPct val="70000"/>
+            </a:pPr>
+            <a:r>
+              <a:rPr lang="en-US" sz="1800" b="1" noProof="1">
                 <a:solidFill>
                   <a:srgbClr val="8CF4F2"/>
                 </a:solidFill>
@@ -11163,8 +10528,19 @@
                 <a:cs typeface="Consolas" pitchFamily="49" charset="0"/>
                 <a:sym typeface="Wingdings" pitchFamily="2" charset="2"/>
               </a:rPr>
-              <a:t>@"</a:t>
-            </a:r>
+              <a:t>  WHERE MessageText LIKE {0} ESCAPE '~'";</a:t>
+            </a:r>
+          </a:p>
+          <a:p>
+            <a:pPr eaLnBrk="0" hangingPunct="0">
+              <a:buClr>
+                <a:schemeClr val="accent5">
+                  <a:lumMod val="40000"/>
+                  <a:lumOff val="60000"/>
+                </a:schemeClr>
+              </a:buClr>
+              <a:buSzPct val="70000"/>
+            </a:pPr>
             <a:r>
               <a:rPr lang="en-US" sz="1800" b="1" noProof="1">
                 <a:solidFill>
@@ -11181,10 +10557,21 @@
                 <a:cs typeface="Consolas" pitchFamily="49" charset="0"/>
                 <a:sym typeface="Wingdings" pitchFamily="2" charset="2"/>
               </a:rPr>
-              <a:t>SELECT * FROM </a:t>
-            </a:r>
-            <a:r>
-              <a:rPr lang="en-US" sz="1800" b="1" noProof="1" smtClean="0">
+              <a:t>string searchString = "%" + </a:t>
+            </a:r>
+          </a:p>
+          <a:p>
+            <a:pPr eaLnBrk="0" hangingPunct="0">
+              <a:buClr>
+                <a:schemeClr val="accent5">
+                  <a:lumMod val="40000"/>
+                  <a:lumOff val="60000"/>
+                </a:schemeClr>
+              </a:buClr>
+              <a:buSzPct val="70000"/>
+            </a:pPr>
+            <a:r>
+              <a:rPr lang="en-US" sz="1800" b="1" noProof="1">
                 <a:solidFill>
                   <a:srgbClr val="8CF4F2"/>
                 </a:solidFill>
@@ -11199,199 +10586,7 @@
                 <a:cs typeface="Consolas" pitchFamily="49" charset="0"/>
                 <a:sym typeface="Wingdings" pitchFamily="2" charset="2"/>
               </a:rPr>
-              <a:t>Messages</a:t>
-            </a:r>
-          </a:p>
-          <a:p>
-            <a:pPr eaLnBrk="0" hangingPunct="0">
-              <a:buClr>
-                <a:schemeClr val="accent5">
-                  <a:lumMod val="40000"/>
-                  <a:lumOff val="60000"/>
-                </a:schemeClr>
-              </a:buClr>
-              <a:buSzPct val="70000"/>
-            </a:pPr>
-            <a:r>
-              <a:rPr lang="en-US" sz="1800" b="1" noProof="1" smtClean="0">
-                <a:solidFill>
-                  <a:srgbClr val="8CF4F2"/>
-                </a:solidFill>
-                <a:effectLst>
-                  <a:outerShdw blurRad="38100" dist="38100" dir="2700000" algn="tl">
-                    <a:srgbClr val="000000">
-                      <a:alpha val="43137"/>
-                    </a:srgbClr>
-                  </a:outerShdw>
-                </a:effectLst>
-                <a:latin typeface="Consolas" pitchFamily="49" charset="0"/>
-                <a:cs typeface="Consolas" pitchFamily="49" charset="0"/>
-                <a:sym typeface="Wingdings" pitchFamily="2" charset="2"/>
-              </a:rPr>
-              <a:t>  WHERE </a:t>
-            </a:r>
-            <a:r>
-              <a:rPr lang="en-US" sz="1800" b="1" noProof="1">
-                <a:solidFill>
-                  <a:srgbClr val="8CF4F2"/>
-                </a:solidFill>
-                <a:effectLst>
-                  <a:outerShdw blurRad="38100" dist="38100" dir="2700000" algn="tl">
-                    <a:srgbClr val="000000">
-                      <a:alpha val="43137"/>
-                    </a:srgbClr>
-                  </a:outerShdw>
-                </a:effectLst>
-                <a:latin typeface="Consolas" pitchFamily="49" charset="0"/>
-                <a:cs typeface="Consolas" pitchFamily="49" charset="0"/>
-                <a:sym typeface="Wingdings" pitchFamily="2" charset="2"/>
-              </a:rPr>
-              <a:t>MessageText LIKE {0} ESCAPE '~'";</a:t>
-            </a:r>
-          </a:p>
-          <a:p>
-            <a:pPr eaLnBrk="0" hangingPunct="0">
-              <a:buClr>
-                <a:schemeClr val="accent5">
-                  <a:lumMod val="40000"/>
-                  <a:lumOff val="60000"/>
-                </a:schemeClr>
-              </a:buClr>
-              <a:buSzPct val="70000"/>
-            </a:pPr>
-            <a:r>
-              <a:rPr lang="en-US" sz="1800" b="1" noProof="1">
-                <a:solidFill>
-                  <a:srgbClr val="8CF4F2"/>
-                </a:solidFill>
-                <a:effectLst>
-                  <a:outerShdw blurRad="38100" dist="38100" dir="2700000" algn="tl">
-                    <a:srgbClr val="000000">
-                      <a:alpha val="43137"/>
-                    </a:srgbClr>
-                  </a:outerShdw>
-                </a:effectLst>
-                <a:latin typeface="Consolas" pitchFamily="49" charset="0"/>
-                <a:cs typeface="Consolas" pitchFamily="49" charset="0"/>
-                <a:sym typeface="Wingdings" pitchFamily="2" charset="2"/>
-              </a:rPr>
-              <a:t>string searchString = </a:t>
-            </a:r>
-            <a:r>
-              <a:rPr lang="en-US" sz="1800" b="1" noProof="1" smtClean="0">
-                <a:solidFill>
-                  <a:srgbClr val="8CF4F2"/>
-                </a:solidFill>
-                <a:effectLst>
-                  <a:outerShdw blurRad="38100" dist="38100" dir="2700000" algn="tl">
-                    <a:srgbClr val="000000">
-                      <a:alpha val="43137"/>
-                    </a:srgbClr>
-                  </a:outerShdw>
-                </a:effectLst>
-                <a:latin typeface="Consolas" pitchFamily="49" charset="0"/>
-                <a:cs typeface="Consolas" pitchFamily="49" charset="0"/>
-                <a:sym typeface="Wingdings" pitchFamily="2" charset="2"/>
-              </a:rPr>
-              <a:t>"%" </a:t>
-            </a:r>
-            <a:r>
-              <a:rPr lang="en-US" sz="1800" b="1" noProof="1">
-                <a:solidFill>
-                  <a:srgbClr val="8CF4F2"/>
-                </a:solidFill>
-                <a:effectLst>
-                  <a:outerShdw blurRad="38100" dist="38100" dir="2700000" algn="tl">
-                    <a:srgbClr val="000000">
-                      <a:alpha val="43137"/>
-                    </a:srgbClr>
-                  </a:outerShdw>
-                </a:effectLst>
-                <a:latin typeface="Consolas" pitchFamily="49" charset="0"/>
-                <a:cs typeface="Consolas" pitchFamily="49" charset="0"/>
-                <a:sym typeface="Wingdings" pitchFamily="2" charset="2"/>
-              </a:rPr>
-              <a:t>+ </a:t>
-            </a:r>
-            <a:endParaRPr lang="en-US" sz="1800" b="1" noProof="1" smtClean="0">
-              <a:solidFill>
-                <a:srgbClr val="8CF4F2"/>
-              </a:solidFill>
-              <a:effectLst>
-                <a:outerShdw blurRad="38100" dist="38100" dir="2700000" algn="tl">
-                  <a:srgbClr val="000000">
-                    <a:alpha val="43137"/>
-                  </a:srgbClr>
-                </a:outerShdw>
-              </a:effectLst>
-              <a:latin typeface="Consolas" pitchFamily="49" charset="0"/>
-              <a:cs typeface="Consolas" pitchFamily="49" charset="0"/>
-              <a:sym typeface="Wingdings" pitchFamily="2" charset="2"/>
-            </a:endParaRPr>
-          </a:p>
-          <a:p>
-            <a:pPr eaLnBrk="0" hangingPunct="0">
-              <a:buClr>
-                <a:schemeClr val="accent5">
-                  <a:lumMod val="40000"/>
-                  <a:lumOff val="60000"/>
-                </a:schemeClr>
-              </a:buClr>
-              <a:buSzPct val="70000"/>
-            </a:pPr>
-            <a:r>
-              <a:rPr lang="en-US" sz="1800" b="1" noProof="1">
-                <a:solidFill>
-                  <a:srgbClr val="8CF4F2"/>
-                </a:solidFill>
-                <a:effectLst>
-                  <a:outerShdw blurRad="38100" dist="38100" dir="2700000" algn="tl">
-                    <a:srgbClr val="000000">
-                      <a:alpha val="43137"/>
-                    </a:srgbClr>
-                  </a:outerShdw>
-                </a:effectLst>
-                <a:latin typeface="Consolas" pitchFamily="49" charset="0"/>
-                <a:cs typeface="Consolas" pitchFamily="49" charset="0"/>
-                <a:sym typeface="Wingdings" pitchFamily="2" charset="2"/>
-              </a:rPr>
-              <a:t> </a:t>
-            </a:r>
-            <a:r>
-              <a:rPr lang="en-US" sz="1800" b="1" noProof="1" smtClean="0">
-                <a:solidFill>
-                  <a:srgbClr val="8CF4F2"/>
-                </a:solidFill>
-                <a:effectLst>
-                  <a:outerShdw blurRad="38100" dist="38100" dir="2700000" algn="tl">
-                    <a:srgbClr val="000000">
-                      <a:alpha val="43137"/>
-                    </a:srgbClr>
-                  </a:outerShdw>
-                </a:effectLst>
-                <a:latin typeface="Consolas" pitchFamily="49" charset="0"/>
-                <a:cs typeface="Consolas" pitchFamily="49" charset="0"/>
-                <a:sym typeface="Wingdings" pitchFamily="2" charset="2"/>
-              </a:rPr>
-              <a:t> TextBoxSearch.Text.Replace</a:t>
-            </a:r>
-            <a:r>
-              <a:rPr lang="en-US" sz="1800" b="1" noProof="1">
-                <a:solidFill>
-                  <a:srgbClr val="8CF4F2"/>
-                </a:solidFill>
-                <a:effectLst>
-                  <a:outerShdw blurRad="38100" dist="38100" dir="2700000" algn="tl">
-                    <a:srgbClr val="000000">
-                      <a:alpha val="43137"/>
-                    </a:srgbClr>
-                  </a:outerShdw>
-                </a:effectLst>
-                <a:latin typeface="Consolas" pitchFamily="49" charset="0"/>
-                <a:cs typeface="Consolas" pitchFamily="49" charset="0"/>
-                <a:sym typeface="Wingdings" pitchFamily="2" charset="2"/>
-              </a:rPr>
-              <a:t>("~", "~~").Replace("%", "~%") + "%";</a:t>
+              <a:t>  TextBoxSearch.Text.Replace("~", "~~").Replace("%", "~%") + "%";</a:t>
             </a:r>
           </a:p>
           <a:p>
@@ -11478,77 +10673,8 @@
                 <a:cs typeface="Consolas" pitchFamily="49" charset="0"/>
                 <a:sym typeface="Wingdings" pitchFamily="2" charset="2"/>
               </a:rPr>
-              <a:t>  </a:t>
-            </a:r>
-            <a:r>
-              <a:rPr lang="en-US" sz="1800" b="1" noProof="1" smtClean="0">
-                <a:solidFill>
-                  <a:srgbClr val="8CF4F2"/>
-                </a:solidFill>
-                <a:effectLst>
-                  <a:outerShdw blurRad="38100" dist="38100" dir="2700000" algn="tl">
-                    <a:srgbClr val="000000">
-                      <a:alpha val="43137"/>
-                    </a:srgbClr>
-                  </a:outerShdw>
-                </a:effectLst>
-                <a:latin typeface="Consolas" pitchFamily="49" charset="0"/>
-                <a:cs typeface="Consolas" pitchFamily="49" charset="0"/>
-                <a:sym typeface="Wingdings" pitchFamily="2" charset="2"/>
-              </a:rPr>
-              <a:t>dbContext.Database.SqlQuery&lt;Message</a:t>
-            </a:r>
-            <a:r>
-              <a:rPr lang="en-US" sz="1800" b="1" noProof="1">
-                <a:solidFill>
-                  <a:srgbClr val="8CF4F2"/>
-                </a:solidFill>
-                <a:effectLst>
-                  <a:outerShdw blurRad="38100" dist="38100" dir="2700000" algn="tl">
-                    <a:srgbClr val="000000">
-                      <a:alpha val="43137"/>
-                    </a:srgbClr>
-                  </a:outerShdw>
-                </a:effectLst>
-                <a:latin typeface="Consolas" pitchFamily="49" charset="0"/>
-                <a:cs typeface="Consolas" pitchFamily="49" charset="0"/>
-                <a:sym typeface="Wingdings" pitchFamily="2" charset="2"/>
-              </a:rPr>
-              <a:t>&gt;(searchSql, searchString</a:t>
-            </a:r>
-            <a:r>
-              <a:rPr lang="en-US" sz="1800" b="1" noProof="1" smtClean="0">
-                <a:solidFill>
-                  <a:srgbClr val="8CF4F2"/>
-                </a:solidFill>
-                <a:effectLst>
-                  <a:outerShdw blurRad="38100" dist="38100" dir="2700000" algn="tl">
-                    <a:srgbClr val="000000">
-                      <a:alpha val="43137"/>
-                    </a:srgbClr>
-                  </a:outerShdw>
-                </a:effectLst>
-                <a:latin typeface="Consolas" pitchFamily="49" charset="0"/>
-                <a:cs typeface="Consolas" pitchFamily="49" charset="0"/>
-                <a:sym typeface="Wingdings" pitchFamily="2" charset="2"/>
-              </a:rPr>
-              <a:t>);</a:t>
-            </a:r>
-            <a:endParaRPr lang="en-US" sz="1800" b="1" noProof="1">
-              <a:solidFill>
-                <a:srgbClr val="8CF4F2"/>
-              </a:solidFill>
-              <a:effectLst>
-                <a:outerShdw blurRad="38100" dist="38100" dir="2700000" algn="tl">
-                  <a:srgbClr val="000000">
-                    <a:alpha val="43137"/>
-                  </a:srgbClr>
-                </a:outerShdw>
-              </a:effectLst>
-              <a:latin typeface="Consolas" pitchFamily="49" charset="0"/>
-              <a:cs typeface="Consolas" pitchFamily="49" charset="0"/>
-              <a:sym typeface="Wingdings" pitchFamily="2" charset="2"/>
-            </a:endParaRPr>
+              <a:t>  dbContext.Database.SqlQuery&lt;Message&gt;(searchSql, searchString);</a:t>
+            </a:r>
           </a:p>
         </p:txBody>
       </p:sp>
@@ -11603,10 +10729,9 @@
           <a:lstStyle/>
           <a:p>
             <a:r>
-              <a:rPr lang="en-US" dirty="0" smtClean="0"/>
+              <a:rPr lang="en-US" dirty="0"/>
               <a:t>SQL Injection and Prevention</a:t>
             </a:r>
-            <a:endParaRPr lang="en-US" dirty="0"/>
           </a:p>
         </p:txBody>
       </p:sp>
@@ -11631,10 +10756,9 @@
           <a:lstStyle/>
           <a:p>
             <a:r>
-              <a:rPr lang="en-US" dirty="0" smtClean="0"/>
+              <a:rPr lang="en-US" dirty="0"/>
               <a:t>Live Demo</a:t>
             </a:r>
-            <a:endParaRPr lang="en-US" dirty="0"/>
           </a:p>
         </p:txBody>
       </p:sp>
@@ -11724,13 +10848,8 @@
           <a:p>
             <a:r>
               <a:rPr lang="en-US" dirty="0"/>
-              <a:t>Cross Site Scripting (XSS</a:t>
-            </a:r>
-            <a:r>
-              <a:rPr lang="en-US" dirty="0" smtClean="0"/>
-              <a:t>)</a:t>
-            </a:r>
-            <a:endParaRPr lang="en-US" dirty="0"/>
+              <a:t>Cross Site Scripting (XSS)</a:t>
+            </a:r>
           </a:p>
         </p:txBody>
       </p:sp>
@@ -11755,10 +10874,9 @@
           <a:lstStyle/>
           <a:p>
             <a:r>
-              <a:rPr lang="en-US" dirty="0" smtClean="0"/>
+              <a:rPr lang="en-US" dirty="0"/>
               <a:t>What is XSS and How to Prevent It?</a:t>
             </a:r>
-            <a:endParaRPr lang="en-US" dirty="0"/>
           </a:p>
         </p:txBody>
       </p:sp>
@@ -11828,7 +10946,7 @@
           <a:lstStyle/>
           <a:p>
             <a:r>
-              <a:rPr lang="en-US" b="1" spc="-150" dirty="0" smtClean="0">
+              <a:rPr lang="en-US" b="1" spc="-150" dirty="0">
                 <a:solidFill>
                   <a:schemeClr val="bg1"/>
                 </a:solidFill>
@@ -11846,18 +10964,13 @@
               <a:t>script</a:t>
             </a:r>
             <a:r>
-              <a:rPr lang="en-US" b="1" spc="-150" dirty="0" smtClean="0">
+              <a:rPr lang="en-US" b="1" spc="-150" dirty="0">
                 <a:solidFill>
                   <a:schemeClr val="bg1"/>
                 </a:solidFill>
               </a:rPr>
               <a:t>&gt;…</a:t>
             </a:r>
-            <a:endParaRPr lang="en-US" b="1" spc="-150" dirty="0">
-              <a:solidFill>
-                <a:schemeClr val="bg1"/>
-              </a:solidFill>
-            </a:endParaRPr>
           </a:p>
         </p:txBody>
       </p:sp>
@@ -11884,7 +10997,7 @@
           <a:lstStyle/>
           <a:p>
             <a:r>
-              <a:rPr lang="en-US" sz="2400" b="1" spc="-150" dirty="0" smtClean="0">
+              <a:rPr lang="en-US" sz="2400" b="1" spc="-150" dirty="0">
                 <a:solidFill>
                   <a:schemeClr val="bg1"/>
                 </a:solidFill>
@@ -11893,13 +11006,6 @@
               </a:rPr>
               <a:t>&lt;script&gt;…</a:t>
             </a:r>
-            <a:endParaRPr lang="en-US" sz="2400" b="1" spc="-150" dirty="0">
-              <a:solidFill>
-                <a:schemeClr val="bg1"/>
-              </a:solidFill>
-              <a:latin typeface="Consolas" panose="020B0609020204030204" pitchFamily="49" charset="0"/>
-              <a:cs typeface="Consolas" panose="020B0609020204030204" pitchFamily="49" charset="0"/>
-            </a:endParaRPr>
           </a:p>
         </p:txBody>
       </p:sp>
@@ -11950,11 +11056,7 @@
           <a:p>
             <a:r>
               <a:rPr lang="en-US" dirty="0"/>
-              <a:t>XSS </a:t>
-            </a:r>
-            <a:r>
-              <a:rPr lang="en-US" dirty="0" smtClean="0"/>
-              <a:t>Attack</a:t>
+              <a:t>XSS Attack</a:t>
             </a:r>
             <a:endParaRPr lang="bg-BG" dirty="0"/>
           </a:p>
@@ -11989,10 +11091,37 @@
                   </a:schemeClr>
                 </a:solidFill>
               </a:rPr>
-              <a:t>Cross-site </a:t>
-            </a:r>
-            <a:r>
-              <a:rPr lang="en-US" dirty="0" smtClean="0">
+              <a:t>Cross-site scripting (XSS)</a:t>
+            </a:r>
+            <a:r>
+              <a:rPr lang="en-US" dirty="0"/>
+              <a:t> is a common security vulnerability in Web applications</a:t>
+            </a:r>
+          </a:p>
+          <a:p>
+            <a:pPr lvl="1"/>
+            <a:r>
+              <a:rPr lang="en-US" dirty="0"/>
+              <a:t>Web application is let to display a JavaScript code that is executed at the client's browser</a:t>
+            </a:r>
+          </a:p>
+          <a:p>
+            <a:pPr lvl="2"/>
+            <a:r>
+              <a:rPr lang="en-US" dirty="0"/>
+              <a:t>Crackers could take control over sessions, cookies, passwords, and other private data</a:t>
+            </a:r>
+          </a:p>
+          <a:p>
+            <a:r>
+              <a:rPr lang="en-US" dirty="0"/>
+              <a:t>How to prevent from XSS?</a:t>
+            </a:r>
+          </a:p>
+          <a:p>
+            <a:pPr lvl="1"/>
+            <a:r>
+              <a:rPr lang="en-US" dirty="0">
                 <a:solidFill>
                   <a:schemeClr val="accent5">
                     <a:lumMod val="20000"/>
@@ -12000,48 +11129,21 @@
                   </a:schemeClr>
                 </a:solidFill>
               </a:rPr>
-              <a:t>scripting (XSS)</a:t>
-            </a:r>
-            <a:r>
-              <a:rPr lang="en-US" dirty="0" smtClean="0"/>
-              <a:t> is a common security vulnerability in Web applications</a:t>
-            </a:r>
-            <a:endParaRPr lang="en-US" dirty="0"/>
+              <a:t>Validate</a:t>
+            </a:r>
+            <a:r>
+              <a:rPr lang="en-US" dirty="0"/>
+              <a:t> the user input (built-in in ASP.NET)</a:t>
+            </a:r>
           </a:p>
           <a:p>
             <a:pPr lvl="1"/>
             <a:r>
               <a:rPr lang="en-US" dirty="0"/>
-              <a:t>Web application is </a:t>
-            </a:r>
-            <a:r>
-              <a:rPr lang="en-US" dirty="0" smtClean="0"/>
-              <a:t>let to display a JavaScript code that is executed at the client's browser</a:t>
-            </a:r>
-          </a:p>
-          <a:p>
-            <a:pPr lvl="2"/>
-            <a:r>
-              <a:rPr lang="en-US" dirty="0" smtClean="0"/>
-              <a:t>Crackers could take control over sessions, cookies, passwords, and other private data</a:t>
-            </a:r>
-            <a:endParaRPr lang="en-US" dirty="0"/>
-          </a:p>
-          <a:p>
-            <a:r>
-              <a:rPr lang="en-US" dirty="0"/>
-              <a:t>How to prevent from </a:t>
-            </a:r>
-            <a:r>
-              <a:rPr lang="en-US" dirty="0" smtClean="0"/>
-              <a:t>XSS?</a:t>
-            </a:r>
-            <a:endParaRPr lang="en-US" dirty="0"/>
-          </a:p>
-          <a:p>
-            <a:pPr lvl="1"/>
-            <a:r>
-              <a:rPr lang="en-US" dirty="0" smtClean="0">
+              <a:t>Perform </a:t>
+            </a:r>
+            <a:r>
+              <a:rPr lang="en-US" dirty="0">
                 <a:solidFill>
                   <a:schemeClr val="accent5">
                     <a:lumMod val="20000"/>
@@ -12049,19 +11151,11 @@
                   </a:schemeClr>
                 </a:solidFill>
               </a:rPr>
-              <a:t>Validate</a:t>
-            </a:r>
-            <a:r>
-              <a:rPr lang="en-US" dirty="0" smtClean="0"/>
-              <a:t> the user input (built-in in ASP.NET)</a:t>
-            </a:r>
-            <a:endParaRPr lang="en-US" dirty="0"/>
-          </a:p>
-          <a:p>
-            <a:pPr lvl="1"/>
+              <a:t>HTML</a:t>
+            </a:r>
             <a:r>
               <a:rPr lang="en-US" dirty="0"/>
-              <a:t>Perform </a:t>
+              <a:t> </a:t>
             </a:r>
             <a:r>
               <a:rPr lang="en-US" dirty="0">
@@ -12072,28 +11166,12 @@
                   </a:schemeClr>
                 </a:solidFill>
               </a:rPr>
-              <a:t>HTML</a:t>
+              <a:t>escaping</a:t>
             </a:r>
             <a:r>
               <a:rPr lang="en-US" dirty="0"/>
-              <a:t> </a:t>
-            </a:r>
-            <a:r>
-              <a:rPr lang="en-US" dirty="0" smtClean="0">
-                <a:solidFill>
-                  <a:schemeClr val="accent5">
-                    <a:lumMod val="20000"/>
-                    <a:lumOff val="80000"/>
-                  </a:schemeClr>
-                </a:solidFill>
-              </a:rPr>
-              <a:t>escaping</a:t>
-            </a:r>
-            <a:r>
-              <a:rPr lang="en-US" dirty="0" smtClean="0"/>
               <a:t> when displaying text data in a Web control</a:t>
             </a:r>
-            <a:endParaRPr lang="en-US" dirty="0"/>
           </a:p>
           <a:p>
             <a:pPr>
@@ -12144,13 +11222,6 @@
     <a:masterClrMapping/>
   </p:clrMapOvr>
   <p:transition/>
-  <p:timing>
-    <p:tnLst>
-      <p:par>
-        <p:cTn id="1" dur="indefinite" restart="never" nodeType="tmRoot"/>
-      </p:par>
-    </p:tnLst>
-  </p:timing>
 </p:sld>
 </file>
 
@@ -12187,10 +11258,9 @@
           <a:lstStyle/>
           <a:p>
             <a:r>
-              <a:rPr lang="en-US" dirty="0" smtClean="0"/>
+              <a:rPr lang="en-US" dirty="0"/>
               <a:t>XSS</a:t>
             </a:r>
-            <a:endParaRPr lang="en-US" dirty="0"/>
           </a:p>
         </p:txBody>
       </p:sp>
@@ -12210,59 +11280,58 @@
           <a:lstStyle/>
           <a:p>
             <a:r>
-              <a:rPr lang="en-US" dirty="0" smtClean="0"/>
+              <a:rPr lang="en-US" dirty="0"/>
               <a:t>Cross-site scripting attack</a:t>
             </a:r>
           </a:p>
           <a:p>
             <a:pPr lvl="1"/>
             <a:r>
-              <a:rPr lang="en-US" dirty="0" smtClean="0"/>
+              <a:rPr lang="en-US" dirty="0"/>
               <a:t>Cookie theft</a:t>
             </a:r>
           </a:p>
           <a:p>
             <a:pPr lvl="1"/>
             <a:r>
-              <a:rPr lang="en-US" dirty="0" smtClean="0"/>
+              <a:rPr lang="en-US" dirty="0"/>
               <a:t>Account hijacking</a:t>
             </a:r>
           </a:p>
           <a:p>
             <a:pPr lvl="1"/>
             <a:r>
-              <a:rPr lang="en-US" dirty="0" smtClean="0"/>
+              <a:rPr lang="en-US" dirty="0"/>
               <a:t>Modify content</a:t>
             </a:r>
           </a:p>
           <a:p>
             <a:pPr lvl="1"/>
             <a:r>
-              <a:rPr lang="en-US" dirty="0" smtClean="0"/>
+              <a:rPr lang="en-US" dirty="0"/>
               <a:t>Modify user settings</a:t>
             </a:r>
           </a:p>
           <a:p>
             <a:pPr lvl="1"/>
             <a:r>
-              <a:rPr lang="en-US" dirty="0" smtClean="0"/>
+              <a:rPr lang="en-US" dirty="0"/>
               <a:t>Download malware</a:t>
             </a:r>
           </a:p>
           <a:p>
             <a:pPr lvl="1"/>
             <a:r>
-              <a:rPr lang="en-US" dirty="0" smtClean="0"/>
+              <a:rPr lang="en-US" dirty="0"/>
               <a:t>Submit CRSF attack</a:t>
             </a:r>
           </a:p>
           <a:p>
             <a:pPr lvl="1"/>
             <a:r>
-              <a:rPr lang="en-US" dirty="0" smtClean="0"/>
+              <a:rPr lang="en-US" dirty="0"/>
               <a:t>Password prompt</a:t>
             </a:r>
-            <a:endParaRPr lang="en-US" dirty="0"/>
           </a:p>
         </p:txBody>
       </p:sp>
@@ -12475,10 +11544,9 @@
           <a:p>
             <a:pPr algn="ctr"/>
             <a:r>
-              <a:rPr lang="en-US" sz="1600" dirty="0" smtClean="0"/>
+              <a:rPr lang="en-US" sz="1600" dirty="0"/>
               <a:t>Submits  script on an unsafe form</a:t>
             </a:r>
-            <a:endParaRPr lang="en-US" sz="1600" dirty="0"/>
           </a:p>
         </p:txBody>
       </p:sp>
@@ -12506,10 +11574,9 @@
           <a:p>
             <a:pPr algn="ctr"/>
             <a:r>
-              <a:rPr lang="en-US" sz="1600" dirty="0" smtClean="0"/>
+              <a:rPr lang="en-US" sz="1600" dirty="0"/>
               <a:t>Execute the script  on visiting the page</a:t>
             </a:r>
-            <a:endParaRPr lang="en-US" sz="1600" dirty="0"/>
           </a:p>
         </p:txBody>
       </p:sp>
@@ -12810,7 +11877,7 @@
           <a:lstStyle/>
           <a:p>
             <a:r>
-              <a:rPr lang="en-US" dirty="0" smtClean="0"/>
+              <a:rPr lang="en-US" dirty="0"/>
               <a:t>Automatic Request Validation</a:t>
             </a:r>
             <a:endParaRPr lang="bg-BG" dirty="0"/>
@@ -12849,11 +11916,11 @@
               </a:spcAft>
             </a:pPr>
             <a:r>
-              <a:rPr lang="en-US" dirty="0" smtClean="0"/>
+              <a:rPr lang="en-US" dirty="0"/>
               <a:t>ASP.NET applies </a:t>
             </a:r>
             <a:r>
-              <a:rPr lang="en-US" dirty="0" smtClean="0">
+              <a:rPr lang="en-US" dirty="0">
                 <a:solidFill>
                   <a:schemeClr val="accent5">
                     <a:lumMod val="20000"/>
@@ -12877,11 +11944,11 @@
               </a:spcAft>
             </a:pPr>
             <a:r>
-              <a:rPr lang="en-US" dirty="0" smtClean="0"/>
+              <a:rPr lang="en-US" dirty="0"/>
               <a:t>Controlled by the </a:t>
             </a:r>
             <a:r>
-              <a:rPr lang="en-US" noProof="1" smtClean="0">
+              <a:rPr lang="en-US" noProof="1">
                 <a:solidFill>
                   <a:schemeClr val="accent5">
                     <a:lumMod val="20000"/>
@@ -12893,12 +11960,8 @@
               <a:t>ValidateRequest</a:t>
             </a:r>
             <a:r>
-              <a:rPr lang="en-US" dirty="0" smtClean="0"/>
-              <a:t> </a:t>
-            </a:r>
-            <a:r>
               <a:rPr lang="en-US" dirty="0"/>
-              <a:t>attribute of </a:t>
+              <a:t> attribute of </a:t>
             </a:r>
             <a:r>
               <a:rPr lang="en-US" dirty="0">
@@ -12948,19 +12011,11 @@
               </a:spcAft>
             </a:pPr>
             <a:r>
-              <a:rPr lang="en-US" dirty="0" smtClean="0"/>
-              <a:t>The </a:t>
-            </a:r>
-            <a:r>
               <a:rPr lang="en-US" dirty="0"/>
-              <a:t>default </a:t>
-            </a:r>
-            <a:r>
-              <a:rPr lang="en-US" dirty="0" smtClean="0"/>
-              <a:t>is </a:t>
-            </a:r>
-            <a:r>
-              <a:rPr lang="en-US" dirty="0" smtClean="0">
+              <a:t>The default is </a:t>
+            </a:r>
+            <a:r>
+              <a:rPr lang="en-US" dirty="0">
                 <a:solidFill>
                   <a:schemeClr val="accent5">
                     <a:lumMod val="20000"/>
@@ -12986,7 +12041,7 @@
               </a:spcAft>
             </a:pPr>
             <a:r>
-              <a:rPr lang="en-US" dirty="0" smtClean="0"/>
+              <a:rPr lang="en-US" dirty="0"/>
               <a:t>Using it could harm the normal work on most applications</a:t>
             </a:r>
           </a:p>
@@ -13003,7 +12058,7 @@
               </a:spcAft>
             </a:pPr>
             <a:r>
-              <a:rPr lang="en-US" dirty="0" smtClean="0"/>
+              <a:rPr lang="en-US" dirty="0"/>
               <a:t>E.g. a user posts JavaScript code in a forum</a:t>
             </a:r>
           </a:p>
@@ -13020,7 +12075,7 @@
               </a:spcAft>
             </a:pPr>
             <a:r>
-              <a:rPr lang="en-US" dirty="0" smtClean="0"/>
+              <a:rPr lang="en-US" dirty="0"/>
               <a:t>Escaping is a better way to handle the problem</a:t>
             </a:r>
             <a:endParaRPr lang="bg-BG" dirty="0"/>
@@ -13121,58 +12176,7 @@
                 <a:latin typeface="Consolas" pitchFamily="49" charset="0"/>
                 <a:cs typeface="Consolas" pitchFamily="49" charset="0"/>
               </a:rPr>
-              <a:t>500 Internal Server </a:t>
-            </a:r>
-            <a:r>
-              <a:rPr lang="en-US" sz="2000" b="1" i="1" noProof="1" smtClean="0">
-                <a:solidFill>
-                  <a:srgbClr val="8CF4F2"/>
-                </a:solidFill>
-                <a:effectLst>
-                  <a:outerShdw blurRad="38100" dist="38100" dir="2700000" algn="tl">
-                    <a:srgbClr val="000000">
-                      <a:alpha val="43137"/>
-                    </a:srgbClr>
-                  </a:outerShdw>
-                </a:effectLst>
-                <a:latin typeface="Consolas" pitchFamily="49" charset="0"/>
-                <a:cs typeface="Consolas" pitchFamily="49" charset="0"/>
-              </a:rPr>
-              <a:t>Error: A </a:t>
-            </a:r>
-            <a:r>
-              <a:rPr lang="en-US" sz="2000" b="1" i="1" noProof="1">
-                <a:solidFill>
-                  <a:srgbClr val="8CF4F2"/>
-                </a:solidFill>
-                <a:effectLst>
-                  <a:outerShdw blurRad="38100" dist="38100" dir="2700000" algn="tl">
-                    <a:srgbClr val="000000">
-                      <a:alpha val="43137"/>
-                    </a:srgbClr>
-                  </a:outerShdw>
-                </a:effectLst>
-                <a:latin typeface="Consolas" pitchFamily="49" charset="0"/>
-                <a:cs typeface="Consolas" pitchFamily="49" charset="0"/>
-              </a:rPr>
-              <a:t>potentially dangerous Request.Form value was detected from the client </a:t>
-            </a:r>
-            <a:r>
-              <a:rPr lang="en-US" sz="2000" b="1" i="1" noProof="1" smtClean="0">
-                <a:solidFill>
-                  <a:srgbClr val="8CF4F2"/>
-                </a:solidFill>
-                <a:effectLst>
-                  <a:outerShdw blurRad="38100" dist="38100" dir="2700000" algn="tl">
-                    <a:srgbClr val="000000">
-                      <a:alpha val="43137"/>
-                    </a:srgbClr>
-                  </a:outerShdw>
-                </a:effectLst>
-                <a:latin typeface="Consolas" pitchFamily="49" charset="0"/>
-                <a:cs typeface="Consolas" pitchFamily="49" charset="0"/>
-              </a:rPr>
-              <a:t>(…)</a:t>
+              <a:t>500 Internal Server Error: A potentially dangerous Request.Form value was detected from the client (…)</a:t>
             </a:r>
             <a:endParaRPr lang="fr-FR" sz="2000" b="1" i="1" noProof="1">
               <a:solidFill>
@@ -13202,13 +12206,6 @@
     <a:masterClrMapping/>
   </p:clrMapOvr>
   <p:transition/>
-  <p:timing>
-    <p:tnLst>
-      <p:par>
-        <p:cTn id="1" dur="indefinite" restart="never" nodeType="tmRoot"/>
-      </p:par>
-    </p:tnLst>
-  </p:timing>
 </p:sld>
 </file>
 
@@ -13246,13 +12243,8 @@
           <a:p>
             <a:r>
               <a:rPr lang="en-US" dirty="0"/>
-              <a:t>Disable </a:t>
-            </a:r>
-            <a:r>
-              <a:rPr lang="en-US" dirty="0" smtClean="0"/>
-              <a:t>Request Validation</a:t>
-            </a:r>
-            <a:endParaRPr lang="en-US" dirty="0"/>
+              <a:t>Disable Request Validation</a:t>
+            </a:r>
           </a:p>
         </p:txBody>
       </p:sp>
@@ -13272,14 +12264,14 @@
           <a:lstStyle/>
           <a:p>
             <a:r>
-              <a:rPr lang="en-US" dirty="0" smtClean="0"/>
+              <a:rPr lang="en-US" dirty="0"/>
               <a:t>ASP.NET </a:t>
             </a:r>
             <a:r>
-              <a:rPr lang="en-US" dirty="0" err="1" smtClean="0"/>
+              <a:rPr lang="en-US" dirty="0" err="1"/>
               <a:t>WebForms</a:t>
             </a:r>
-            <a:endParaRPr lang="en-US" dirty="0" smtClean="0"/>
+            <a:endParaRPr lang="en-US" dirty="0"/>
           </a:p>
           <a:p>
             <a:pPr lvl="1">
@@ -13288,12 +12280,8 @@
               </a:spcAft>
             </a:pPr>
             <a:r>
-              <a:rPr lang="en-US" dirty="0" smtClean="0"/>
-              <a:t>Disable </a:t>
-            </a:r>
-            <a:r>
               <a:rPr lang="en-US" dirty="0"/>
-              <a:t>the HTTP request validation for all pages in </a:t>
+              <a:t>Disable the HTTP request validation for all pages in </a:t>
             </a:r>
             <a:r>
               <a:rPr lang="en-US" noProof="1">
@@ -13323,10 +12311,27 @@
                 <a:latin typeface="Consolas" pitchFamily="49" charset="0"/>
                 <a:cs typeface="Consolas" pitchFamily="49" charset="0"/>
               </a:rPr>
-              <a:t>&lt;system.web</a:t>
-            </a:r>
-            <a:r>
-              <a:rPr lang="en-US" noProof="1" smtClean="0">
+              <a:t>&lt;system.web&gt;</a:t>
+            </a:r>
+            <a:r>
+              <a:rPr lang="en-US" dirty="0"/>
+              <a:t>):</a:t>
+            </a:r>
+          </a:p>
+          <a:p>
+            <a:r>
+              <a:rPr lang="en-US" dirty="0"/>
+              <a:t>ASP.NET MVC</a:t>
+            </a:r>
+          </a:p>
+          <a:p>
+            <a:pPr lvl="1"/>
+            <a:r>
+              <a:rPr lang="en-US" dirty="0"/>
+              <a:t>Using the </a:t>
+            </a:r>
+            <a:r>
+              <a:rPr lang="en-US" dirty="0" err="1">
                 <a:solidFill>
                   <a:schemeClr val="accent5">
                     <a:lumMod val="20000"/>
@@ -13336,48 +12341,12 @@
                 <a:latin typeface="Consolas" pitchFamily="49" charset="0"/>
                 <a:cs typeface="Consolas" pitchFamily="49" charset="0"/>
               </a:rPr>
-              <a:t>&gt;</a:t>
-            </a:r>
-            <a:r>
-              <a:rPr lang="en-US" dirty="0" smtClean="0"/>
-              <a:t>):</a:t>
-            </a:r>
-            <a:endParaRPr lang="en-US" dirty="0"/>
-          </a:p>
-          <a:p>
-            <a:r>
-              <a:rPr lang="en-US" dirty="0" smtClean="0"/>
-              <a:t>ASP.NET MVC</a:t>
-            </a:r>
-          </a:p>
-          <a:p>
-            <a:pPr lvl="1"/>
+              <a:t>ValidateInput</a:t>
+            </a:r>
             <a:r>
               <a:rPr lang="en-US" dirty="0"/>
-              <a:t>U</a:t>
-            </a:r>
-            <a:r>
-              <a:rPr lang="en-US" dirty="0" smtClean="0"/>
-              <a:t>sing the </a:t>
-            </a:r>
-            <a:r>
-              <a:rPr lang="en-US" dirty="0" err="1" smtClean="0">
-                <a:solidFill>
-                  <a:schemeClr val="accent5">
-                    <a:lumMod val="20000"/>
-                    <a:lumOff val="80000"/>
-                  </a:schemeClr>
-                </a:solidFill>
-                <a:latin typeface="Consolas" pitchFamily="49" charset="0"/>
-                <a:cs typeface="Consolas" pitchFamily="49" charset="0"/>
-              </a:rPr>
-              <a:t>ValidateInput</a:t>
-            </a:r>
-            <a:r>
-              <a:rPr lang="en-US" dirty="0" smtClean="0"/>
               <a:t> filter we can disable validation for an action or entire controller</a:t>
             </a:r>
-            <a:endParaRPr lang="en-US" dirty="0"/>
           </a:p>
           <a:p>
             <a:endParaRPr lang="en-US" dirty="0"/>
@@ -13478,39 +12447,8 @@
                 <a:latin typeface="Consolas" pitchFamily="49" charset="0"/>
                 <a:cs typeface="Consolas" pitchFamily="49" charset="0"/>
               </a:rPr>
-              <a:t>&lt;httpRuntime requestValidationMode="2.0</a:t>
-            </a:r>
-            <a:r>
-              <a:rPr lang="fr-FR" sz="2000" b="1" noProof="1" smtClean="0">
-                <a:solidFill>
-                  <a:srgbClr val="8CF4F2"/>
-                </a:solidFill>
-                <a:effectLst>
-                  <a:outerShdw blurRad="38100" dist="38100" dir="2700000" algn="tl">
-                    <a:srgbClr val="000000">
-                      <a:alpha val="43137"/>
-                    </a:srgbClr>
-                  </a:outerShdw>
-                </a:effectLst>
-                <a:latin typeface="Consolas" pitchFamily="49" charset="0"/>
-                <a:cs typeface="Consolas" pitchFamily="49" charset="0"/>
-              </a:rPr>
-              <a:t>" /&gt;</a:t>
-            </a:r>
-            <a:endParaRPr lang="fr-FR" sz="2000" b="1" noProof="1">
-              <a:solidFill>
-                <a:srgbClr val="8CF4F2"/>
-              </a:solidFill>
-              <a:effectLst>
-                <a:outerShdw blurRad="38100" dist="38100" dir="2700000" algn="tl">
-                  <a:srgbClr val="000000">
-                    <a:alpha val="43137"/>
-                  </a:srgbClr>
-                </a:outerShdw>
-              </a:effectLst>
-              <a:latin typeface="Consolas" pitchFamily="49" charset="0"/>
-              <a:cs typeface="Consolas" pitchFamily="49" charset="0"/>
-            </a:endParaRPr>
+              <a:t>&lt;httpRuntime requestValidationMode="2.0" /&gt;</a:t>
+            </a:r>
           </a:p>
           <a:p>
             <a:pPr eaLnBrk="0" hangingPunct="0">
@@ -13540,39 +12478,8 @@
                 <a:latin typeface="Consolas" pitchFamily="49" charset="0"/>
                 <a:cs typeface="Consolas" pitchFamily="49" charset="0"/>
               </a:rPr>
-              <a:t>&lt;pages validateRequest="false</a:t>
-            </a:r>
-            <a:r>
-              <a:rPr lang="fr-FR" sz="2000" b="1" noProof="1" smtClean="0">
-                <a:solidFill>
-                  <a:srgbClr val="8CF4F2"/>
-                </a:solidFill>
-                <a:effectLst>
-                  <a:outerShdw blurRad="38100" dist="38100" dir="2700000" algn="tl">
-                    <a:srgbClr val="000000">
-                      <a:alpha val="43137"/>
-                    </a:srgbClr>
-                  </a:outerShdw>
-                </a:effectLst>
-                <a:latin typeface="Consolas" pitchFamily="49" charset="0"/>
-                <a:cs typeface="Consolas" pitchFamily="49" charset="0"/>
-              </a:rPr>
-              <a:t>" /&gt;</a:t>
-            </a:r>
-            <a:endParaRPr lang="fr-FR" sz="2000" b="1" noProof="1">
-              <a:solidFill>
-                <a:srgbClr val="8CF4F2"/>
-              </a:solidFill>
-              <a:effectLst>
-                <a:outerShdw blurRad="38100" dist="38100" dir="2700000" algn="tl">
-                  <a:srgbClr val="000000">
-                    <a:alpha val="43137"/>
-                  </a:srgbClr>
-                </a:outerShdw>
-              </a:effectLst>
-              <a:latin typeface="Consolas" pitchFamily="49" charset="0"/>
-              <a:cs typeface="Consolas" pitchFamily="49" charset="0"/>
-            </a:endParaRPr>
+              <a:t>&lt;pages validateRequest="false" /&gt;</a:t>
+            </a:r>
           </a:p>
         </p:txBody>
       </p:sp>
@@ -13641,24 +12548,7 @@
                 <a:latin typeface="Consolas" pitchFamily="49" charset="0"/>
                 <a:cs typeface="Consolas" pitchFamily="49" charset="0"/>
               </a:rPr>
-              <a:t>[ValidateInput(false</a:t>
-            </a:r>
-            <a:r>
-              <a:rPr lang="fr-FR" sz="2000" b="1" noProof="1" smtClean="0">
-                <a:solidFill>
-                  <a:srgbClr val="8CF4F2"/>
-                </a:solidFill>
-                <a:effectLst>
-                  <a:outerShdw blurRad="38100" dist="38100" dir="2700000" algn="tl">
-                    <a:srgbClr val="000000">
-                      <a:alpha val="43137"/>
-                    </a:srgbClr>
-                  </a:outerShdw>
-                </a:effectLst>
-                <a:latin typeface="Consolas" pitchFamily="49" charset="0"/>
-                <a:cs typeface="Consolas" pitchFamily="49" charset="0"/>
-              </a:rPr>
-              <a:t>)]</a:t>
+              <a:t>[ValidateInput(false)]</a:t>
             </a:r>
           </a:p>
           <a:p>
@@ -13689,39 +12579,8 @@
                 <a:latin typeface="Consolas" pitchFamily="49" charset="0"/>
                 <a:cs typeface="Consolas" pitchFamily="49" charset="0"/>
               </a:rPr>
-              <a:t>public ActionResult XssMvc(string someInput</a:t>
-            </a:r>
-            <a:r>
-              <a:rPr lang="fr-FR" sz="2000" b="1" noProof="1" smtClean="0">
-                <a:solidFill>
-                  <a:srgbClr val="8CF4F2"/>
-                </a:solidFill>
-                <a:effectLst>
-                  <a:outerShdw blurRad="38100" dist="38100" dir="2700000" algn="tl">
-                    <a:srgbClr val="000000">
-                      <a:alpha val="43137"/>
-                    </a:srgbClr>
-                  </a:outerShdw>
-                </a:effectLst>
-                <a:latin typeface="Consolas" pitchFamily="49" charset="0"/>
-                <a:cs typeface="Consolas" pitchFamily="49" charset="0"/>
-              </a:rPr>
-              <a:t>) { … }</a:t>
-            </a:r>
-            <a:endParaRPr lang="fr-FR" sz="2000" b="1" noProof="1">
-              <a:solidFill>
-                <a:srgbClr val="8CF4F2"/>
-              </a:solidFill>
-              <a:effectLst>
-                <a:outerShdw blurRad="38100" dist="38100" dir="2700000" algn="tl">
-                  <a:srgbClr val="000000">
-                    <a:alpha val="43137"/>
-                  </a:srgbClr>
-                </a:outerShdw>
-              </a:effectLst>
-              <a:latin typeface="Consolas" pitchFamily="49" charset="0"/>
-              <a:cs typeface="Consolas" pitchFamily="49" charset="0"/>
-            </a:endParaRPr>
+              <a:t>public ActionResult XssMvc(string someInput) { … }</a:t>
+            </a:r>
           </a:p>
         </p:txBody>
       </p:sp>
@@ -13772,11 +12631,7 @@
           <a:p>
             <a:r>
               <a:rPr lang="en-US" dirty="0"/>
-              <a:t>What is HTML </a:t>
-            </a:r>
-            <a:r>
-              <a:rPr lang="en-US" dirty="0" smtClean="0"/>
-              <a:t>Escaping?</a:t>
+              <a:t>What is HTML Escaping?</a:t>
             </a:r>
             <a:endParaRPr lang="bg-BG" dirty="0"/>
           </a:p>
@@ -13798,7 +12653,7 @@
           <a:lstStyle/>
           <a:p>
             <a:r>
-              <a:rPr lang="en-US" dirty="0" smtClean="0">
+              <a:rPr lang="en-US" dirty="0">
                 <a:solidFill>
                   <a:schemeClr val="accent5">
                     <a:lumMod val="20000"/>
@@ -13809,16 +12664,8 @@
               <a:t>HTML escaping </a:t>
             </a:r>
             <a:r>
-              <a:rPr lang="en-US" dirty="0" smtClean="0"/>
-              <a:t>is the act of replacing special </a:t>
-            </a:r>
-            <a:r>
               <a:rPr lang="en-US" dirty="0"/>
-              <a:t>characters </a:t>
-            </a:r>
-            <a:r>
-              <a:rPr lang="en-US" dirty="0" smtClean="0"/>
-              <a:t>with their HTML entities</a:t>
+              <a:t>is the act of replacing special characters with their HTML entities</a:t>
             </a:r>
           </a:p>
           <a:p>
@@ -13830,14 +12677,14 @@
           </a:p>
           <a:p>
             <a:r>
-              <a:rPr lang="en-US" dirty="0" smtClean="0"/>
+              <a:rPr lang="en-US" dirty="0"/>
               <a:t>Typical characters to escape</a:t>
             </a:r>
           </a:p>
           <a:p>
             <a:pPr lvl="1"/>
             <a:r>
-              <a:rPr lang="en-US" dirty="0" smtClean="0">
+              <a:rPr lang="en-US" dirty="0">
                 <a:solidFill>
                   <a:schemeClr val="accent5">
                     <a:lumMod val="20000"/>
@@ -13850,11 +12697,11 @@
               <a:t>&lt;</a:t>
             </a:r>
             <a:r>
-              <a:rPr lang="en-US" dirty="0" smtClean="0"/>
+              <a:rPr lang="en-US" dirty="0"/>
               <a:t>, </a:t>
             </a:r>
             <a:r>
-              <a:rPr lang="en-US" dirty="0" smtClean="0">
+              <a:rPr lang="en-US" dirty="0">
                 <a:solidFill>
                   <a:schemeClr val="accent5">
                     <a:lumMod val="20000"/>
@@ -13867,10 +12714,9 @@
               <a:t>&gt;</a:t>
             </a:r>
             <a:r>
-              <a:rPr lang="en-US" dirty="0" smtClean="0"/>
+              <a:rPr lang="en-US" dirty="0"/>
               <a:t> – start / end of HTML tag</a:t>
             </a:r>
-            <a:endParaRPr lang="en-US" dirty="0"/>
           </a:p>
           <a:p>
             <a:pPr lvl="1"/>
@@ -13895,7 +12741,7 @@
           <a:p>
             <a:pPr lvl="1"/>
             <a:r>
-              <a:rPr lang="en-US" dirty="0" smtClean="0">
+              <a:rPr lang="en-US" dirty="0">
                 <a:solidFill>
                   <a:schemeClr val="accent5">
                     <a:lumMod val="20000"/>
@@ -13908,11 +12754,11 @@
               <a:t>'</a:t>
             </a:r>
             <a:r>
-              <a:rPr lang="en-US" dirty="0" smtClean="0"/>
+              <a:rPr lang="en-US" dirty="0"/>
               <a:t>, </a:t>
             </a:r>
             <a:r>
-              <a:rPr lang="en-US" dirty="0" smtClean="0">
+              <a:rPr lang="en-US" dirty="0">
                 <a:solidFill>
                   <a:schemeClr val="accent5">
                     <a:lumMod val="20000"/>
@@ -13925,15 +12771,14 @@
               <a:t>"</a:t>
             </a:r>
             <a:r>
-              <a:rPr lang="en-US" dirty="0" smtClean="0"/>
+              <a:rPr lang="en-US" dirty="0"/>
               <a:t> – text in single / double quotes</a:t>
             </a:r>
-            <a:endParaRPr lang="en-US" dirty="0"/>
           </a:p>
           <a:p>
             <a:pPr lvl="1"/>
             <a:r>
-              <a:rPr lang="en-US" dirty="0" smtClean="0"/>
+              <a:rPr lang="en-US" dirty="0"/>
               <a:t>…</a:t>
             </a:r>
           </a:p>
@@ -14024,13 +12869,6 @@
     <a:masterClrMapping/>
   </p:clrMapOvr>
   <p:transition/>
-  <p:timing>
-    <p:tnLst>
-      <p:par>
-        <p:cTn id="1" dur="indefinite" restart="never" nodeType="tmRoot"/>
-      </p:par>
-    </p:tnLst>
-  </p:timing>
 </p:sld>
 </file>
 
@@ -14067,11 +12905,11 @@
           <a:lstStyle/>
           <a:p>
             <a:r>
-              <a:rPr lang="en-US" dirty="0" smtClean="0"/>
+              <a:rPr lang="en-US" dirty="0"/>
               <a:t>HTML </a:t>
             </a:r>
             <a:r>
-              <a:rPr lang="en-US" smtClean="0"/>
+              <a:rPr lang="en-US"/>
               <a:t>Character Escaping</a:t>
             </a:r>
             <a:endParaRPr lang="bg-BG" dirty="0"/>
@@ -14105,14 +12943,10 @@
             </a:pPr>
             <a:r>
               <a:rPr lang="en-US" sz="3000" dirty="0"/>
-              <a:t>Each character could be presented </a:t>
-            </a:r>
-            <a:r>
-              <a:rPr lang="en-US" sz="3000" dirty="0" smtClean="0"/>
-              <a:t>as </a:t>
-            </a:r>
-            <a:r>
-              <a:rPr lang="en-US" sz="3000" dirty="0" smtClean="0">
+              <a:t>Each character could be presented as </a:t>
+            </a:r>
+            <a:r>
+              <a:rPr lang="en-US" sz="3000" dirty="0">
                 <a:solidFill>
                   <a:schemeClr val="accent5">
                     <a:lumMod val="20000"/>
@@ -14123,10 +12957,9 @@
               <a:t>HTML entity </a:t>
             </a:r>
             <a:r>
-              <a:rPr lang="en-US" sz="3000" dirty="0" smtClean="0"/>
+              <a:rPr lang="en-US" sz="3000" dirty="0"/>
               <a:t>escaping sequence</a:t>
             </a:r>
-            <a:endParaRPr lang="en-US" sz="3000" dirty="0"/>
           </a:p>
           <a:p>
             <a:pPr>
@@ -14136,13 +12969,8 @@
             </a:pPr>
             <a:r>
               <a:rPr lang="en-US" sz="3000" dirty="0"/>
-              <a:t>Numeric character </a:t>
-            </a:r>
-            <a:r>
-              <a:rPr lang="en-US" sz="3000" dirty="0" smtClean="0"/>
-              <a:t>references:</a:t>
-            </a:r>
-            <a:endParaRPr lang="en-US" sz="3000" dirty="0"/>
+              <a:t>Numeric character references:</a:t>
+            </a:r>
           </a:p>
           <a:p>
             <a:pPr lvl="1">
@@ -14231,13 +13059,8 @@
             </a:pPr>
             <a:r>
               <a:rPr lang="en-US" sz="3000" dirty="0"/>
-              <a:t>Named </a:t>
-            </a:r>
-            <a:r>
-              <a:rPr lang="en-US" sz="3000" dirty="0" smtClean="0"/>
-              <a:t>HTML entities:</a:t>
-            </a:r>
-            <a:endParaRPr lang="en-US" sz="3000" dirty="0"/>
+              <a:t>Named HTML entities:</a:t>
+            </a:r>
           </a:p>
           <a:p>
             <a:pPr lvl="1">
@@ -14410,7 +13233,7 @@
               </a:lnSpc>
             </a:pPr>
             <a:r>
-              <a:rPr lang="en-US" sz="2800" dirty="0" smtClean="0">
+              <a:rPr lang="en-US" sz="2800" dirty="0">
                 <a:solidFill>
                   <a:schemeClr val="accent5">
                     <a:lumMod val="20000"/>
@@ -14533,13 +13356,6 @@
     <a:masterClrMapping/>
   </p:clrMapOvr>
   <p:transition/>
-  <p:timing>
-    <p:tnLst>
-      <p:par>
-        <p:cTn id="1" dur="indefinite" restart="never" nodeType="tmRoot"/>
-      </p:par>
-    </p:tnLst>
-  </p:timing>
 </p:sld>
 </file>
 
@@ -14579,11 +13395,11 @@
               <a:defRPr/>
             </a:pPr>
             <a:r>
-              <a:rPr lang="en-US" dirty="0" smtClean="0"/>
+              <a:rPr lang="en-US" dirty="0"/>
               <a:t>Table of Contents</a:t>
             </a:r>
             <a:r>
-              <a:rPr lang="bg-BG" dirty="0" smtClean="0"/>
+              <a:rPr lang="bg-BG" dirty="0"/>
               <a:t> </a:t>
             </a:r>
           </a:p>
@@ -14616,7 +13432,7 @@
               <a:defRPr/>
             </a:pPr>
             <a:r>
-              <a:rPr lang="en-US" dirty="0" smtClean="0"/>
+              <a:rPr lang="en-US" dirty="0"/>
               <a:t>Web Security Main Concepts</a:t>
             </a:r>
           </a:p>
@@ -14628,7 +13444,7 @@
               <a:defRPr/>
             </a:pPr>
             <a:r>
-              <a:rPr lang="en-US" dirty="0" smtClean="0"/>
+              <a:rPr lang="en-US" dirty="0"/>
               <a:t>Main Security Problems with Examples</a:t>
             </a:r>
           </a:p>
@@ -14640,7 +13456,7 @@
               <a:defRPr/>
             </a:pPr>
             <a:r>
-              <a:rPr lang="en-US" dirty="0" smtClean="0"/>
+              <a:rPr lang="en-US" dirty="0"/>
               <a:t>SQL Injection</a:t>
             </a:r>
           </a:p>
@@ -14652,7 +13468,7 @@
               <a:defRPr/>
             </a:pPr>
             <a:r>
-              <a:rPr lang="en-US" dirty="0" smtClean="0"/>
+              <a:rPr lang="en-US" dirty="0"/>
               <a:t>Cross Site Scripting (XSS)</a:t>
             </a:r>
           </a:p>
@@ -14665,11 +13481,7 @@
             </a:pPr>
             <a:r>
               <a:rPr lang="en-US" dirty="0"/>
-              <a:t>Cross-Site Request </a:t>
-            </a:r>
-            <a:r>
-              <a:rPr lang="en-US" dirty="0" smtClean="0"/>
-              <a:t>Forgery (CSRF)</a:t>
+              <a:t>Cross-Site Request Forgery (CSRF)</a:t>
             </a:r>
           </a:p>
           <a:p>
@@ -14680,7 +13492,7 @@
               <a:defRPr/>
             </a:pPr>
             <a:r>
-              <a:rPr lang="en-US" dirty="0" smtClean="0"/>
+              <a:rPr lang="en-US" dirty="0"/>
               <a:t>Parameter Tampering</a:t>
             </a:r>
           </a:p>
@@ -14692,7 +13504,7 @@
               <a:defRPr/>
             </a:pPr>
             <a:r>
-              <a:rPr lang="en-US" dirty="0" smtClean="0"/>
+              <a:rPr lang="en-US" dirty="0"/>
               <a:t>Other Threats</a:t>
             </a:r>
           </a:p>
@@ -14802,21 +13614,6 @@
   <p:clrMapOvr>
     <a:masterClrMapping/>
   </p:clrMapOvr>
-  <mc:AlternateContent xmlns:mc="http://schemas.openxmlformats.org/markup-compatibility/2006" xmlns:p14="http://schemas.microsoft.com/office/powerpoint/2010/main">
-    <mc:Choice Requires="p14">
-      <p:transition spd="slow" p14:dur="2000"/>
-    </mc:Choice>
-    <mc:Fallback xmlns="">
-      <p:transition spd="slow"/>
-    </mc:Fallback>
-  </mc:AlternateContent>
-  <p:timing>
-    <p:tnLst>
-      <p:par>
-        <p:cTn id="1" dur="indefinite" restart="never" nodeType="tmRoot"/>
-      </p:par>
-    </p:tnLst>
-  </p:timing>
 </p:sld>
 </file>
 
@@ -14853,7 +13650,7 @@
           <a:lstStyle/>
           <a:p>
             <a:r>
-              <a:rPr lang="en-US" dirty="0" smtClean="0"/>
+              <a:rPr lang="en-US" dirty="0"/>
               <a:t>How to Encode HTML Entities?</a:t>
             </a:r>
             <a:endParaRPr lang="bg-BG" dirty="0"/>
@@ -14918,7 +13715,7 @@
               <a:buNone/>
             </a:pPr>
             <a:r>
-              <a:rPr lang="en-US" sz="3000" dirty="0" smtClean="0"/>
+              <a:rPr lang="en-US" sz="3000" dirty="0"/>
               <a:t>	Example (in ASPX):</a:t>
             </a:r>
           </a:p>
@@ -14930,7 +13727,7 @@
               <a:buFontTx/>
               <a:buNone/>
             </a:pPr>
-            <a:endParaRPr lang="en-US" sz="3000" dirty="0" smtClean="0"/>
+            <a:endParaRPr lang="en-US" sz="3000" dirty="0"/>
           </a:p>
           <a:p>
             <a:pPr>
@@ -14944,7 +13741,7 @@
               <a:buNone/>
             </a:pPr>
             <a:r>
-              <a:rPr lang="en-US" sz="3000" dirty="0" smtClean="0"/>
+              <a:rPr lang="en-US" sz="3000" dirty="0"/>
               <a:t>	HTML Output:</a:t>
             </a:r>
           </a:p>
@@ -14960,7 +13757,7 @@
               <a:buNone/>
             </a:pPr>
             <a:r>
-              <a:rPr lang="en-US" sz="3000" dirty="0" smtClean="0"/>
+              <a:rPr lang="en-US" sz="3000" dirty="0"/>
               <a:t>	Web browser renders the following:</a:t>
             </a:r>
             <a:endParaRPr lang="bg-BG" sz="3000" dirty="0"/>
@@ -15047,7 +13844,7 @@
               <a:buSzPct val="70000"/>
             </a:pPr>
             <a:r>
-              <a:rPr lang="en-US" sz="1800" b="1" noProof="1" smtClean="0">
+              <a:rPr lang="en-US" sz="1800" b="1" noProof="1">
                 <a:solidFill>
                   <a:srgbClr val="8CF4F2"/>
                 </a:solidFill>
@@ -15063,20 +13860,6 @@
               </a:rPr>
               <a:t>&lt;%response.write(Server.HtmlEncode("The image tag: &lt;img&gt;"))%&gt;</a:t>
             </a:r>
-            <a:endParaRPr lang="en-US" sz="1800" b="1" noProof="1">
-              <a:solidFill>
-                <a:srgbClr val="8CF4F2"/>
-              </a:solidFill>
-              <a:effectLst>
-                <a:outerShdw blurRad="38100" dist="38100" dir="2700000" algn="tl">
-                  <a:srgbClr val="000000">
-                    <a:alpha val="43137"/>
-                  </a:srgbClr>
-                </a:outerShdw>
-              </a:effectLst>
-              <a:latin typeface="Consolas" pitchFamily="49" charset="0"/>
-              <a:cs typeface="Consolas" pitchFamily="49" charset="0"/>
-            </a:endParaRPr>
           </a:p>
         </p:txBody>
       </p:sp>
@@ -15271,7 +14054,7 @@
               <a:buSzPct val="70000"/>
             </a:pPr>
             <a:r>
-              <a:rPr lang="en-US" sz="1800" b="1" noProof="1" smtClean="0">
+              <a:rPr lang="en-US" sz="1800" b="1" noProof="1">
                 <a:solidFill>
                   <a:srgbClr val="8CF4F2"/>
                 </a:solidFill>
@@ -15287,20 +14070,6 @@
               </a:rPr>
               <a:t>&lt;%: "The image tag: &lt;img&gt;" %&gt;</a:t>
             </a:r>
-            <a:endParaRPr lang="en-US" sz="1800" b="1" noProof="1">
-              <a:solidFill>
-                <a:srgbClr val="8CF4F2"/>
-              </a:solidFill>
-              <a:effectLst>
-                <a:outerShdw blurRad="38100" dist="38100" dir="2700000" algn="tl">
-                  <a:srgbClr val="000000">
-                    <a:alpha val="43137"/>
-                  </a:srgbClr>
-                </a:outerShdw>
-              </a:effectLst>
-              <a:latin typeface="Consolas" pitchFamily="49" charset="0"/>
-              <a:cs typeface="Consolas" pitchFamily="49" charset="0"/>
-            </a:endParaRPr>
           </a:p>
         </p:txBody>
       </p:sp>
@@ -15315,13 +14084,6 @@
     <a:masterClrMapping/>
   </p:clrMapOvr>
   <p:transition/>
-  <p:timing>
-    <p:tnLst>
-      <p:par>
-        <p:cTn id="1" dur="indefinite" restart="never" nodeType="tmRoot"/>
-      </p:par>
-    </p:tnLst>
-  </p:timing>
 </p:sld>
 </file>
 
@@ -15358,10 +14120,9 @@
           <a:lstStyle/>
           <a:p>
             <a:r>
-              <a:rPr lang="en-US" sz="3800" dirty="0" smtClean="0"/>
+              <a:rPr lang="en-US" sz="3800" dirty="0"/>
               <a:t>Preventing XSS in ASP.NET MVC</a:t>
             </a:r>
-            <a:endParaRPr lang="en-US" sz="3800" dirty="0"/>
           </a:p>
         </p:txBody>
       </p:sp>
@@ -15386,11 +14147,11 @@
               </a:lnSpc>
             </a:pPr>
             <a:r>
-              <a:rPr lang="en-US" dirty="0" smtClean="0"/>
+              <a:rPr lang="en-US" dirty="0"/>
               <a:t>The Razor template engine in ASP.NET MVC </a:t>
             </a:r>
             <a:r>
-              <a:rPr lang="en-US" dirty="0" smtClean="0">
+              <a:rPr lang="en-US" dirty="0">
                 <a:solidFill>
                   <a:schemeClr val="accent5">
                     <a:lumMod val="20000"/>
@@ -15401,7 +14162,7 @@
               <a:t>escapes everything by default</a:t>
             </a:r>
             <a:r>
-              <a:rPr lang="en-US" dirty="0" smtClean="0"/>
+              <a:rPr lang="en-US" dirty="0"/>
               <a:t>:</a:t>
             </a:r>
           </a:p>
@@ -15419,7 +14180,7 @@
                 <a:spcPct val="100000"/>
               </a:lnSpc>
             </a:pPr>
-            <a:endParaRPr lang="en-US" dirty="0" smtClean="0"/>
+            <a:endParaRPr lang="en-US" dirty="0"/>
           </a:p>
           <a:p>
             <a:pPr>
@@ -15436,10 +14197,9 @@
               </a:lnSpc>
             </a:pPr>
             <a:r>
-              <a:rPr lang="en-US" dirty="0" smtClean="0"/>
+              <a:rPr lang="en-US" dirty="0"/>
               <a:t>To render un-escaped HTML in MVC view use:</a:t>
             </a:r>
-            <a:endParaRPr lang="en-US" dirty="0"/>
           </a:p>
         </p:txBody>
       </p:sp>
@@ -15537,24 +14297,7 @@
                 <a:latin typeface="Consolas" pitchFamily="49" charset="0"/>
                 <a:cs typeface="Consolas" pitchFamily="49" charset="0"/>
               </a:rPr>
-              <a:t>@{ ViewBag.SomeText = "&lt;script&gt;alert('hi')&lt;/script&gt;"; </a:t>
-            </a:r>
-            <a:r>
-              <a:rPr lang="en-US" sz="1800" b="1" noProof="1" smtClean="0">
-                <a:solidFill>
-                  <a:srgbClr val="8CF4F2"/>
-                </a:solidFill>
-                <a:effectLst>
-                  <a:outerShdw blurRad="38100" dist="38100" dir="2700000" algn="tl">
-                    <a:srgbClr val="000000">
-                      <a:alpha val="43137"/>
-                    </a:srgbClr>
-                  </a:outerShdw>
-                </a:effectLst>
-                <a:latin typeface="Consolas" pitchFamily="49" charset="0"/>
-                <a:cs typeface="Consolas" pitchFamily="49" charset="0"/>
-              </a:rPr>
-              <a:t>}</a:t>
+              <a:t>@{ ViewBag.SomeText = "&lt;script&gt;alert('hi')&lt;/script&gt;"; }</a:t>
             </a:r>
           </a:p>
           <a:p>
@@ -15655,39 +14398,8 @@
                 <a:latin typeface="Consolas" pitchFamily="49" charset="0"/>
                 <a:cs typeface="Consolas" pitchFamily="49" charset="0"/>
               </a:rPr>
-              <a:t>&amp;lt;script&amp;gt;alert(&amp;#39;hi&amp;#39;)&amp;lt;/script&amp;gt</a:t>
-            </a:r>
-            <a:r>
-              <a:rPr lang="en-US" sz="1800" b="1" noProof="1" smtClean="0">
-                <a:solidFill>
-                  <a:srgbClr val="8CF4F2"/>
-                </a:solidFill>
-                <a:effectLst>
-                  <a:outerShdw blurRad="38100" dist="38100" dir="2700000" algn="tl">
-                    <a:srgbClr val="000000">
-                      <a:alpha val="43137"/>
-                    </a:srgbClr>
-                  </a:outerShdw>
-                </a:effectLst>
-                <a:latin typeface="Consolas" pitchFamily="49" charset="0"/>
-                <a:cs typeface="Consolas" pitchFamily="49" charset="0"/>
-              </a:rPr>
-              <a:t>;</a:t>
-            </a:r>
-            <a:endParaRPr lang="en-US" sz="1800" b="1" noProof="1">
-              <a:solidFill>
-                <a:srgbClr val="8CF4F2"/>
-              </a:solidFill>
-              <a:effectLst>
-                <a:outerShdw blurRad="38100" dist="38100" dir="2700000" algn="tl">
-                  <a:srgbClr val="000000">
-                    <a:alpha val="43137"/>
-                  </a:srgbClr>
-                </a:outerShdw>
-              </a:effectLst>
-              <a:latin typeface="Consolas" pitchFamily="49" charset="0"/>
-              <a:cs typeface="Consolas" pitchFamily="49" charset="0"/>
-            </a:endParaRPr>
+              <a:t>&amp;lt;script&amp;gt;alert(&amp;#39;hi&amp;#39;)&amp;lt;/script&amp;gt;</a:t>
+            </a:r>
           </a:p>
         </p:txBody>
       </p:sp>
@@ -15809,7 +14521,7 @@
               <a:buSzPct val="70000"/>
             </a:pPr>
             <a:r>
-              <a:rPr lang="en-US" sz="1800" b="1" noProof="1" smtClean="0">
+              <a:rPr lang="en-US" sz="1800" b="1" noProof="1">
                 <a:solidFill>
                   <a:srgbClr val="8CF4F2"/>
                 </a:solidFill>
@@ -15823,24 +14535,7 @@
                 <a:latin typeface="Consolas" pitchFamily="49" charset="0"/>
                 <a:cs typeface="Consolas" pitchFamily="49" charset="0"/>
               </a:rPr>
-              <a:t>@</a:t>
-            </a:r>
-            <a:r>
-              <a:rPr lang="en-US" sz="1800" b="1" noProof="1">
-                <a:solidFill>
-                  <a:srgbClr val="8CF4F2"/>
-                </a:solidFill>
-                <a:effectLst>
-                  <a:outerShdw blurRad="38100" dist="38100" dir="2700000" algn="tl">
-                    <a:srgbClr val="000000">
-                      <a:alpha val="43137"/>
-                    </a:srgbClr>
-                  </a:outerShdw>
-                </a:effectLst>
-                <a:latin typeface="Consolas" pitchFamily="49" charset="0"/>
-                <a:cs typeface="Consolas" pitchFamily="49" charset="0"/>
-              </a:rPr>
-              <a:t>Html.Raw(ViewBag.SomeText)</a:t>
+              <a:t>@Html.Raw(ViewBag.SomeText)</a:t>
             </a:r>
           </a:p>
         </p:txBody>
@@ -15896,7 +14591,7 @@
               <a:buSzPct val="70000"/>
             </a:pPr>
             <a:r>
-              <a:rPr lang="en-US" sz="1800" b="1" noProof="1" smtClean="0">
+              <a:rPr lang="en-US" sz="1800" b="1" noProof="1">
                 <a:solidFill>
                   <a:srgbClr val="8CF4F2"/>
                 </a:solidFill>
@@ -15910,24 +14605,7 @@
                 <a:latin typeface="Consolas" pitchFamily="49" charset="0"/>
                 <a:cs typeface="Consolas" pitchFamily="49" charset="0"/>
               </a:rPr>
-              <a:t>&lt;</a:t>
-            </a:r>
-            <a:r>
-              <a:rPr lang="en-US" sz="1800" b="1" noProof="1">
-                <a:solidFill>
-                  <a:srgbClr val="8CF4F2"/>
-                </a:solidFill>
-                <a:effectLst>
-                  <a:outerShdw blurRad="38100" dist="38100" dir="2700000" algn="tl">
-                    <a:srgbClr val="000000">
-                      <a:alpha val="43137"/>
-                    </a:srgbClr>
-                  </a:outerShdw>
-                </a:effectLst>
-                <a:latin typeface="Consolas" pitchFamily="49" charset="0"/>
-                <a:cs typeface="Consolas" pitchFamily="49" charset="0"/>
-              </a:rPr>
-              <a:t>script&gt;alert('hi')&lt;/script&gt;</a:t>
+              <a:t>&lt;script&gt;alert('hi')&lt;/script&gt;</a:t>
             </a:r>
           </a:p>
         </p:txBody>
@@ -16019,8 +14697,8 @@
           <a:lstStyle/>
           <a:p>
             <a:r>
-              <a:rPr lang="en-US" dirty="0" smtClean="0"/>
-              <a:t>HTML Escaping in Web Forms and MVC Apps</a:t>
+              <a:rPr lang="en-US" dirty="0"/>
+              <a:t>HTML Escaping MVC Apps</a:t>
             </a:r>
             <a:endParaRPr lang="bg-BG" dirty="0"/>
           </a:p>
@@ -16047,10 +14725,9 @@
           <a:lstStyle/>
           <a:p>
             <a:r>
-              <a:rPr lang="en-US" dirty="0" smtClean="0"/>
+              <a:rPr lang="en-US" dirty="0"/>
               <a:t>Live Demo</a:t>
             </a:r>
-            <a:endParaRPr lang="en-US" dirty="0"/>
           </a:p>
         </p:txBody>
       </p:sp>
@@ -16095,13 +14772,6 @@
     <a:masterClrMapping/>
   </p:clrMapOvr>
   <p:transition/>
-  <p:timing>
-    <p:tnLst>
-      <p:par>
-        <p:cTn id="1" dur="indefinite" restart="never" nodeType="tmRoot"/>
-      </p:par>
-    </p:tnLst>
-  </p:timing>
 </p:sld>
 </file>
 
@@ -16143,10 +14813,9 @@
           <a:lstStyle/>
           <a:p>
             <a:r>
-              <a:rPr lang="en-US" dirty="0" smtClean="0"/>
+              <a:rPr lang="en-US" dirty="0"/>
               <a:t>Cross-Site Request Forgery</a:t>
             </a:r>
-            <a:endParaRPr lang="en-US" dirty="0"/>
           </a:p>
         </p:txBody>
       </p:sp>
@@ -16171,10 +14840,9 @@
           <a:lstStyle/>
           <a:p>
             <a:r>
-              <a:rPr lang="en-US" dirty="0" smtClean="0"/>
+              <a:rPr lang="en-US" dirty="0"/>
               <a:t>What is CSRF and How to Prevent It?</a:t>
             </a:r>
-            <a:endParaRPr lang="en-US" dirty="0"/>
           </a:p>
         </p:txBody>
       </p:sp>
@@ -16268,13 +14936,8 @@
           <a:p>
             <a:r>
               <a:rPr lang="en-US" dirty="0"/>
-              <a:t>What is </a:t>
-            </a:r>
-            <a:r>
-              <a:rPr lang="en-US" dirty="0" smtClean="0"/>
-              <a:t>CSRF?</a:t>
-            </a:r>
-            <a:endParaRPr lang="en-US" dirty="0"/>
+              <a:t>What is CSRF?</a:t>
+            </a:r>
           </a:p>
         </p:txBody>
       </p:sp>
@@ -16317,11 +14980,7 @@
             </a:r>
             <a:r>
               <a:rPr lang="en-US" dirty="0"/>
-              <a:t>(</a:t>
-            </a:r>
-            <a:r>
-              <a:rPr lang="en-US" dirty="0" smtClean="0"/>
-              <a:t>CSRF / </a:t>
+              <a:t>(CSRF / </a:t>
             </a:r>
             <a:r>
               <a:rPr lang="en-US" dirty="0">
@@ -16330,7 +14989,7 @@
               <a:t>XSRF</a:t>
             </a:r>
             <a:r>
-              <a:rPr lang="en-US" dirty="0" smtClean="0"/>
+              <a:rPr lang="en-US" dirty="0"/>
               <a:t>) is a web security attack over the HTTP protocol</a:t>
             </a:r>
           </a:p>
@@ -16342,11 +15001,11 @@
               <a:defRPr/>
             </a:pPr>
             <a:r>
-              <a:rPr lang="en-US" dirty="0" smtClean="0"/>
+              <a:rPr lang="en-US" dirty="0"/>
               <a:t>Allows </a:t>
             </a:r>
             <a:r>
-              <a:rPr lang="en-US" dirty="0" smtClean="0">
+              <a:rPr lang="en-US" dirty="0">
                 <a:solidFill>
                   <a:schemeClr val="accent5">
                     <a:lumMod val="20000"/>
@@ -16357,7 +15016,7 @@
               <a:t>executing unauthorized commands </a:t>
             </a:r>
             <a:r>
-              <a:rPr lang="en-US" dirty="0" smtClean="0"/>
+              <a:rPr lang="en-US" dirty="0"/>
               <a:t>on behalf of some authenticated user</a:t>
             </a:r>
           </a:p>
@@ -16369,7 +15028,7 @@
               <a:defRPr/>
             </a:pPr>
             <a:r>
-              <a:rPr lang="en-US" dirty="0" smtClean="0"/>
+              <a:rPr lang="en-US" dirty="0"/>
               <a:t>E.g. to transfer some money in a bank system</a:t>
             </a:r>
           </a:p>
@@ -16381,7 +15040,7 @@
               <a:defRPr/>
             </a:pPr>
             <a:r>
-              <a:rPr lang="en-US" dirty="0" smtClean="0"/>
+              <a:rPr lang="en-US" dirty="0"/>
               <a:t>The user has valid permissions to execute the requested command</a:t>
             </a:r>
           </a:p>
@@ -16393,31 +15052,23 @@
               <a:defRPr/>
             </a:pPr>
             <a:r>
-              <a:rPr lang="en-US" dirty="0" smtClean="0"/>
-              <a:t>The attacker uses these permissions to send a forged </a:t>
-            </a:r>
-            <a:r>
               <a:rPr lang="en-US" dirty="0"/>
-              <a:t>HTTP </a:t>
-            </a:r>
-            <a:r>
-              <a:rPr lang="en-US" dirty="0" smtClean="0"/>
-              <a:t>request</a:t>
-            </a:r>
-            <a:r>
-              <a:rPr lang="bg-BG" dirty="0" smtClean="0"/>
+              <a:t>The attacker uses these permissions to send a forged HTTP request</a:t>
+            </a:r>
+            <a:r>
+              <a:rPr lang="bg-BG" dirty="0"/>
               <a:t> </a:t>
             </a:r>
             <a:r>
-              <a:rPr lang="en-US" dirty="0" smtClean="0"/>
+              <a:rPr lang="en-US" dirty="0"/>
               <a:t>unbeknownst to</a:t>
             </a:r>
             <a:r>
-              <a:rPr lang="bg-BG" dirty="0" smtClean="0"/>
+              <a:rPr lang="bg-BG" dirty="0"/>
               <a:t> </a:t>
             </a:r>
             <a:r>
-              <a:rPr lang="en-US" dirty="0" smtClean="0"/>
+              <a:rPr lang="en-US" dirty="0"/>
               <a:t>the user</a:t>
             </a:r>
           </a:p>
@@ -16429,16 +15080,8 @@
               <a:defRPr/>
             </a:pPr>
             <a:r>
-              <a:rPr lang="en-US" dirty="0" smtClean="0"/>
-              <a:t>Through a link / site / web form </a:t>
-            </a:r>
-            <a:r>
               <a:rPr lang="en-US" dirty="0"/>
-              <a:t>that the user is </a:t>
-            </a:r>
-            <a:r>
-              <a:rPr lang="en-US" dirty="0" smtClean="0"/>
-              <a:t>allured to open</a:t>
+              <a:t>Through a link / site / web form that the user is allured to open</a:t>
             </a:r>
           </a:p>
         </p:txBody>
@@ -16482,13 +15125,6 @@
   <p:clrMapOvr>
     <a:masterClrMapping/>
   </p:clrMapOvr>
-  <p:timing>
-    <p:tnLst>
-      <p:par>
-        <p:cTn id="1" dur="indefinite" restart="never" nodeType="tmRoot"/>
-      </p:par>
-    </p:tnLst>
-  </p:timing>
 </p:sld>
 </file>
 
@@ -16525,10 +15161,9 @@
           <a:lstStyle/>
           <a:p>
             <a:r>
-              <a:rPr lang="en-US" dirty="0" smtClean="0"/>
+              <a:rPr lang="en-US" dirty="0"/>
               <a:t>CSRF Explained</a:t>
             </a:r>
-            <a:endParaRPr lang="en-US" dirty="0"/>
           </a:p>
         </p:txBody>
       </p:sp>
@@ -16562,7 +15197,7 @@
               <a:defRPr/>
             </a:pPr>
             <a:r>
-              <a:rPr lang="en-US" dirty="0" smtClean="0"/>
+              <a:rPr lang="en-US" dirty="0"/>
               <a:t>How does CSRF work?</a:t>
             </a:r>
           </a:p>
@@ -16579,11 +15214,11 @@
               <a:defRPr/>
             </a:pPr>
             <a:r>
-              <a:rPr lang="en-US" sz="2900" dirty="0" smtClean="0"/>
+              <a:rPr lang="en-US" sz="2900" dirty="0"/>
               <a:t>The user has a valid authentication cookie for the site </a:t>
             </a:r>
             <a:r>
-              <a:rPr lang="en-US" sz="2900" dirty="0" smtClean="0">
+              <a:rPr lang="en-US" sz="2900" dirty="0">
                 <a:solidFill>
                   <a:schemeClr val="accent5">
                     <a:lumMod val="20000"/>
@@ -16595,13 +15230,9 @@
             </a:r>
             <a:r>
               <a:rPr lang="en-US" sz="2900" dirty="0"/>
-              <a:t> </a:t>
-            </a:r>
-            <a:r>
-              <a:rPr lang="en-US" sz="2900" dirty="0" smtClean="0"/>
-              <a:t>(remembered in the browser)</a:t>
-            </a:r>
-            <a:endParaRPr lang="bg-BG" sz="2900" dirty="0" smtClean="0">
+              <a:t> (remembered in the browser)</a:t>
+            </a:r>
+            <a:endParaRPr lang="bg-BG" sz="2900" dirty="0">
               <a:solidFill>
                 <a:schemeClr val="accent5">
                   <a:lumMod val="20000"/>
@@ -16623,16 +15254,16 @@
               <a:defRPr/>
             </a:pPr>
             <a:r>
-              <a:rPr lang="en-US" sz="2900" dirty="0" smtClean="0"/>
+              <a:rPr lang="en-US" sz="2900" dirty="0"/>
               <a:t>The attacker asks the user to visit some evil site, e.g. </a:t>
             </a:r>
             <a:r>
-              <a:rPr lang="en-US" sz="2900" dirty="0" smtClean="0">
+              <a:rPr lang="en-US" sz="2900" dirty="0">
                 <a:hlinkClick r:id="rId2"/>
               </a:rPr>
               <a:t>http://evilsite.com</a:t>
             </a:r>
-            <a:endParaRPr lang="en-US" sz="2900" dirty="0" smtClean="0"/>
+            <a:endParaRPr lang="en-US" sz="2900" dirty="0"/>
           </a:p>
           <a:p>
             <a:pPr marL="722313" lvl="1" indent="-457200">
@@ -16647,11 +15278,11 @@
               <a:defRPr/>
             </a:pPr>
             <a:r>
-              <a:rPr lang="en-US" sz="2900" dirty="0" smtClean="0"/>
+              <a:rPr lang="en-US" sz="2900" dirty="0"/>
               <a:t>The evil site sends HTTP GET / POST to </a:t>
             </a:r>
             <a:r>
-              <a:rPr lang="en-US" sz="2900" dirty="0" smtClean="0">
+              <a:rPr lang="en-US" sz="2900" dirty="0">
                 <a:solidFill>
                   <a:schemeClr val="accent5">
                     <a:lumMod val="20000"/>
@@ -16662,7 +15293,7 @@
               <a:t>victim.org</a:t>
             </a:r>
             <a:r>
-              <a:rPr lang="en-US" sz="2900" dirty="0" smtClean="0"/>
+              <a:rPr lang="en-US" sz="2900" dirty="0"/>
               <a:t> and does something evil</a:t>
             </a:r>
           </a:p>
@@ -16677,7 +15308,7 @@
               <a:defRPr/>
             </a:pPr>
             <a:r>
-              <a:rPr lang="en-US" sz="2700" dirty="0" smtClean="0"/>
+              <a:rPr lang="en-US" sz="2700" dirty="0"/>
               <a:t>Through a JavaScript AJAX request</a:t>
             </a:r>
           </a:p>
@@ -16692,7 +15323,7 @@
               <a:defRPr/>
             </a:pPr>
             <a:r>
-              <a:rPr lang="en-US" sz="2700" dirty="0" smtClean="0"/>
+              <a:rPr lang="en-US" sz="2700" dirty="0"/>
               <a:t>Using the browser's authentication cookie</a:t>
             </a:r>
           </a:p>
@@ -16709,11 +15340,11 @@
               <a:defRPr/>
             </a:pPr>
             <a:r>
-              <a:rPr lang="en-US" sz="2900" dirty="0" smtClean="0"/>
+              <a:rPr lang="en-US" sz="2900" dirty="0"/>
               <a:t>The </a:t>
             </a:r>
             <a:r>
-              <a:rPr lang="en-US" sz="2900" dirty="0" smtClean="0">
+              <a:rPr lang="en-US" sz="2900" dirty="0">
                 <a:solidFill>
                   <a:schemeClr val="accent5">
                     <a:lumMod val="20000"/>
@@ -16724,10 +15355,9 @@
               <a:t>victim.org</a:t>
             </a:r>
             <a:r>
-              <a:rPr lang="en-US" sz="2900" dirty="0" smtClean="0"/>
+              <a:rPr lang="en-US" sz="2900" dirty="0"/>
               <a:t> performs the unauthorized command on behalf of the authenticated user</a:t>
             </a:r>
-            <a:endParaRPr lang="en-US" sz="2900" dirty="0"/>
           </a:p>
         </p:txBody>
       </p:sp>
@@ -16770,13 +15400,6 @@
   <p:clrMapOvr>
     <a:masterClrMapping/>
   </p:clrMapOvr>
-  <p:timing>
-    <p:tnLst>
-      <p:par>
-        <p:cTn id="1" dur="indefinite" restart="never" nodeType="tmRoot"/>
-      </p:par>
-    </p:tnLst>
-  </p:timing>
 </p:sld>
 </file>
 
@@ -16813,10 +15436,9 @@
           <a:lstStyle/>
           <a:p>
             <a:r>
-              <a:rPr lang="en-US" dirty="0" smtClean="0"/>
+              <a:rPr lang="en-US" dirty="0"/>
               <a:t>CSRF</a:t>
             </a:r>
-            <a:endParaRPr lang="en-US" dirty="0"/>
           </a:p>
         </p:txBody>
       </p:sp>
@@ -16836,10 +15458,9 @@
           <a:lstStyle/>
           <a:p>
             <a:r>
-              <a:rPr lang="en-US" dirty="0" smtClean="0"/>
+              <a:rPr lang="en-US" dirty="0"/>
               <a:t>Cross-site request forgery attack</a:t>
             </a:r>
-            <a:endParaRPr lang="en-US" dirty="0"/>
           </a:p>
         </p:txBody>
       </p:sp>
@@ -16985,10 +15606,9 @@
           <a:lstStyle/>
           <a:p>
             <a:r>
-              <a:rPr lang="en-US" dirty="0" smtClean="0"/>
+              <a:rPr lang="en-US" dirty="0"/>
               <a:t>Evil.com</a:t>
             </a:r>
-            <a:endParaRPr lang="en-US" dirty="0"/>
           </a:p>
         </p:txBody>
       </p:sp>
@@ -17015,10 +15635,9 @@
           <a:lstStyle/>
           <a:p>
             <a:r>
-              <a:rPr lang="en-US" dirty="0" smtClean="0"/>
+              <a:rPr lang="en-US" dirty="0"/>
               <a:t>MySite.com</a:t>
             </a:r>
-            <a:endParaRPr lang="en-US" dirty="0"/>
           </a:p>
         </p:txBody>
       </p:sp>
@@ -17045,7 +15664,7 @@
           <a:lstStyle/>
           <a:p>
             <a:r>
-              <a:rPr lang="en-US" dirty="0" smtClean="0"/>
+              <a:rPr lang="en-US" dirty="0"/>
               <a:t>User</a:t>
             </a:r>
           </a:p>
@@ -17113,10 +15732,9 @@
           <a:lstStyle/>
           <a:p>
             <a:r>
-              <a:rPr lang="en-US" sz="1600" dirty="0" smtClean="0"/>
+              <a:rPr lang="en-US" sz="1600" dirty="0"/>
               <a:t>Login</a:t>
             </a:r>
-            <a:endParaRPr lang="en-US" sz="1600" dirty="0"/>
           </a:p>
         </p:txBody>
       </p:sp>
@@ -17179,7 +15797,7 @@
           <a:lstStyle/>
           <a:p>
             <a:r>
-              <a:rPr lang="en-US" sz="1600" dirty="0" smtClean="0"/>
+              <a:rPr lang="en-US" sz="1600" dirty="0"/>
               <a:t>Authentication cookie</a:t>
             </a:r>
           </a:p>
@@ -17208,10 +15826,9 @@
           <a:lstStyle/>
           <a:p>
             <a:r>
-              <a:rPr lang="en-US" sz="1600" dirty="0" smtClean="0"/>
+              <a:rPr lang="en-US" sz="1600" dirty="0"/>
               <a:t>&lt;form action=“mysite.com/ChangePassword”&gt;</a:t>
             </a:r>
-            <a:endParaRPr lang="en-US" sz="1600" dirty="0"/>
           </a:p>
         </p:txBody>
       </p:sp>
@@ -17304,10 +15921,9 @@
           <a:lstStyle/>
           <a:p>
             <a:r>
-              <a:rPr lang="en-US" sz="1600" dirty="0" smtClean="0"/>
+              <a:rPr lang="en-US" sz="1600" dirty="0"/>
               <a:t>Submit data on behalf of User</a:t>
             </a:r>
-            <a:endParaRPr lang="en-US" sz="1600" dirty="0"/>
           </a:p>
         </p:txBody>
       </p:sp>
@@ -17905,10 +16521,9 @@
           <a:lstStyle/>
           <a:p>
             <a:r>
-              <a:rPr lang="en-US" dirty="0" smtClean="0"/>
+              <a:rPr lang="en-US" dirty="0"/>
               <a:t>Cross-Site Request Forgery</a:t>
             </a:r>
-            <a:endParaRPr lang="en-US" dirty="0"/>
           </a:p>
         </p:txBody>
       </p:sp>
@@ -17933,10 +16548,9 @@
           <a:lstStyle/>
           <a:p>
             <a:r>
-              <a:rPr lang="en-US" dirty="0" smtClean="0"/>
+              <a:rPr lang="en-US" dirty="0"/>
               <a:t>Live Demo</a:t>
             </a:r>
-            <a:endParaRPr lang="en-US" dirty="0"/>
           </a:p>
         </p:txBody>
       </p:sp>
@@ -18022,13 +16636,6 @@
   <p:clrMapOvr>
     <a:masterClrMapping/>
   </p:clrMapOvr>
-  <p:timing>
-    <p:tnLst>
-      <p:par>
-        <p:cTn id="1" dur="indefinite" restart="never" nodeType="tmRoot"/>
-      </p:par>
-    </p:tnLst>
-  </p:timing>
 </p:sld>
 </file>
 
@@ -18065,10 +16672,9 @@
           <a:lstStyle/>
           <a:p>
             <a:r>
-              <a:rPr lang="en-US" dirty="0" smtClean="0"/>
+              <a:rPr lang="en-US" dirty="0"/>
               <a:t>Prevent CSRF in ASP.NET MVC</a:t>
             </a:r>
-            <a:endParaRPr lang="en-US" dirty="0"/>
           </a:p>
         </p:txBody>
       </p:sp>
@@ -18098,22 +16704,18 @@
               </a:lnSpc>
             </a:pPr>
             <a:r>
-              <a:rPr lang="en-US" sz="3000" dirty="0" smtClean="0"/>
+              <a:rPr lang="en-US" sz="3000" dirty="0"/>
               <a:t>To prevent CSRF attacks in MVC apps use</a:t>
             </a:r>
-            <a:r>
-              <a:rPr lang="en-US" sz="3000" smtClean="0"/>
-              <a:t/>
-            </a:r>
             <a:br>
-              <a:rPr lang="en-US" sz="3000" smtClean="0"/>
+              <a:rPr lang="en-US" sz="3000"/>
             </a:br>
             <a:r>
-              <a:rPr lang="en-US" sz="3000" smtClean="0"/>
+              <a:rPr lang="en-US" sz="3000"/>
               <a:t>anti-forgery </a:t>
             </a:r>
             <a:r>
-              <a:rPr lang="en-US" sz="3000" dirty="0" smtClean="0"/>
+              <a:rPr lang="en-US" sz="3000" dirty="0"/>
               <a:t>tokens</a:t>
             </a:r>
           </a:p>
@@ -18124,7 +16726,7 @@
               </a:lnSpc>
             </a:pPr>
             <a:r>
-              <a:rPr lang="en-US" sz="2800" dirty="0" smtClean="0"/>
+              <a:rPr lang="en-US" sz="2800" dirty="0"/>
               <a:t>Put the anti-CSRF token in the HTML forms:</a:t>
             </a:r>
           </a:p>
@@ -18142,7 +16744,7 @@
                 <a:spcPct val="100000"/>
               </a:lnSpc>
             </a:pPr>
-            <a:endParaRPr lang="en-US" sz="2800" dirty="0" smtClean="0"/>
+            <a:endParaRPr lang="en-US" sz="2800" dirty="0"/>
           </a:p>
           <a:p>
             <a:pPr lvl="1">
@@ -18159,14 +16761,13 @@
               </a:lnSpc>
             </a:pPr>
             <a:r>
-              <a:rPr lang="en-US" sz="2800" dirty="0" smtClean="0"/>
+              <a:rPr lang="en-US" sz="2800" dirty="0"/>
               <a:t>Verify the anti-CSRF token in each controller action that should be protected</a:t>
             </a:r>
             <a:r>
-              <a:rPr lang="en-US" dirty="0" smtClean="0"/>
+              <a:rPr lang="en-US" dirty="0"/>
               <a:t>:</a:t>
             </a:r>
-            <a:endParaRPr lang="en-US" dirty="0"/>
           </a:p>
         </p:txBody>
       </p:sp>
@@ -18264,39 +16865,8 @@
                 <a:latin typeface="Consolas" pitchFamily="49" charset="0"/>
                 <a:cs typeface="Consolas" pitchFamily="49" charset="0"/>
               </a:rPr>
-              <a:t>@using (@Html.BeginForm</a:t>
-            </a:r>
-            <a:r>
-              <a:rPr lang="en-US" sz="2000" b="1" noProof="1" smtClean="0">
-                <a:solidFill>
-                  <a:srgbClr val="8CF4F2"/>
-                </a:solidFill>
-                <a:effectLst>
-                  <a:outerShdw blurRad="38100" dist="38100" dir="2700000" algn="tl">
-                    <a:srgbClr val="000000">
-                      <a:alpha val="43137"/>
-                    </a:srgbClr>
-                  </a:outerShdw>
-                </a:effectLst>
-                <a:latin typeface="Consolas" pitchFamily="49" charset="0"/>
-                <a:cs typeface="Consolas" pitchFamily="49" charset="0"/>
-              </a:rPr>
-              <a:t>("Action", "Controller"))</a:t>
-            </a:r>
-            <a:endParaRPr lang="en-US" sz="2000" b="1" noProof="1">
-              <a:solidFill>
-                <a:srgbClr val="8CF4F2"/>
-              </a:solidFill>
-              <a:effectLst>
-                <a:outerShdw blurRad="38100" dist="38100" dir="2700000" algn="tl">
-                  <a:srgbClr val="000000">
-                    <a:alpha val="43137"/>
-                  </a:srgbClr>
-                </a:outerShdw>
-              </a:effectLst>
-              <a:latin typeface="Consolas" pitchFamily="49" charset="0"/>
-              <a:cs typeface="Consolas" pitchFamily="49" charset="0"/>
-            </a:endParaRPr>
+              <a:t>@using (@Html.BeginForm("Action", "Controller"))</a:t>
+            </a:r>
           </a:p>
           <a:p>
             <a:pPr eaLnBrk="0" hangingPunct="0">
@@ -18360,39 +16930,8 @@
                 <a:latin typeface="Consolas" pitchFamily="49" charset="0"/>
                 <a:cs typeface="Consolas" pitchFamily="49" charset="0"/>
               </a:rPr>
-              <a:t>  </a:t>
-            </a:r>
-            <a:r>
-              <a:rPr lang="en-US" sz="2000" b="1" noProof="1" smtClean="0">
-                <a:solidFill>
-                  <a:srgbClr val="8CF4F2"/>
-                </a:solidFill>
-                <a:effectLst>
-                  <a:outerShdw blurRad="38100" dist="38100" dir="2700000" algn="tl">
-                    <a:srgbClr val="000000">
-                      <a:alpha val="43137"/>
-                    </a:srgbClr>
-                  </a:outerShdw>
-                </a:effectLst>
-                <a:latin typeface="Consolas" pitchFamily="49" charset="0"/>
-                <a:cs typeface="Consolas" pitchFamily="49" charset="0"/>
-              </a:rPr>
-              <a:t>… </a:t>
-            </a:r>
-            <a:endParaRPr lang="en-US" sz="2000" b="1" noProof="1">
-              <a:solidFill>
-                <a:srgbClr val="8CF4F2"/>
-              </a:solidFill>
-              <a:effectLst>
-                <a:outerShdw blurRad="38100" dist="38100" dir="2700000" algn="tl">
-                  <a:srgbClr val="000000">
-                    <a:alpha val="43137"/>
-                  </a:srgbClr>
-                </a:outerShdw>
-              </a:effectLst>
-              <a:latin typeface="Consolas" pitchFamily="49" charset="0"/>
-              <a:cs typeface="Consolas" pitchFamily="49" charset="0"/>
-            </a:endParaRPr>
+              <a:t>  … </a:t>
+            </a:r>
           </a:p>
           <a:p>
             <a:pPr eaLnBrk="0" hangingPunct="0">
@@ -18528,7 +17067,7 @@
               <a:buSzPct val="70000"/>
             </a:pPr>
             <a:r>
-              <a:rPr lang="en-US" sz="2000" b="1" noProof="1" smtClean="0">
+              <a:rPr lang="en-US" sz="2000" b="1" noProof="1">
                 <a:solidFill>
                   <a:schemeClr val="tx1">
                     <a:lumMod val="75000"/>
@@ -18544,26 +17083,7 @@
                 <a:latin typeface="Consolas" pitchFamily="49" charset="0"/>
                 <a:cs typeface="Consolas" pitchFamily="49" charset="0"/>
               </a:rPr>
-              <a:t>[</a:t>
-            </a:r>
-            <a:r>
-              <a:rPr lang="en-US" sz="2000" b="1" noProof="1">
-                <a:solidFill>
-                  <a:schemeClr val="tx1">
-                    <a:lumMod val="75000"/>
-                  </a:schemeClr>
-                </a:solidFill>
-                <a:effectLst>
-                  <a:outerShdw blurRad="38100" dist="38100" dir="2700000" algn="tl">
-                    <a:srgbClr val="000000">
-                      <a:alpha val="43137"/>
-                    </a:srgbClr>
-                  </a:outerShdw>
-                </a:effectLst>
-                <a:latin typeface="Consolas" pitchFamily="49" charset="0"/>
-                <a:cs typeface="Consolas" pitchFamily="49" charset="0"/>
-              </a:rPr>
-              <a:t>ValidateAntiForgeryToken]</a:t>
+              <a:t>[ValidateAntiForgeryToken]</a:t>
             </a:r>
           </a:p>
           <a:p>
@@ -18594,39 +17114,8 @@
                 <a:latin typeface="Consolas" pitchFamily="49" charset="0"/>
                 <a:cs typeface="Consolas" pitchFamily="49" charset="0"/>
               </a:rPr>
-              <a:t>public ActionResult </a:t>
-            </a:r>
-            <a:r>
-              <a:rPr lang="en-US" sz="2000" b="1" noProof="1" smtClean="0">
-                <a:solidFill>
-                  <a:srgbClr val="8CF4F2"/>
-                </a:solidFill>
-                <a:effectLst>
-                  <a:outerShdw blurRad="38100" dist="38100" dir="2700000" algn="tl">
-                    <a:srgbClr val="000000">
-                      <a:alpha val="43137"/>
-                    </a:srgbClr>
-                  </a:outerShdw>
-                </a:effectLst>
-                <a:latin typeface="Consolas" pitchFamily="49" charset="0"/>
-                <a:cs typeface="Consolas" pitchFamily="49" charset="0"/>
-              </a:rPr>
-              <a:t>Action(…)</a:t>
-            </a:r>
-            <a:endParaRPr lang="en-US" sz="2000" b="1" noProof="1">
-              <a:solidFill>
-                <a:srgbClr val="8CF4F2"/>
-              </a:solidFill>
-              <a:effectLst>
-                <a:outerShdw blurRad="38100" dist="38100" dir="2700000" algn="tl">
-                  <a:srgbClr val="000000">
-                    <a:alpha val="43137"/>
-                  </a:srgbClr>
-                </a:outerShdw>
-              </a:effectLst>
-              <a:latin typeface="Consolas" pitchFamily="49" charset="0"/>
-              <a:cs typeface="Consolas" pitchFamily="49" charset="0"/>
-            </a:endParaRPr>
+              <a:t>public ActionResult Action(…)</a:t>
+            </a:r>
           </a:p>
           <a:p>
             <a:pPr eaLnBrk="0" hangingPunct="0">
@@ -18642,7 +17131,7 @@
               <a:buSzPct val="70000"/>
             </a:pPr>
             <a:r>
-              <a:rPr lang="en-US" sz="2000" b="1" noProof="1" smtClean="0">
+              <a:rPr lang="en-US" sz="2000" b="1" noProof="1">
                 <a:solidFill>
                   <a:srgbClr val="8CF4F2"/>
                 </a:solidFill>
@@ -18658,20 +17147,6 @@
               </a:rPr>
               <a:t>{ … }</a:t>
             </a:r>
-            <a:endParaRPr lang="en-US" sz="2000" b="1" noProof="1">
-              <a:solidFill>
-                <a:srgbClr val="8CF4F2"/>
-              </a:solidFill>
-              <a:effectLst>
-                <a:outerShdw blurRad="38100" dist="38100" dir="2700000" algn="tl">
-                  <a:srgbClr val="000000">
-                    <a:alpha val="43137"/>
-                  </a:srgbClr>
-                </a:outerShdw>
-              </a:effectLst>
-              <a:latin typeface="Consolas" pitchFamily="49" charset="0"/>
-              <a:cs typeface="Consolas" pitchFamily="49" charset="0"/>
-            </a:endParaRPr>
           </a:p>
         </p:txBody>
       </p:sp>
@@ -18685,13 +17160,6 @@
   <p:clrMapOvr>
     <a:masterClrMapping/>
   </p:clrMapOvr>
-  <p:timing>
-    <p:tnLst>
-      <p:par>
-        <p:cTn id="1" dur="indefinite" restart="never" nodeType="tmRoot"/>
-      </p:par>
-    </p:tnLst>
-  </p:timing>
 </p:sld>
 </file>
 
@@ -18729,11 +17197,7 @@
           <a:p>
             <a:r>
               <a:rPr lang="en-US" dirty="0"/>
-              <a:t>Prevent CSRF in </a:t>
-            </a:r>
-            <a:r>
-              <a:rPr lang="en-US" dirty="0" smtClean="0"/>
-              <a:t>AJAX Requests</a:t>
+              <a:t>Prevent CSRF in AJAX Requests</a:t>
             </a:r>
             <a:endParaRPr lang="bg-BG" dirty="0"/>
           </a:p>
@@ -18755,7 +17219,7 @@
           <a:lstStyle/>
           <a:p>
             <a:r>
-              <a:rPr lang="en-US" dirty="0" smtClean="0"/>
+              <a:rPr lang="en-US" dirty="0"/>
               <a:t>In jQuery AJAX requests use code like this:</a:t>
             </a:r>
           </a:p>
@@ -18763,11 +17227,11 @@
             <a:endParaRPr lang="en-US" dirty="0"/>
           </a:p>
           <a:p>
-            <a:endParaRPr lang="en-US" dirty="0" smtClean="0"/>
-          </a:p>
-          <a:p>
-            <a:r>
-              <a:rPr lang="en-US" dirty="0" smtClean="0"/>
+            <a:endParaRPr lang="en-US" dirty="0"/>
+          </a:p>
+          <a:p>
+            <a:r>
+              <a:rPr lang="en-US" dirty="0"/>
               <a:t>Send the token in the AJAX requests:</a:t>
             </a:r>
             <a:endParaRPr lang="bg-BG" dirty="0"/>
@@ -18854,7 +17318,7 @@
               <a:buSzPct val="70000"/>
             </a:pPr>
             <a:r>
-              <a:rPr lang="en-US" sz="2100" b="1" noProof="1" smtClean="0">
+              <a:rPr lang="en-US" sz="2100" b="1" noProof="1">
                 <a:solidFill>
                   <a:srgbClr val="8CF4F2"/>
                 </a:solidFill>
@@ -18868,92 +17332,7 @@
                 <a:latin typeface="Consolas" pitchFamily="49" charset="0"/>
                 <a:cs typeface="Consolas" pitchFamily="49" charset="0"/>
               </a:rPr>
-              <a:t>&lt;</a:t>
-            </a:r>
-            <a:r>
-              <a:rPr lang="en-US" sz="2100" b="1" noProof="1">
-                <a:solidFill>
-                  <a:srgbClr val="8CF4F2"/>
-                </a:solidFill>
-                <a:effectLst>
-                  <a:outerShdw blurRad="38100" dist="38100" dir="2700000" algn="tl">
-                    <a:srgbClr val="000000">
-                      <a:alpha val="43137"/>
-                    </a:srgbClr>
-                  </a:outerShdw>
-                </a:effectLst>
-                <a:latin typeface="Consolas" pitchFamily="49" charset="0"/>
-                <a:cs typeface="Consolas" pitchFamily="49" charset="0"/>
-              </a:rPr>
-              <a:t>form id="__AjaxAntiForgeryForm" action</a:t>
-            </a:r>
-            <a:r>
-              <a:rPr lang="en-US" sz="2100" b="1" noProof="1" smtClean="0">
-                <a:solidFill>
-                  <a:srgbClr val="8CF4F2"/>
-                </a:solidFill>
-                <a:effectLst>
-                  <a:outerShdw blurRad="38100" dist="38100" dir="2700000" algn="tl">
-                    <a:srgbClr val="000000">
-                      <a:alpha val="43137"/>
-                    </a:srgbClr>
-                  </a:outerShdw>
-                </a:effectLst>
-                <a:latin typeface="Consolas" pitchFamily="49" charset="0"/>
-                <a:cs typeface="Consolas" pitchFamily="49" charset="0"/>
-              </a:rPr>
-              <a:t>="" </a:t>
-            </a:r>
-            <a:r>
-              <a:rPr lang="en-US" sz="2100" b="1" noProof="1" smtClean="0">
-                <a:solidFill>
-                  <a:srgbClr val="8CF4F2"/>
-                </a:solidFill>
-                <a:effectLst>
-                  <a:outerShdw blurRad="38100" dist="38100" dir="2700000" algn="tl">
-                    <a:srgbClr val="000000">
-                      <a:alpha val="43137"/>
-                    </a:srgbClr>
-                  </a:outerShdw>
-                </a:effectLst>
-                <a:latin typeface="Consolas" pitchFamily="49" charset="0"/>
-                <a:cs typeface="Consolas" pitchFamily="49" charset="0"/>
-              </a:rPr>
-              <a:t>method</a:t>
-            </a:r>
-            <a:r>
-              <a:rPr lang="en-US" sz="2100" b="1" noProof="1">
-                <a:solidFill>
-                  <a:srgbClr val="8CF4F2"/>
-                </a:solidFill>
-                <a:effectLst>
-                  <a:outerShdw blurRad="38100" dist="38100" dir="2700000" algn="tl">
-                    <a:srgbClr val="000000">
-                      <a:alpha val="43137"/>
-                    </a:srgbClr>
-                  </a:outerShdw>
-                </a:effectLst>
-                <a:latin typeface="Consolas" pitchFamily="49" charset="0"/>
-                <a:cs typeface="Consolas" pitchFamily="49" charset="0"/>
-              </a:rPr>
-              <a:t>="post</a:t>
-            </a:r>
-            <a:r>
-              <a:rPr lang="en-US" sz="2100" b="1" noProof="1" smtClean="0">
-                <a:solidFill>
-                  <a:srgbClr val="8CF4F2"/>
-                </a:solidFill>
-                <a:effectLst>
-                  <a:outerShdw blurRad="38100" dist="38100" dir="2700000" algn="tl">
-                    <a:srgbClr val="000000">
-                      <a:alpha val="43137"/>
-                    </a:srgbClr>
-                  </a:outerShdw>
-                </a:effectLst>
-                <a:latin typeface="Consolas" pitchFamily="49" charset="0"/>
-                <a:cs typeface="Consolas" pitchFamily="49" charset="0"/>
-              </a:rPr>
-              <a:t>"&gt;</a:t>
+              <a:t>&lt;form id="__AjaxAntiForgeryForm" action="" method="post"&gt;</a:t>
             </a:r>
           </a:p>
           <a:p>
@@ -18984,75 +17363,7 @@
                 <a:latin typeface="Consolas" pitchFamily="49" charset="0"/>
                 <a:cs typeface="Consolas" pitchFamily="49" charset="0"/>
               </a:rPr>
-              <a:t> </a:t>
-            </a:r>
-            <a:r>
-              <a:rPr lang="en-US" sz="2100" b="1" noProof="1" smtClean="0">
-                <a:solidFill>
-                  <a:srgbClr val="8CF4F2"/>
-                </a:solidFill>
-                <a:effectLst>
-                  <a:outerShdw blurRad="38100" dist="38100" dir="2700000" algn="tl">
-                    <a:srgbClr val="000000">
-                      <a:alpha val="43137"/>
-                    </a:srgbClr>
-                  </a:outerShdw>
-                </a:effectLst>
-                <a:latin typeface="Consolas" pitchFamily="49" charset="0"/>
-                <a:cs typeface="Consolas" pitchFamily="49" charset="0"/>
-              </a:rPr>
-              <a:t>   </a:t>
-            </a:r>
-            <a:r>
-              <a:rPr lang="en-US" sz="2100" b="1" noProof="1" smtClean="0">
-                <a:solidFill>
-                  <a:srgbClr val="8CF4F2"/>
-                </a:solidFill>
-                <a:effectLst>
-                  <a:outerShdw blurRad="38100" dist="38100" dir="2700000" algn="tl">
-                    <a:srgbClr val="000000">
-                      <a:alpha val="43137"/>
-                    </a:srgbClr>
-                  </a:outerShdw>
-                </a:effectLst>
-                <a:latin typeface="Consolas" pitchFamily="49" charset="0"/>
-                <a:cs typeface="Consolas" pitchFamily="49" charset="0"/>
-              </a:rPr>
-              <a:t>&lt;%= </a:t>
-            </a:r>
-            <a:r>
-              <a:rPr lang="en-US" sz="2100" b="1" noProof="1">
-                <a:solidFill>
-                  <a:srgbClr val="8CF4F2"/>
-                </a:solidFill>
-                <a:effectLst>
-                  <a:outerShdw blurRad="38100" dist="38100" dir="2700000" algn="tl">
-                    <a:srgbClr val="000000">
-                      <a:alpha val="43137"/>
-                    </a:srgbClr>
-                  </a:outerShdw>
-                </a:effectLst>
-                <a:latin typeface="Consolas" pitchFamily="49" charset="0"/>
-                <a:cs typeface="Consolas" pitchFamily="49" charset="0"/>
-              </a:rPr>
-              <a:t>Html.AntiForgeryToken</a:t>
-            </a:r>
-            <a:r>
-              <a:rPr lang="en-US" sz="2100" b="1" noProof="1" smtClean="0">
-                <a:solidFill>
-                  <a:srgbClr val="8CF4F2"/>
-                </a:solidFill>
-                <a:effectLst>
-                  <a:outerShdw blurRad="38100" dist="38100" dir="2700000" algn="tl">
-                    <a:srgbClr val="000000">
-                      <a:alpha val="43137"/>
-                    </a:srgbClr>
-                  </a:outerShdw>
-                </a:effectLst>
-                <a:latin typeface="Consolas" pitchFamily="49" charset="0"/>
-                <a:cs typeface="Consolas" pitchFamily="49" charset="0"/>
-              </a:rPr>
-              <a:t>()%&gt;</a:t>
+              <a:t>    &lt;%= Html.AntiForgeryToken()%&gt;</a:t>
             </a:r>
           </a:p>
           <a:p>
@@ -19069,7 +17380,7 @@
               <a:buSzPct val="70000"/>
             </a:pPr>
             <a:r>
-              <a:rPr lang="en-US" sz="2100" b="1" noProof="1" smtClean="0">
+              <a:rPr lang="en-US" sz="2100" b="1" noProof="1">
                 <a:solidFill>
                   <a:srgbClr val="8CF4F2"/>
                 </a:solidFill>
@@ -19083,24 +17394,7 @@
                 <a:latin typeface="Consolas" pitchFamily="49" charset="0"/>
                 <a:cs typeface="Consolas" pitchFamily="49" charset="0"/>
               </a:rPr>
-              <a:t>&lt;/</a:t>
-            </a:r>
-            <a:r>
-              <a:rPr lang="en-US" sz="2100" b="1" noProof="1">
-                <a:solidFill>
-                  <a:srgbClr val="8CF4F2"/>
-                </a:solidFill>
-                <a:effectLst>
-                  <a:outerShdw blurRad="38100" dist="38100" dir="2700000" algn="tl">
-                    <a:srgbClr val="000000">
-                      <a:alpha val="43137"/>
-                    </a:srgbClr>
-                  </a:outerShdw>
-                </a:effectLst>
-                <a:latin typeface="Consolas" pitchFamily="49" charset="0"/>
-                <a:cs typeface="Consolas" pitchFamily="49" charset="0"/>
-              </a:rPr>
-              <a:t>form&gt; </a:t>
+              <a:t>&lt;/form&gt; </a:t>
             </a:r>
           </a:p>
         </p:txBody>
@@ -19187,7 +17481,7 @@
               <a:buSzPct val="70000"/>
             </a:pPr>
             <a:r>
-              <a:rPr lang="en-US" sz="2100" b="1" noProof="1" smtClean="0">
+              <a:rPr lang="en-US" sz="2100" b="1" noProof="1">
                 <a:solidFill>
                   <a:srgbClr val="8CF4F2"/>
                 </a:solidFill>
@@ -19201,58 +17495,7 @@
                 <a:latin typeface="Consolas" pitchFamily="49" charset="0"/>
                 <a:cs typeface="Consolas" pitchFamily="49" charset="0"/>
               </a:rPr>
-              <a:t>var </a:t>
-            </a:r>
-            <a:r>
-              <a:rPr lang="en-US" sz="2100" b="1" noProof="1">
-                <a:solidFill>
-                  <a:srgbClr val="8CF4F2"/>
-                </a:solidFill>
-                <a:effectLst>
-                  <a:outerShdw blurRad="38100" dist="38100" dir="2700000" algn="tl">
-                    <a:srgbClr val="000000">
-                      <a:alpha val="43137"/>
-                    </a:srgbClr>
-                  </a:outerShdw>
-                </a:effectLst>
-                <a:latin typeface="Consolas" pitchFamily="49" charset="0"/>
-                <a:cs typeface="Consolas" pitchFamily="49" charset="0"/>
-              </a:rPr>
-              <a:t>token = $('input[name="__RequestVerificationToken"]', form).</a:t>
-            </a:r>
-            <a:r>
-              <a:rPr lang="en-US" sz="2100" b="1" noProof="1">
-                <a:solidFill>
-                  <a:srgbClr val="8CF4F2"/>
-                </a:solidFill>
-                <a:effectLst>
-                  <a:outerShdw blurRad="38100" dist="38100" dir="2700000" algn="tl">
-                    <a:srgbClr val="000000">
-                      <a:alpha val="43137"/>
-                    </a:srgbClr>
-                  </a:outerShdw>
-                </a:effectLst>
-                <a:latin typeface="Consolas" pitchFamily="49" charset="0"/>
-                <a:cs typeface="Consolas" pitchFamily="49" charset="0"/>
-              </a:rPr>
-              <a:t>val</a:t>
-            </a:r>
-            <a:r>
-              <a:rPr lang="en-US" sz="2100" b="1" noProof="1" smtClean="0">
-                <a:solidFill>
-                  <a:srgbClr val="8CF4F2"/>
-                </a:solidFill>
-                <a:effectLst>
-                  <a:outerShdw blurRad="38100" dist="38100" dir="2700000" algn="tl">
-                    <a:srgbClr val="000000">
-                      <a:alpha val="43137"/>
-                    </a:srgbClr>
-                  </a:outerShdw>
-                </a:effectLst>
-                <a:latin typeface="Consolas" pitchFamily="49" charset="0"/>
-                <a:cs typeface="Consolas" pitchFamily="49" charset="0"/>
-              </a:rPr>
-              <a:t>();</a:t>
+              <a:t>var token = $('input[name="__RequestVerificationToken"]', form).val();</a:t>
             </a:r>
           </a:p>
           <a:p>
@@ -19269,7 +17512,7 @@
               <a:buSzPct val="70000"/>
             </a:pPr>
             <a:r>
-              <a:rPr lang="en-US" sz="2100" b="1" noProof="1" smtClean="0">
+              <a:rPr lang="en-US" sz="2100" b="1" noProof="1">
                 <a:solidFill>
                   <a:srgbClr val="8CF4F2"/>
                 </a:solidFill>
@@ -19283,41 +17526,7 @@
                 <a:latin typeface="Consolas" pitchFamily="49" charset="0"/>
                 <a:cs typeface="Consolas" pitchFamily="49" charset="0"/>
               </a:rPr>
-              <a:t>$.</a:t>
-            </a:r>
-            <a:r>
-              <a:rPr lang="en-US" sz="2100" b="1" noProof="1">
-                <a:solidFill>
-                  <a:srgbClr val="8CF4F2"/>
-                </a:solidFill>
-                <a:effectLst>
-                  <a:outerShdw blurRad="38100" dist="38100" dir="2700000" algn="tl">
-                    <a:srgbClr val="000000">
-                      <a:alpha val="43137"/>
-                    </a:srgbClr>
-                  </a:outerShdw>
-                </a:effectLst>
-                <a:latin typeface="Consolas" pitchFamily="49" charset="0"/>
-                <a:cs typeface="Consolas" pitchFamily="49" charset="0"/>
-              </a:rPr>
-              <a:t>ajax</a:t>
-            </a:r>
-            <a:r>
-              <a:rPr lang="en-US" sz="2100" b="1" noProof="1" smtClean="0">
-                <a:solidFill>
-                  <a:srgbClr val="8CF4F2"/>
-                </a:solidFill>
-                <a:effectLst>
-                  <a:outerShdw blurRad="38100" dist="38100" dir="2700000" algn="tl">
-                    <a:srgbClr val="000000">
-                      <a:alpha val="43137"/>
-                    </a:srgbClr>
-                  </a:outerShdw>
-                </a:effectLst>
-                <a:latin typeface="Consolas" pitchFamily="49" charset="0"/>
-                <a:cs typeface="Consolas" pitchFamily="49" charset="0"/>
-              </a:rPr>
-              <a:t>({</a:t>
+              <a:t>$.ajax({</a:t>
             </a:r>
           </a:p>
           <a:p>
@@ -19348,41 +17557,7 @@
                 <a:latin typeface="Consolas" pitchFamily="49" charset="0"/>
                 <a:cs typeface="Consolas" pitchFamily="49" charset="0"/>
               </a:rPr>
-              <a:t> </a:t>
-            </a:r>
-            <a:r>
-              <a:rPr lang="en-US" sz="2100" b="1" noProof="1" smtClean="0">
-                <a:solidFill>
-                  <a:srgbClr val="8CF4F2"/>
-                </a:solidFill>
-                <a:effectLst>
-                  <a:outerShdw blurRad="38100" dist="38100" dir="2700000" algn="tl">
-                    <a:srgbClr val="000000">
-                      <a:alpha val="43137"/>
-                    </a:srgbClr>
-                  </a:outerShdw>
-                </a:effectLst>
-                <a:latin typeface="Consolas" pitchFamily="49" charset="0"/>
-                <a:cs typeface="Consolas" pitchFamily="49" charset="0"/>
-              </a:rPr>
-              <a:t>   type</a:t>
-            </a:r>
-            <a:r>
-              <a:rPr lang="en-US" sz="2100" b="1" noProof="1">
-                <a:solidFill>
-                  <a:srgbClr val="8CF4F2"/>
-                </a:solidFill>
-                <a:effectLst>
-                  <a:outerShdw blurRad="38100" dist="38100" dir="2700000" algn="tl">
-                    <a:srgbClr val="000000">
-                      <a:alpha val="43137"/>
-                    </a:srgbClr>
-                  </a:outerShdw>
-                </a:effectLst>
-                <a:latin typeface="Consolas" pitchFamily="49" charset="0"/>
-                <a:cs typeface="Consolas" pitchFamily="49" charset="0"/>
-              </a:rPr>
-              <a:t>: 'POST',</a:t>
+              <a:t>    type: 'POST',</a:t>
             </a:r>
           </a:p>
           <a:p>
@@ -19413,41 +17588,7 @@
                 <a:latin typeface="Consolas" pitchFamily="49" charset="0"/>
                 <a:cs typeface="Consolas" pitchFamily="49" charset="0"/>
               </a:rPr>
-              <a:t>    </a:t>
-            </a:r>
-            <a:r>
-              <a:rPr lang="en-US" sz="2100" b="1" noProof="1" smtClean="0">
-                <a:solidFill>
-                  <a:srgbClr val="8CF4F2"/>
-                </a:solidFill>
-                <a:effectLst>
-                  <a:outerShdw blurRad="38100" dist="38100" dir="2700000" algn="tl">
-                    <a:srgbClr val="000000">
-                      <a:alpha val="43137"/>
-                    </a:srgbClr>
-                  </a:outerShdw>
-                </a:effectLst>
-                <a:latin typeface="Consolas" pitchFamily="49" charset="0"/>
-                <a:cs typeface="Consolas" pitchFamily="49" charset="0"/>
-              </a:rPr>
-              <a:t>data</a:t>
-            </a:r>
-            <a:r>
-              <a:rPr lang="en-US" sz="2100" b="1" noProof="1">
-                <a:solidFill>
-                  <a:srgbClr val="8CF4F2"/>
-                </a:solidFill>
-                <a:effectLst>
-                  <a:outerShdw blurRad="38100" dist="38100" dir="2700000" algn="tl">
-                    <a:srgbClr val="000000">
-                      <a:alpha val="43137"/>
-                    </a:srgbClr>
-                  </a:outerShdw>
-                </a:effectLst>
-                <a:latin typeface="Consolas" pitchFamily="49" charset="0"/>
-                <a:cs typeface="Consolas" pitchFamily="49" charset="0"/>
-              </a:rPr>
-              <a:t>: { </a:t>
+              <a:t>    data: { </a:t>
             </a:r>
           </a:p>
           <a:p>
@@ -19478,41 +17619,7 @@
                 <a:latin typeface="Consolas" pitchFamily="49" charset="0"/>
                 <a:cs typeface="Consolas" pitchFamily="49" charset="0"/>
               </a:rPr>
-              <a:t>    </a:t>
-            </a:r>
-            <a:r>
-              <a:rPr lang="en-US" sz="2100" b="1" noProof="1" smtClean="0">
-                <a:solidFill>
-                  <a:srgbClr val="8CF4F2"/>
-                </a:solidFill>
-                <a:effectLst>
-                  <a:outerShdw blurRad="38100" dist="38100" dir="2700000" algn="tl">
-                    <a:srgbClr val="000000">
-                      <a:alpha val="43137"/>
-                    </a:srgbClr>
-                  </a:outerShdw>
-                </a:effectLst>
-                <a:latin typeface="Consolas" pitchFamily="49" charset="0"/>
-                <a:cs typeface="Consolas" pitchFamily="49" charset="0"/>
-              </a:rPr>
-              <a:t>__</a:t>
-            </a:r>
-            <a:r>
-              <a:rPr lang="en-US" sz="2100" b="1" noProof="1">
-                <a:solidFill>
-                  <a:srgbClr val="8CF4F2"/>
-                </a:solidFill>
-                <a:effectLst>
-                  <a:outerShdw blurRad="38100" dist="38100" dir="2700000" algn="tl">
-                    <a:srgbClr val="000000">
-                      <a:alpha val="43137"/>
-                    </a:srgbClr>
-                  </a:outerShdw>
-                </a:effectLst>
-                <a:latin typeface="Consolas" pitchFamily="49" charset="0"/>
-                <a:cs typeface="Consolas" pitchFamily="49" charset="0"/>
-              </a:rPr>
-              <a:t>RequestVerificationToken: token, </a:t>
+              <a:t>    __RequestVerificationToken: token, </a:t>
             </a:r>
           </a:p>
           <a:p>
@@ -19529,7 +17636,7 @@
               <a:buSzPct val="70000"/>
             </a:pPr>
             <a:r>
-              <a:rPr lang="en-US" sz="2100" b="1" noProof="1" smtClean="0">
+              <a:rPr lang="en-US" sz="2100" b="1" noProof="1">
                 <a:solidFill>
                   <a:srgbClr val="8CF4F2"/>
                 </a:solidFill>
@@ -19543,58 +17650,7 @@
                 <a:latin typeface="Consolas" pitchFamily="49" charset="0"/>
                 <a:cs typeface="Consolas" pitchFamily="49" charset="0"/>
               </a:rPr>
-              <a:t>    someValue</a:t>
-            </a:r>
-            <a:r>
-              <a:rPr lang="en-US" sz="2100" b="1" noProof="1">
-                <a:solidFill>
-                  <a:srgbClr val="8CF4F2"/>
-                </a:solidFill>
-                <a:effectLst>
-                  <a:outerShdw blurRad="38100" dist="38100" dir="2700000" algn="tl">
-                    <a:srgbClr val="000000">
-                      <a:alpha val="43137"/>
-                    </a:srgbClr>
-                  </a:outerShdw>
-                </a:effectLst>
-                <a:latin typeface="Consolas" pitchFamily="49" charset="0"/>
-                <a:cs typeface="Consolas" pitchFamily="49" charset="0"/>
-              </a:rPr>
-              <a:t>: </a:t>
-            </a:r>
-            <a:r>
-              <a:rPr lang="en-US" sz="2100" b="1" noProof="1">
-                <a:solidFill>
-                  <a:srgbClr val="8CF4F2"/>
-                </a:solidFill>
-                <a:effectLst>
-                  <a:outerShdw blurRad="38100" dist="38100" dir="2700000" algn="tl">
-                    <a:srgbClr val="000000">
-                      <a:alpha val="43137"/>
-                    </a:srgbClr>
-                  </a:outerShdw>
-                </a:effectLst>
-                <a:latin typeface="Consolas" pitchFamily="49" charset="0"/>
-                <a:cs typeface="Consolas" pitchFamily="49" charset="0"/>
-              </a:rPr>
-              <a:t>'some </a:t>
-            </a:r>
-            <a:r>
-              <a:rPr lang="en-US" sz="2100" b="1" noProof="1" smtClean="0">
-                <a:solidFill>
-                  <a:srgbClr val="8CF4F2"/>
-                </a:solidFill>
-                <a:effectLst>
-                  <a:outerShdw blurRad="38100" dist="38100" dir="2700000" algn="tl">
-                    <a:srgbClr val="000000">
-                      <a:alpha val="43137"/>
-                    </a:srgbClr>
-                  </a:outerShdw>
-                </a:effectLst>
-                <a:latin typeface="Consolas" pitchFamily="49" charset="0"/>
-                <a:cs typeface="Consolas" pitchFamily="49" charset="0"/>
-              </a:rPr>
-              <a:t>value'</a:t>
+              <a:t>    someValue: 'some value'</a:t>
             </a:r>
           </a:p>
           <a:p>
@@ -19611,7 +17667,7 @@
               <a:buSzPct val="70000"/>
             </a:pPr>
             <a:r>
-              <a:rPr lang="en-US" sz="2100" b="1" noProof="1" smtClean="0">
+              <a:rPr lang="en-US" sz="2100" b="1" noProof="1">
                 <a:solidFill>
                   <a:srgbClr val="8CF4F2"/>
                 </a:solidFill>
@@ -19627,20 +17683,6 @@
               </a:rPr>
               <a:t>},</a:t>
             </a:r>
-            <a:endParaRPr lang="en-US" sz="2100" b="1" noProof="1">
-              <a:solidFill>
-                <a:srgbClr val="8CF4F2"/>
-              </a:solidFill>
-              <a:effectLst>
-                <a:outerShdw blurRad="38100" dist="38100" dir="2700000" algn="tl">
-                  <a:srgbClr val="000000">
-                    <a:alpha val="43137"/>
-                  </a:srgbClr>
-                </a:outerShdw>
-              </a:effectLst>
-              <a:latin typeface="Consolas" pitchFamily="49" charset="0"/>
-              <a:cs typeface="Consolas" pitchFamily="49" charset="0"/>
-            </a:endParaRPr>
           </a:p>
         </p:txBody>
       </p:sp>
@@ -19696,22 +17738,14 @@
           <a:p>
             <a:r>
               <a:rPr lang="en-US" dirty="0"/>
-              <a:t>Web </a:t>
-            </a:r>
-            <a:r>
-              <a:rPr lang="en-US" dirty="0" smtClean="0"/>
-              <a:t>Security</a:t>
+              <a:t>Web Security</a:t>
             </a:r>
             <a:br>
-              <a:rPr lang="en-US" dirty="0" smtClean="0"/>
+              <a:rPr lang="en-US" dirty="0"/>
             </a:br>
             <a:r>
-              <a:rPr lang="en-US" dirty="0" smtClean="0"/>
-              <a:t>Main </a:t>
-            </a:r>
-            <a:r>
               <a:rPr lang="en-US" dirty="0"/>
-              <a:t>Concepts</a:t>
+              <a:t>Main Concepts</a:t>
             </a:r>
           </a:p>
         </p:txBody>
@@ -19831,10 +17865,9 @@
           <a:lstStyle/>
           <a:p>
             <a:r>
-              <a:rPr lang="en-US" dirty="0" smtClean="0"/>
+              <a:rPr lang="en-US" dirty="0"/>
               <a:t>Anti-CSRF in MVC Apps</a:t>
             </a:r>
-            <a:endParaRPr lang="en-US" dirty="0"/>
           </a:p>
         </p:txBody>
       </p:sp>
@@ -19859,10 +17892,9 @@
           <a:lstStyle/>
           <a:p>
             <a:r>
-              <a:rPr lang="en-US" dirty="0" smtClean="0"/>
+              <a:rPr lang="en-US" dirty="0"/>
               <a:t>Live Demo</a:t>
             </a:r>
-            <a:endParaRPr lang="en-US" dirty="0"/>
           </a:p>
         </p:txBody>
       </p:sp>
@@ -19984,684 +18016,10 @@
   <p:clrMapOvr>
     <a:masterClrMapping/>
   </p:clrMapOvr>
-  <p:timing>
-    <p:tnLst>
-      <p:par>
-        <p:cTn id="1" dur="indefinite" restart="never" nodeType="tmRoot"/>
-      </p:par>
-    </p:tnLst>
-  </p:timing>
 </p:sld>
 </file>
 
 <file path=ppt/slides/slide31.xml><?xml version="1.0" encoding="utf-8"?>
-<p:sld xmlns:a="http://schemas.openxmlformats.org/drawingml/2006/main" xmlns:r="http://schemas.openxmlformats.org/officeDocument/2006/relationships" xmlns:p="http://schemas.openxmlformats.org/presentationml/2006/main">
-  <p:cSld>
-    <p:spTree>
-      <p:nvGrpSpPr>
-        <p:cNvPr id="1" name=""/>
-        <p:cNvGrpSpPr/>
-        <p:nvPr/>
-      </p:nvGrpSpPr>
-      <p:grpSpPr>
-        <a:xfrm>
-          <a:off x="0" y="0"/>
-          <a:ext cx="0" cy="0"/>
-          <a:chOff x="0" y="0"/>
-          <a:chExt cx="0" cy="0"/>
-        </a:xfrm>
-      </p:grpSpPr>
-      <p:sp>
-        <p:nvSpPr>
-          <p:cNvPr id="2" name="Title 1"/>
-          <p:cNvSpPr>
-            <a:spLocks noGrp="1"/>
-          </p:cNvSpPr>
-          <p:nvPr>
-            <p:ph type="title"/>
-          </p:nvPr>
-        </p:nvSpPr>
-        <p:spPr/>
-        <p:txBody>
-          <a:bodyPr/>
-          <a:lstStyle/>
-          <a:p>
-            <a:r>
-              <a:rPr lang="en-US" dirty="0"/>
-              <a:t>Prevent CSRF in </a:t>
-            </a:r>
-            <a:r>
-              <a:rPr lang="en-US" dirty="0" smtClean="0"/>
-              <a:t>Web Forms</a:t>
-            </a:r>
-            <a:endParaRPr lang="en-US" dirty="0"/>
-          </a:p>
-        </p:txBody>
-      </p:sp>
-      <p:sp>
-        <p:nvSpPr>
-          <p:cNvPr id="3" name="Content Placeholder 2"/>
-          <p:cNvSpPr>
-            <a:spLocks noGrp="1"/>
-          </p:cNvSpPr>
-          <p:nvPr>
-            <p:ph idx="1"/>
-          </p:nvPr>
-        </p:nvSpPr>
-        <p:spPr/>
-        <p:txBody>
-          <a:bodyPr/>
-          <a:lstStyle/>
-          <a:p>
-            <a:r>
-              <a:rPr lang="en-US" sz="3000" dirty="0" smtClean="0"/>
-              <a:t>In Web Forms just add the following code in your </a:t>
-            </a:r>
-            <a:r>
-              <a:rPr lang="en-US" sz="3000" noProof="1" smtClean="0">
-                <a:solidFill>
-                  <a:schemeClr val="accent5">
-                    <a:lumMod val="20000"/>
-                    <a:lumOff val="80000"/>
-                  </a:schemeClr>
-                </a:solidFill>
-                <a:latin typeface="Consolas" panose="020B0609020204030204" pitchFamily="49" charset="0"/>
-                <a:cs typeface="Consolas" panose="020B0609020204030204" pitchFamily="49" charset="0"/>
-              </a:rPr>
-              <a:t>Site.Master.cs</a:t>
-            </a:r>
-            <a:r>
-              <a:rPr lang="en-US" sz="3000" dirty="0" smtClean="0"/>
-              <a:t>:</a:t>
-            </a:r>
-          </a:p>
-          <a:p>
-            <a:endParaRPr lang="en-US" sz="3000" dirty="0"/>
-          </a:p>
-          <a:p>
-            <a:endParaRPr lang="en-US" sz="3000" dirty="0" smtClean="0"/>
-          </a:p>
-          <a:p>
-            <a:endParaRPr lang="en-US" sz="3000" dirty="0"/>
-          </a:p>
-          <a:p>
-            <a:endParaRPr lang="en-US" sz="3000" dirty="0" smtClean="0"/>
-          </a:p>
-          <a:p>
-            <a:pPr lvl="1"/>
-            <a:r>
-              <a:rPr lang="en-US" sz="2800" dirty="0" smtClean="0"/>
-              <a:t>It changes the VIEWSTATE encryption key for all pages when there is a logged-in user</a:t>
-            </a:r>
-          </a:p>
-          <a:p>
-            <a:r>
-              <a:rPr lang="en-US" sz="3000" dirty="0" smtClean="0"/>
-              <a:t>In the VS </a:t>
-            </a:r>
-            <a:r>
-              <a:rPr lang="en-US" sz="3000" dirty="0" smtClean="0">
-                <a:latin typeface="Consolas" panose="020B0609020204030204" pitchFamily="49" charset="0"/>
-                <a:cs typeface="Consolas" panose="020B0609020204030204" pitchFamily="49" charset="0"/>
-              </a:rPr>
-              <a:t>2015</a:t>
-            </a:r>
-            <a:r>
-              <a:rPr lang="en-US" sz="3000" dirty="0" smtClean="0"/>
-              <a:t> </a:t>
-            </a:r>
-            <a:r>
-              <a:rPr lang="en-US" sz="3000" dirty="0" smtClean="0"/>
-              <a:t>Web Forms app template, there is already CSRF protection in </a:t>
-            </a:r>
-            <a:r>
-              <a:rPr lang="en-US" sz="3000" noProof="1" smtClean="0">
-                <a:solidFill>
-                  <a:schemeClr val="accent5">
-                    <a:lumMod val="20000"/>
-                    <a:lumOff val="80000"/>
-                  </a:schemeClr>
-                </a:solidFill>
-                <a:latin typeface="Consolas" panose="020B0609020204030204" pitchFamily="49" charset="0"/>
-                <a:cs typeface="Consolas" panose="020B0609020204030204" pitchFamily="49" charset="0"/>
-              </a:rPr>
-              <a:t>Site.master.cs</a:t>
-            </a:r>
-            <a:endParaRPr lang="en-US" sz="3000" noProof="1"/>
-          </a:p>
-        </p:txBody>
-      </p:sp>
-      <p:sp>
-        <p:nvSpPr>
-          <p:cNvPr id="4" name="Slide Number Placeholder 3"/>
-          <p:cNvSpPr>
-            <a:spLocks noGrp="1"/>
-          </p:cNvSpPr>
-          <p:nvPr>
-            <p:ph type="sldNum" sz="quarter" idx="10"/>
-          </p:nvPr>
-        </p:nvSpPr>
-        <p:spPr/>
-        <p:txBody>
-          <a:bodyPr/>
-          <a:lstStyle/>
-          <a:p>
-            <a:pPr>
-              <a:defRPr/>
-            </a:pPr>
-            <a:fld id="{58452FF4-89E3-4D1B-9927-2DBDC00E58D7}" type="slidenum">
-              <a:rPr lang="en-US" smtClean="0"/>
-              <a:pPr>
-                <a:defRPr/>
-              </a:pPr>
-              <a:t>31</a:t>
-            </a:fld>
-            <a:endParaRPr lang="en-US" dirty="0"/>
-          </a:p>
-        </p:txBody>
-      </p:sp>
-      <p:sp>
-        <p:nvSpPr>
-          <p:cNvPr id="5" name="Rectangle 4"/>
-          <p:cNvSpPr>
-            <a:spLocks noChangeArrowheads="1"/>
-          </p:cNvSpPr>
-          <p:nvPr/>
-        </p:nvSpPr>
-        <p:spPr bwMode="auto">
-          <a:xfrm>
-            <a:off x="609600" y="2095694"/>
-            <a:ext cx="7924800" cy="2299842"/>
-          </a:xfrm>
-          <a:prstGeom prst="rect">
-            <a:avLst/>
-          </a:prstGeom>
-          <a:solidFill>
-            <a:schemeClr val="accent5">
-              <a:lumMod val="40000"/>
-              <a:lumOff val="60000"/>
-              <a:alpha val="15000"/>
-            </a:schemeClr>
-          </a:solidFill>
-          <a:ln w="12700">
-            <a:solidFill>
-              <a:schemeClr val="accent5">
-                <a:lumMod val="60000"/>
-                <a:lumOff val="40000"/>
-              </a:schemeClr>
-            </a:solidFill>
-          </a:ln>
-        </p:spPr>
-        <p:txBody>
-          <a:bodyPr wrap="square" tIns="72000" bIns="72000" anchor="ctr" anchorCtr="0">
-            <a:spAutoFit/>
-          </a:bodyPr>
-          <a:lstStyle/>
-          <a:p>
-            <a:pPr eaLnBrk="0" hangingPunct="0">
-              <a:spcBef>
-                <a:spcPts val="0"/>
-              </a:spcBef>
-              <a:buClr>
-                <a:schemeClr val="accent5">
-                  <a:lumMod val="40000"/>
-                  <a:lumOff val="60000"/>
-                </a:schemeClr>
-              </a:buClr>
-              <a:buSzPct val="70000"/>
-            </a:pPr>
-            <a:r>
-              <a:rPr lang="en-US" sz="2000" b="1" noProof="1">
-                <a:solidFill>
-                  <a:srgbClr val="8CF4F2"/>
-                </a:solidFill>
-                <a:effectLst>
-                  <a:outerShdw blurRad="38100" dist="38100" dir="2700000" algn="tl">
-                    <a:srgbClr val="000000">
-                      <a:alpha val="43137"/>
-                    </a:srgbClr>
-                  </a:outerShdw>
-                </a:effectLst>
-                <a:latin typeface="Consolas" pitchFamily="49" charset="0"/>
-                <a:cs typeface="Consolas" pitchFamily="49" charset="0"/>
-              </a:rPr>
-              <a:t>protected override void OnInit(EventArgs e) {</a:t>
-            </a:r>
-          </a:p>
-          <a:p>
-            <a:pPr eaLnBrk="0" hangingPunct="0">
-              <a:spcBef>
-                <a:spcPts val="0"/>
-              </a:spcBef>
-              <a:buClr>
-                <a:schemeClr val="accent5">
-                  <a:lumMod val="40000"/>
-                  <a:lumOff val="60000"/>
-                </a:schemeClr>
-              </a:buClr>
-              <a:buSzPct val="70000"/>
-            </a:pPr>
-            <a:r>
-              <a:rPr lang="en-US" sz="2000" b="1" noProof="1" smtClean="0">
-                <a:solidFill>
-                  <a:srgbClr val="8CF4F2"/>
-                </a:solidFill>
-                <a:effectLst>
-                  <a:outerShdw blurRad="38100" dist="38100" dir="2700000" algn="tl">
-                    <a:srgbClr val="000000">
-                      <a:alpha val="43137"/>
-                    </a:srgbClr>
-                  </a:outerShdw>
-                </a:effectLst>
-                <a:latin typeface="Consolas" pitchFamily="49" charset="0"/>
-                <a:cs typeface="Consolas" pitchFamily="49" charset="0"/>
-              </a:rPr>
-              <a:t> </a:t>
-            </a:r>
-            <a:r>
-              <a:rPr lang="en-US" sz="2000" b="1" noProof="1" smtClean="0">
-                <a:solidFill>
-                  <a:srgbClr val="8CF4F2"/>
-                </a:solidFill>
-                <a:effectLst>
-                  <a:outerShdw blurRad="38100" dist="38100" dir="2700000" algn="tl">
-                    <a:srgbClr val="000000">
-                      <a:alpha val="43137"/>
-                    </a:srgbClr>
-                  </a:outerShdw>
-                </a:effectLst>
-                <a:latin typeface="Consolas" pitchFamily="49" charset="0"/>
-                <a:cs typeface="Consolas" pitchFamily="49" charset="0"/>
-              </a:rPr>
-              <a:t>  </a:t>
-            </a:r>
-            <a:r>
-              <a:rPr lang="en-US" sz="2000" b="1" noProof="1" smtClean="0">
-                <a:solidFill>
-                  <a:srgbClr val="8CF4F2"/>
-                </a:solidFill>
-                <a:effectLst>
-                  <a:outerShdw blurRad="38100" dist="38100" dir="2700000" algn="tl">
-                    <a:srgbClr val="000000">
-                      <a:alpha val="43137"/>
-                    </a:srgbClr>
-                  </a:outerShdw>
-                </a:effectLst>
-                <a:latin typeface="Consolas" pitchFamily="49" charset="0"/>
-                <a:cs typeface="Consolas" pitchFamily="49" charset="0"/>
-              </a:rPr>
-              <a:t>base.OnInit(e</a:t>
-            </a:r>
-            <a:r>
-              <a:rPr lang="en-US" sz="2000" b="1" noProof="1">
-                <a:solidFill>
-                  <a:srgbClr val="8CF4F2"/>
-                </a:solidFill>
-                <a:effectLst>
-                  <a:outerShdw blurRad="38100" dist="38100" dir="2700000" algn="tl">
-                    <a:srgbClr val="000000">
-                      <a:alpha val="43137"/>
-                    </a:srgbClr>
-                  </a:outerShdw>
-                </a:effectLst>
-                <a:latin typeface="Consolas" pitchFamily="49" charset="0"/>
-                <a:cs typeface="Consolas" pitchFamily="49" charset="0"/>
-              </a:rPr>
-              <a:t>); </a:t>
-            </a:r>
-          </a:p>
-          <a:p>
-            <a:pPr eaLnBrk="0" hangingPunct="0">
-              <a:spcBef>
-                <a:spcPts val="0"/>
-              </a:spcBef>
-              <a:buClr>
-                <a:schemeClr val="accent5">
-                  <a:lumMod val="40000"/>
-                  <a:lumOff val="60000"/>
-                </a:schemeClr>
-              </a:buClr>
-              <a:buSzPct val="70000"/>
-            </a:pPr>
-            <a:r>
-              <a:rPr lang="en-US" sz="2000" b="1" noProof="1" smtClean="0">
-                <a:solidFill>
-                  <a:srgbClr val="8CF4F2"/>
-                </a:solidFill>
-                <a:effectLst>
-                  <a:outerShdw blurRad="38100" dist="38100" dir="2700000" algn="tl">
-                    <a:srgbClr val="000000">
-                      <a:alpha val="43137"/>
-                    </a:srgbClr>
-                  </a:outerShdw>
-                </a:effectLst>
-                <a:latin typeface="Consolas" pitchFamily="49" charset="0"/>
-                <a:cs typeface="Consolas" pitchFamily="49" charset="0"/>
-              </a:rPr>
-              <a:t>   </a:t>
-            </a:r>
-            <a:r>
-              <a:rPr lang="en-US" sz="2000" b="1" noProof="1" smtClean="0">
-                <a:solidFill>
-                  <a:srgbClr val="8CF4F2"/>
-                </a:solidFill>
-                <a:effectLst>
-                  <a:outerShdw blurRad="38100" dist="38100" dir="2700000" algn="tl">
-                    <a:srgbClr val="000000">
-                      <a:alpha val="43137"/>
-                    </a:srgbClr>
-                  </a:outerShdw>
-                </a:effectLst>
-                <a:latin typeface="Consolas" pitchFamily="49" charset="0"/>
-                <a:cs typeface="Consolas" pitchFamily="49" charset="0"/>
-              </a:rPr>
-              <a:t>if </a:t>
-            </a:r>
-            <a:r>
-              <a:rPr lang="en-US" sz="2000" b="1" noProof="1">
-                <a:solidFill>
-                  <a:srgbClr val="8CF4F2"/>
-                </a:solidFill>
-                <a:effectLst>
-                  <a:outerShdw blurRad="38100" dist="38100" dir="2700000" algn="tl">
-                    <a:srgbClr val="000000">
-                      <a:alpha val="43137"/>
-                    </a:srgbClr>
-                  </a:outerShdw>
-                </a:effectLst>
-                <a:latin typeface="Consolas" pitchFamily="49" charset="0"/>
-                <a:cs typeface="Consolas" pitchFamily="49" charset="0"/>
-              </a:rPr>
-              <a:t>(Page.User.Identity.IsAuthenticated)</a:t>
-            </a:r>
-          </a:p>
-          <a:p>
-            <a:pPr eaLnBrk="0" hangingPunct="0">
-              <a:spcBef>
-                <a:spcPts val="0"/>
-              </a:spcBef>
-              <a:buClr>
-                <a:schemeClr val="accent5">
-                  <a:lumMod val="40000"/>
-                  <a:lumOff val="60000"/>
-                </a:schemeClr>
-              </a:buClr>
-              <a:buSzPct val="70000"/>
-            </a:pPr>
-            <a:r>
-              <a:rPr lang="en-US" sz="2000" b="1" noProof="1" smtClean="0">
-                <a:solidFill>
-                  <a:srgbClr val="8CF4F2"/>
-                </a:solidFill>
-                <a:effectLst>
-                  <a:outerShdw blurRad="38100" dist="38100" dir="2700000" algn="tl">
-                    <a:srgbClr val="000000">
-                      <a:alpha val="43137"/>
-                    </a:srgbClr>
-                  </a:outerShdw>
-                </a:effectLst>
-                <a:latin typeface="Consolas" pitchFamily="49" charset="0"/>
-                <a:cs typeface="Consolas" pitchFamily="49" charset="0"/>
-              </a:rPr>
-              <a:t> </a:t>
-            </a:r>
-            <a:r>
-              <a:rPr lang="en-US" sz="2000" b="1" noProof="1" smtClean="0">
-                <a:solidFill>
-                  <a:srgbClr val="8CF4F2"/>
-                </a:solidFill>
-                <a:effectLst>
-                  <a:outerShdw blurRad="38100" dist="38100" dir="2700000" algn="tl">
-                    <a:srgbClr val="000000">
-                      <a:alpha val="43137"/>
-                    </a:srgbClr>
-                  </a:outerShdw>
-                </a:effectLst>
-                <a:latin typeface="Consolas" pitchFamily="49" charset="0"/>
-                <a:cs typeface="Consolas" pitchFamily="49" charset="0"/>
-              </a:rPr>
-              <a:t>  </a:t>
-            </a:r>
-            <a:r>
-              <a:rPr lang="en-US" sz="2000" b="1" noProof="1" smtClean="0">
-                <a:solidFill>
-                  <a:srgbClr val="8CF4F2"/>
-                </a:solidFill>
-                <a:effectLst>
-                  <a:outerShdw blurRad="38100" dist="38100" dir="2700000" algn="tl">
-                    <a:srgbClr val="000000">
-                      <a:alpha val="43137"/>
-                    </a:srgbClr>
-                  </a:outerShdw>
-                </a:effectLst>
-                <a:latin typeface="Consolas" pitchFamily="49" charset="0"/>
-                <a:cs typeface="Consolas" pitchFamily="49" charset="0"/>
-              </a:rPr>
-              <a:t>{</a:t>
-            </a:r>
-            <a:endParaRPr lang="en-US" sz="2000" b="1" noProof="1">
-              <a:solidFill>
-                <a:srgbClr val="8CF4F2"/>
-              </a:solidFill>
-              <a:effectLst>
-                <a:outerShdw blurRad="38100" dist="38100" dir="2700000" algn="tl">
-                  <a:srgbClr val="000000">
-                    <a:alpha val="43137"/>
-                  </a:srgbClr>
-                </a:outerShdw>
-              </a:effectLst>
-              <a:latin typeface="Consolas" pitchFamily="49" charset="0"/>
-              <a:cs typeface="Consolas" pitchFamily="49" charset="0"/>
-            </a:endParaRPr>
-          </a:p>
-          <a:p>
-            <a:pPr eaLnBrk="0" hangingPunct="0">
-              <a:spcBef>
-                <a:spcPts val="0"/>
-              </a:spcBef>
-              <a:buClr>
-                <a:schemeClr val="accent5">
-                  <a:lumMod val="40000"/>
-                  <a:lumOff val="60000"/>
-                </a:schemeClr>
-              </a:buClr>
-              <a:buSzPct val="70000"/>
-            </a:pPr>
-            <a:r>
-              <a:rPr lang="en-US" sz="2000" b="1" noProof="1" smtClean="0">
-                <a:solidFill>
-                  <a:srgbClr val="8CF4F2"/>
-                </a:solidFill>
-                <a:effectLst>
-                  <a:outerShdw blurRad="38100" dist="38100" dir="2700000" algn="tl">
-                    <a:srgbClr val="000000">
-                      <a:alpha val="43137"/>
-                    </a:srgbClr>
-                  </a:outerShdw>
-                </a:effectLst>
-                <a:latin typeface="Consolas" pitchFamily="49" charset="0"/>
-                <a:cs typeface="Consolas" pitchFamily="49" charset="0"/>
-              </a:rPr>
-              <a:t> </a:t>
-            </a:r>
-            <a:r>
-              <a:rPr lang="en-US" sz="2000" b="1" noProof="1" smtClean="0">
-                <a:solidFill>
-                  <a:srgbClr val="8CF4F2"/>
-                </a:solidFill>
-                <a:effectLst>
-                  <a:outerShdw blurRad="38100" dist="38100" dir="2700000" algn="tl">
-                    <a:srgbClr val="000000">
-                      <a:alpha val="43137"/>
-                    </a:srgbClr>
-                  </a:outerShdw>
-                </a:effectLst>
-                <a:latin typeface="Consolas" pitchFamily="49" charset="0"/>
-                <a:cs typeface="Consolas" pitchFamily="49" charset="0"/>
-              </a:rPr>
-              <a:t>     </a:t>
-            </a:r>
-            <a:r>
-              <a:rPr lang="en-US" sz="2000" b="1" noProof="1" smtClean="0">
-                <a:solidFill>
-                  <a:srgbClr val="8CF4F2"/>
-                </a:solidFill>
-                <a:effectLst>
-                  <a:outerShdw blurRad="38100" dist="38100" dir="2700000" algn="tl">
-                    <a:srgbClr val="000000">
-                      <a:alpha val="43137"/>
-                    </a:srgbClr>
-                  </a:outerShdw>
-                </a:effectLst>
-                <a:latin typeface="Consolas" pitchFamily="49" charset="0"/>
-                <a:cs typeface="Consolas" pitchFamily="49" charset="0"/>
-              </a:rPr>
-              <a:t>Page.ViewStateUserKey </a:t>
-            </a:r>
-            <a:r>
-              <a:rPr lang="en-US" sz="2000" b="1" noProof="1">
-                <a:solidFill>
-                  <a:srgbClr val="8CF4F2"/>
-                </a:solidFill>
-                <a:effectLst>
-                  <a:outerShdw blurRad="38100" dist="38100" dir="2700000" algn="tl">
-                    <a:srgbClr val="000000">
-                      <a:alpha val="43137"/>
-                    </a:srgbClr>
-                  </a:outerShdw>
-                </a:effectLst>
-                <a:latin typeface="Consolas" pitchFamily="49" charset="0"/>
-                <a:cs typeface="Consolas" pitchFamily="49" charset="0"/>
-              </a:rPr>
-              <a:t>= Session.SessionID;</a:t>
-            </a:r>
-          </a:p>
-          <a:p>
-            <a:pPr eaLnBrk="0" hangingPunct="0">
-              <a:spcBef>
-                <a:spcPts val="0"/>
-              </a:spcBef>
-              <a:buClr>
-                <a:schemeClr val="accent5">
-                  <a:lumMod val="40000"/>
-                  <a:lumOff val="60000"/>
-                </a:schemeClr>
-              </a:buClr>
-              <a:buSzPct val="70000"/>
-            </a:pPr>
-            <a:r>
-              <a:rPr lang="en-US" sz="2000" b="1" noProof="1" smtClean="0">
-                <a:solidFill>
-                  <a:srgbClr val="8CF4F2"/>
-                </a:solidFill>
-                <a:effectLst>
-                  <a:outerShdw blurRad="38100" dist="38100" dir="2700000" algn="tl">
-                    <a:srgbClr val="000000">
-                      <a:alpha val="43137"/>
-                    </a:srgbClr>
-                  </a:outerShdw>
-                </a:effectLst>
-                <a:latin typeface="Consolas" pitchFamily="49" charset="0"/>
-                <a:cs typeface="Consolas" pitchFamily="49" charset="0"/>
-              </a:rPr>
-              <a:t> </a:t>
-            </a:r>
-            <a:r>
-              <a:rPr lang="en-US" sz="2000" b="1" noProof="1" smtClean="0">
-                <a:solidFill>
-                  <a:srgbClr val="8CF4F2"/>
-                </a:solidFill>
-                <a:effectLst>
-                  <a:outerShdw blurRad="38100" dist="38100" dir="2700000" algn="tl">
-                    <a:srgbClr val="000000">
-                      <a:alpha val="43137"/>
-                    </a:srgbClr>
-                  </a:outerShdw>
-                </a:effectLst>
-                <a:latin typeface="Consolas" pitchFamily="49" charset="0"/>
-                <a:cs typeface="Consolas" pitchFamily="49" charset="0"/>
-              </a:rPr>
-              <a:t>  </a:t>
-            </a:r>
-            <a:r>
-              <a:rPr lang="en-US" sz="2000" b="1" noProof="1" smtClean="0">
-                <a:solidFill>
-                  <a:srgbClr val="8CF4F2"/>
-                </a:solidFill>
-                <a:effectLst>
-                  <a:outerShdw blurRad="38100" dist="38100" dir="2700000" algn="tl">
-                    <a:srgbClr val="000000">
-                      <a:alpha val="43137"/>
-                    </a:srgbClr>
-                  </a:outerShdw>
-                </a:effectLst>
-                <a:latin typeface="Consolas" pitchFamily="49" charset="0"/>
-                <a:cs typeface="Consolas" pitchFamily="49" charset="0"/>
-              </a:rPr>
-              <a:t>}</a:t>
-            </a:r>
-            <a:endParaRPr lang="en-US" sz="2000" b="1" noProof="1">
-              <a:solidFill>
-                <a:srgbClr val="8CF4F2"/>
-              </a:solidFill>
-              <a:effectLst>
-                <a:outerShdw blurRad="38100" dist="38100" dir="2700000" algn="tl">
-                  <a:srgbClr val="000000">
-                    <a:alpha val="43137"/>
-                  </a:srgbClr>
-                </a:outerShdw>
-              </a:effectLst>
-              <a:latin typeface="Consolas" pitchFamily="49" charset="0"/>
-              <a:cs typeface="Consolas" pitchFamily="49" charset="0"/>
-            </a:endParaRPr>
-          </a:p>
-          <a:p>
-            <a:pPr eaLnBrk="0" hangingPunct="0">
-              <a:spcBef>
-                <a:spcPts val="0"/>
-              </a:spcBef>
-              <a:buClr>
-                <a:schemeClr val="accent5">
-                  <a:lumMod val="40000"/>
-                  <a:lumOff val="60000"/>
-                </a:schemeClr>
-              </a:buClr>
-              <a:buSzPct val="70000"/>
-            </a:pPr>
-            <a:r>
-              <a:rPr lang="en-US" sz="2000" b="1" noProof="1">
-                <a:solidFill>
-                  <a:srgbClr val="8CF4F2"/>
-                </a:solidFill>
-                <a:effectLst>
-                  <a:outerShdw blurRad="38100" dist="38100" dir="2700000" algn="tl">
-                    <a:srgbClr val="000000">
-                      <a:alpha val="43137"/>
-                    </a:srgbClr>
-                  </a:outerShdw>
-                </a:effectLst>
-                <a:latin typeface="Consolas" pitchFamily="49" charset="0"/>
-                <a:cs typeface="Consolas" pitchFamily="49" charset="0"/>
-              </a:rPr>
-              <a:t>}</a:t>
-            </a:r>
-          </a:p>
-        </p:txBody>
-      </p:sp>
-    </p:spTree>
-    <p:extLst>
-      <p:ext uri="{BB962C8B-B14F-4D97-AF65-F5344CB8AC3E}">
-        <p14:creationId xmlns:p14="http://schemas.microsoft.com/office/powerpoint/2010/main" val="1280406666"/>
-      </p:ext>
-    </p:extLst>
-  </p:cSld>
-  <p:clrMapOvr>
-    <a:masterClrMapping/>
-  </p:clrMapOvr>
-</p:sld>
-</file>
-
-<file path=ppt/slides/slide32.xml><?xml version="1.0" encoding="utf-8"?>
 <p:sld xmlns:a="http://schemas.openxmlformats.org/drawingml/2006/main" xmlns:r="http://schemas.openxmlformats.org/officeDocument/2006/relationships" xmlns:p="http://schemas.openxmlformats.org/presentationml/2006/main">
   <p:cSld>
     <p:spTree>
@@ -20699,10 +18057,9 @@
           <a:lstStyle/>
           <a:p>
             <a:r>
-              <a:rPr lang="en-US" dirty="0" smtClean="0"/>
+              <a:rPr lang="en-US" dirty="0"/>
               <a:t>Parameter Tampering</a:t>
             </a:r>
-            <a:endParaRPr lang="en-US" dirty="0"/>
           </a:p>
         </p:txBody>
       </p:sp>
@@ -20727,10 +18084,9 @@
           <a:lstStyle/>
           <a:p>
             <a:r>
-              <a:rPr lang="en-US" dirty="0" smtClean="0"/>
+              <a:rPr lang="en-US" dirty="0"/>
               <a:t>What is Parameter Tampering and How to Prevent It?</a:t>
             </a:r>
-            <a:endParaRPr lang="en-US" dirty="0"/>
           </a:p>
         </p:txBody>
       </p:sp>
@@ -20804,17 +18160,10 @@
   <p:clrMapOvr>
     <a:masterClrMapping/>
   </p:clrMapOvr>
-  <p:timing>
-    <p:tnLst>
-      <p:par>
-        <p:cTn id="1" dur="indefinite" restart="never" nodeType="tmRoot"/>
-      </p:par>
-    </p:tnLst>
-  </p:timing>
 </p:sld>
 </file>
 
-<file path=ppt/slides/slide33.xml><?xml version="1.0" encoding="utf-8"?>
+<file path=ppt/slides/slide32.xml><?xml version="1.0" encoding="utf-8"?>
 <p:sld xmlns:a="http://schemas.openxmlformats.org/drawingml/2006/main" xmlns:r="http://schemas.openxmlformats.org/officeDocument/2006/relationships" xmlns:p="http://schemas.openxmlformats.org/presentationml/2006/main">
   <p:cSld>
     <p:spTree>
@@ -20847,10 +18196,9 @@
           <a:lstStyle/>
           <a:p>
             <a:r>
-              <a:rPr lang="en-US" dirty="0" smtClean="0"/>
+              <a:rPr lang="en-US" dirty="0"/>
               <a:t>What is Parameter Tampering?</a:t>
             </a:r>
-            <a:endParaRPr lang="en-US" dirty="0"/>
           </a:p>
         </p:txBody>
       </p:sp>
@@ -20871,28 +18219,24 @@
           <a:p>
             <a:r>
               <a:rPr lang="en-US" dirty="0"/>
-              <a:t>What is Parameter Tampering</a:t>
-            </a:r>
-            <a:r>
-              <a:rPr lang="en-US" dirty="0" smtClean="0"/>
-              <a:t>?</a:t>
+              <a:t>What is Parameter Tampering?</a:t>
             </a:r>
           </a:p>
           <a:p>
             <a:pPr lvl="1"/>
             <a:r>
-              <a:rPr lang="en-US" dirty="0" smtClean="0"/>
+              <a:rPr lang="en-US" dirty="0"/>
               <a:t>Malicious user alters the HTTP request parameters in unexpected way</a:t>
             </a:r>
           </a:p>
           <a:p>
             <a:pPr lvl="1"/>
             <a:r>
-              <a:rPr lang="en-US" dirty="0" smtClean="0"/>
+              <a:rPr lang="en-US" dirty="0"/>
               <a:t>Altered </a:t>
             </a:r>
             <a:r>
-              <a:rPr lang="en-US" dirty="0" smtClean="0">
+              <a:rPr lang="en-US" dirty="0">
                 <a:solidFill>
                   <a:schemeClr val="accent5">
                     <a:lumMod val="20000"/>
@@ -20903,18 +18247,18 @@
               <a:t>query string</a:t>
             </a:r>
             <a:r>
-              <a:rPr lang="en-US" dirty="0" smtClean="0"/>
+              <a:rPr lang="en-US" dirty="0"/>
               <a:t> (in GET requests)</a:t>
             </a:r>
           </a:p>
           <a:p>
             <a:pPr lvl="1"/>
             <a:r>
-              <a:rPr lang="en-US" dirty="0" smtClean="0"/>
+              <a:rPr lang="en-US" dirty="0"/>
               <a:t>Altered </a:t>
             </a:r>
             <a:r>
-              <a:rPr lang="en-US" dirty="0" smtClean="0">
+              <a:rPr lang="en-US" dirty="0">
                 <a:solidFill>
                   <a:schemeClr val="accent5">
                     <a:lumMod val="20000"/>
@@ -20925,18 +18269,18 @@
               <a:t>request body</a:t>
             </a:r>
             <a:r>
-              <a:rPr lang="en-US" dirty="0" smtClean="0"/>
+              <a:rPr lang="en-US" dirty="0"/>
               <a:t> (form fields in POST requests)</a:t>
             </a:r>
           </a:p>
           <a:p>
             <a:pPr lvl="1"/>
             <a:r>
-              <a:rPr lang="en-US" dirty="0" smtClean="0"/>
+              <a:rPr lang="en-US" dirty="0"/>
               <a:t>Altered </a:t>
             </a:r>
             <a:r>
-              <a:rPr lang="en-US" dirty="0" smtClean="0">
+              <a:rPr lang="en-US" dirty="0">
                 <a:solidFill>
                   <a:schemeClr val="accent5">
                     <a:lumMod val="20000"/>
@@ -20947,7 +18291,7 @@
               <a:t>cookies</a:t>
             </a:r>
             <a:r>
-              <a:rPr lang="en-US" dirty="0" smtClean="0"/>
+              <a:rPr lang="en-US" dirty="0"/>
               <a:t> (e.g. authentication cookie)</a:t>
             </a:r>
           </a:p>
@@ -20966,17 +18310,13 @@
             </a:r>
             <a:r>
               <a:rPr lang="en-US" dirty="0"/>
-              <a:t>at the </a:t>
-            </a:r>
-            <a:r>
-              <a:rPr lang="en-US" dirty="0" smtClean="0"/>
-              <a:t>client-side</a:t>
+              <a:t>at the client-side</a:t>
             </a:r>
           </a:p>
           <a:p>
             <a:pPr lvl="1"/>
             <a:r>
-              <a:rPr lang="en-US" dirty="0" smtClean="0">
+              <a:rPr lang="en-US" dirty="0">
                 <a:solidFill>
                   <a:schemeClr val="accent5">
                     <a:lumMod val="20000"/>
@@ -20987,10 +18327,9 @@
               <a:t>Injected parameter</a:t>
             </a:r>
             <a:r>
-              <a:rPr lang="en-US" dirty="0" smtClean="0"/>
+              <a:rPr lang="en-US" dirty="0"/>
               <a:t> in MVC apps</a:t>
             </a:r>
-            <a:endParaRPr lang="en-US" dirty="0"/>
           </a:p>
         </p:txBody>
       </p:sp>
@@ -21017,7 +18356,7 @@
               <a:pPr>
                 <a:defRPr/>
               </a:pPr>
-              <a:t>33</a:t>
+              <a:t>32</a:t>
             </a:fld>
             <a:endParaRPr lang="en-US" dirty="0"/>
           </a:p>
@@ -21036,7 +18375,7 @@
 </p:sld>
 </file>
 
-<file path=ppt/slides/slide34.xml><?xml version="1.0" encoding="utf-8"?>
+<file path=ppt/slides/slide33.xml><?xml version="1.0" encoding="utf-8"?>
 <p:sld xmlns:a="http://schemas.openxmlformats.org/drawingml/2006/main" xmlns:r="http://schemas.openxmlformats.org/officeDocument/2006/relationships" xmlns:p="http://schemas.openxmlformats.org/presentationml/2006/main">
   <p:cSld>
     <p:spTree>
@@ -21074,10 +18413,9 @@
           <a:lstStyle/>
           <a:p>
             <a:r>
-              <a:rPr lang="en-US" dirty="0" smtClean="0"/>
+              <a:rPr lang="en-US" dirty="0"/>
               <a:t>Parameter Tampering</a:t>
             </a:r>
-            <a:endParaRPr lang="en-US" dirty="0"/>
           </a:p>
         </p:txBody>
       </p:sp>
@@ -21102,10 +18440,9 @@
           <a:lstStyle/>
           <a:p>
             <a:r>
-              <a:rPr lang="en-US" dirty="0" smtClean="0"/>
+              <a:rPr lang="en-US" dirty="0"/>
               <a:t>Live Demo</a:t>
             </a:r>
-            <a:endParaRPr lang="en-US" dirty="0"/>
           </a:p>
         </p:txBody>
       </p:sp>
@@ -21167,17 +18504,10 @@
   <p:clrMapOvr>
     <a:masterClrMapping/>
   </p:clrMapOvr>
-  <p:timing>
-    <p:tnLst>
-      <p:par>
-        <p:cTn id="1" dur="indefinite" restart="never" nodeType="tmRoot"/>
-      </p:par>
-    </p:tnLst>
-  </p:timing>
 </p:sld>
 </file>
 
-<file path=ppt/slides/slide35.xml><?xml version="1.0" encoding="utf-8"?>
+<file path=ppt/slides/slide34.xml><?xml version="1.0" encoding="utf-8"?>
 <p:sld xmlns:a="http://schemas.openxmlformats.org/drawingml/2006/main" xmlns:r="http://schemas.openxmlformats.org/officeDocument/2006/relationships" xmlns:p="http://schemas.openxmlformats.org/presentationml/2006/main">
   <p:cSld>
     <p:spTree>
@@ -21213,7 +18543,6 @@
               <a:rPr lang="en-US" dirty="0"/>
               <a:t>Zero-day Vulnerabilities</a:t>
             </a:r>
-            <a:endParaRPr lang="en-US" dirty="0"/>
           </a:p>
         </p:txBody>
       </p:sp>
@@ -21233,30 +18562,14 @@
           <a:lstStyle/>
           <a:p>
             <a:r>
-              <a:rPr lang="en-US" dirty="0" smtClean="0"/>
-              <a:t>Previously </a:t>
-            </a:r>
-            <a:r>
               <a:rPr lang="en-US" dirty="0"/>
-              <a:t>undisclosed computer-software vulnerability that hackers can </a:t>
-            </a:r>
-            <a:r>
-              <a:rPr lang="en-US" dirty="0" smtClean="0"/>
-              <a:t>exploit</a:t>
-            </a:r>
-          </a:p>
-          <a:p>
-            <a:r>
-              <a:rPr lang="en-US" dirty="0" smtClean="0"/>
-              <a:t>Know as </a:t>
-            </a:r>
+              <a:t>Previously undisclosed computer-software vulnerability that hackers can exploit</a:t>
+            </a:r>
+          </a:p>
+          <a:p>
             <a:r>
               <a:rPr lang="en-US" dirty="0"/>
-              <a:t>"zero-day" because once the flaw becomes known, the software's author has zero days in which to plan </a:t>
-            </a:r>
-            <a:r>
-              <a:rPr lang="en-US" dirty="0" smtClean="0"/>
-              <a:t>any mitigation</a:t>
+              <a:t>Know as "zero-day" because once the flaw becomes known, the software's author has zero days in which to plan any mitigation</a:t>
             </a:r>
           </a:p>
           <a:p>
@@ -21264,37 +18577,19 @@
               <a:rPr lang="en-US" dirty="0">
                 <a:hlinkClick r:id="rId2"/>
               </a:rPr>
-              <a:t>https://www.exploit-db.com</a:t>
-            </a:r>
-            <a:r>
-              <a:rPr lang="en-US" dirty="0" smtClean="0">
-                <a:hlinkClick r:id="rId2"/>
-              </a:rPr>
-              <a:t>/</a:t>
-            </a:r>
-            <a:endParaRPr lang="en-US" dirty="0" smtClean="0"/>
+              <a:t>https://www.exploit-db.com/</a:t>
+            </a:r>
+            <a:endParaRPr lang="en-US" dirty="0"/>
           </a:p>
           <a:p>
             <a:pPr lvl="1"/>
-            <a:r>
-              <a:rPr lang="en-US" dirty="0" smtClean="0">
-                <a:hlinkClick r:id="rId3"/>
-              </a:rPr>
-              <a:t>https</a:t>
-            </a:r>
             <a:r>
               <a:rPr lang="en-US" dirty="0">
                 <a:hlinkClick r:id="rId3"/>
               </a:rPr>
-              <a:t>://www.exploit-db.com/exploits/39150</a:t>
-            </a:r>
-            <a:r>
-              <a:rPr lang="en-US" dirty="0" smtClean="0">
-                <a:hlinkClick r:id="rId3"/>
-              </a:rPr>
-              <a:t>/</a:t>
-            </a:r>
-            <a:endParaRPr lang="en-US" dirty="0" smtClean="0"/>
+              <a:t>https://www.exploit-db.com/exploits/39150/</a:t>
+            </a:r>
+            <a:endParaRPr lang="en-US" dirty="0"/>
           </a:p>
           <a:p>
             <a:pPr lvl="1"/>
@@ -21302,37 +18597,19 @@
               <a:rPr lang="en-US" dirty="0">
                 <a:hlinkClick r:id="rId4"/>
               </a:rPr>
-              <a:t>https</a:t>
-            </a:r>
-            <a:r>
-              <a:rPr lang="en-US" dirty="0" smtClean="0">
-                <a:hlinkClick r:id="rId4"/>
-              </a:rPr>
-              <a:t>://youtube.com/watch?v=43DVOq5L2hw</a:t>
-            </a:r>
-            <a:endParaRPr lang="en-US" dirty="0" smtClean="0"/>
+              <a:t>https://youtube.com/watch?v=43DVOq5L2hw</a:t>
+            </a:r>
+            <a:endParaRPr lang="en-US" dirty="0"/>
           </a:p>
           <a:p>
             <a:pPr lvl="1"/>
-            <a:r>
-              <a:rPr lang="en-US" dirty="0" smtClean="0">
-                <a:hlinkClick r:id="rId5"/>
-              </a:rPr>
-              <a:t>https</a:t>
-            </a:r>
             <a:r>
               <a:rPr lang="en-US" dirty="0">
                 <a:hlinkClick r:id="rId5"/>
               </a:rPr>
-              <a:t>://www.exploit-db.com/exploits/38223</a:t>
-            </a:r>
-            <a:r>
-              <a:rPr lang="en-US" dirty="0" smtClean="0">
-                <a:hlinkClick r:id="rId5"/>
-              </a:rPr>
-              <a:t>/</a:t>
-            </a:r>
-            <a:endParaRPr lang="en-US" dirty="0" smtClean="0"/>
+              <a:t>https://www.exploit-db.com/exploits/38223/</a:t>
+            </a:r>
+            <a:endParaRPr lang="en-US" dirty="0"/>
           </a:p>
           <a:p>
             <a:pPr lvl="1"/>
@@ -21363,7 +18640,7 @@
               <a:pPr>
                 <a:defRPr/>
               </a:pPr>
-              <a:t>35</a:t>
+              <a:t>34</a:t>
             </a:fld>
             <a:endParaRPr lang="en-US" dirty="0"/>
           </a:p>
@@ -21382,7 +18659,7 @@
 </p:sld>
 </file>
 
-<file path=ppt/slides/slide36.xml><?xml version="1.0" encoding="utf-8"?>
+<file path=ppt/slides/slide35.xml><?xml version="1.0" encoding="utf-8"?>
 <p:sld xmlns:a="http://schemas.openxmlformats.org/drawingml/2006/main" xmlns:r="http://schemas.openxmlformats.org/officeDocument/2006/relationships" xmlns:p="http://schemas.openxmlformats.org/presentationml/2006/main">
   <p:cSld>
     <p:spTree>
@@ -21415,10 +18692,9 @@
           <a:lstStyle/>
           <a:p>
             <a:r>
-              <a:rPr lang="en-US" dirty="0" smtClean="0"/>
+              <a:rPr lang="en-US" dirty="0"/>
               <a:t>Other Threats</a:t>
             </a:r>
-            <a:endParaRPr lang="en-US" dirty="0"/>
           </a:p>
         </p:txBody>
       </p:sp>
@@ -21454,7 +18730,7 @@
               </a:spcAft>
             </a:pPr>
             <a:r>
-              <a:rPr lang="en-US" dirty="0" smtClean="0"/>
+              <a:rPr lang="en-US" dirty="0"/>
               <a:t>Semantic URL attacks</a:t>
             </a:r>
           </a:p>
@@ -21488,15 +18764,15 @@
               </a:spcAft>
             </a:pPr>
             <a:r>
-              <a:rPr lang="en-US" dirty="0" smtClean="0"/>
+              <a:rPr lang="en-US" dirty="0"/>
               <a:t>Man in the Middle (</a:t>
             </a:r>
             <a:r>
-              <a:rPr lang="en-US" dirty="0" err="1" smtClean="0"/>
+              <a:rPr lang="en-US" dirty="0" err="1"/>
               <a:t>MiTM</a:t>
             </a:r>
             <a:r>
-              <a:rPr lang="en-US" dirty="0" smtClean="0"/>
+              <a:rPr lang="en-US" dirty="0"/>
               <a:t>)</a:t>
             </a:r>
           </a:p>
@@ -21513,7 +18789,7 @@
               </a:spcAft>
             </a:pPr>
             <a:r>
-              <a:rPr lang="en-US" dirty="0" smtClean="0"/>
+              <a:rPr lang="en-US" dirty="0"/>
               <a:t>Session Hijacking (easy if part of the URL)</a:t>
             </a:r>
           </a:p>
@@ -21530,7 +18806,7 @@
               </a:spcAft>
             </a:pPr>
             <a:r>
-              <a:rPr lang="en-US" dirty="0" smtClean="0"/>
+              <a:rPr lang="en-US" dirty="0"/>
               <a:t>Always use SSL when sending sensitive data</a:t>
             </a:r>
           </a:p>
@@ -21547,7 +18823,7 @@
               </a:spcAft>
             </a:pPr>
             <a:r>
-              <a:rPr lang="en-US" dirty="0" smtClean="0"/>
+              <a:rPr lang="en-US" dirty="0"/>
               <a:t>Insufficient Access Control</a:t>
             </a:r>
           </a:p>
@@ -21565,11 +18841,7 @@
             </a:pPr>
             <a:r>
               <a:rPr lang="en-US" dirty="0"/>
-              <a:t>Error messages </a:t>
-            </a:r>
-            <a:r>
-              <a:rPr lang="en-US" dirty="0" smtClean="0"/>
-              <a:t>can reveal information</a:t>
+              <a:t>Error messages can reveal information</a:t>
             </a:r>
           </a:p>
           <a:p>
@@ -21585,23 +18857,23 @@
               </a:spcAft>
             </a:pPr>
             <a:r>
-              <a:rPr lang="en-US" dirty="0" smtClean="0"/>
+              <a:rPr lang="en-US" dirty="0"/>
               <a:t>Denial of Service (</a:t>
             </a:r>
             <a:r>
-              <a:rPr lang="en-US" dirty="0" err="1" smtClean="0"/>
+              <a:rPr lang="en-US" dirty="0" err="1"/>
               <a:t>DoS</a:t>
             </a:r>
             <a:r>
-              <a:rPr lang="en-US" dirty="0" smtClean="0"/>
+              <a:rPr lang="en-US" dirty="0"/>
               <a:t> and </a:t>
             </a:r>
             <a:r>
-              <a:rPr lang="en-US" dirty="0" err="1" smtClean="0"/>
+              <a:rPr lang="en-US" dirty="0" err="1"/>
               <a:t>DDos</a:t>
             </a:r>
             <a:r>
-              <a:rPr lang="en-US" dirty="0" smtClean="0"/>
+              <a:rPr lang="en-US" dirty="0"/>
               <a:t>)</a:t>
             </a:r>
           </a:p>
@@ -21618,7 +18890,7 @@
               </a:spcAft>
             </a:pPr>
             <a:r>
-              <a:rPr lang="en-US" dirty="0" smtClean="0"/>
+              <a:rPr lang="en-US" dirty="0"/>
               <a:t>Brute force (use CAPTCHA!)</a:t>
             </a:r>
           </a:p>
@@ -21635,7 +18907,7 @@
               </a:spcAft>
             </a:pPr>
             <a:r>
-              <a:rPr lang="en-US" dirty="0" smtClean="0"/>
+              <a:rPr lang="en-US" dirty="0"/>
               <a:t>Phishing</a:t>
             </a:r>
           </a:p>
@@ -21652,7 +18924,7 @@
               </a:spcAft>
             </a:pPr>
             <a:r>
-              <a:rPr lang="en-US" dirty="0" smtClean="0"/>
+              <a:rPr lang="en-US" dirty="0"/>
               <a:t>Security flows in other software you are using</a:t>
             </a:r>
           </a:p>
@@ -21670,13 +18942,8 @@
             </a:pPr>
             <a:r>
               <a:rPr lang="en-US" dirty="0"/>
-              <a:t>Social </a:t>
-            </a:r>
-            <a:r>
-              <a:rPr lang="en-US" dirty="0" smtClean="0"/>
-              <a:t>Engineering</a:t>
-            </a:r>
-            <a:endParaRPr lang="en-US" dirty="0"/>
+              <a:t>Social Engineering</a:t>
+            </a:r>
           </a:p>
         </p:txBody>
       </p:sp>
@@ -21703,7 +18970,7 @@
               <a:pPr>
                 <a:defRPr/>
               </a:pPr>
-              <a:t>36</a:t>
+              <a:t>35</a:t>
             </a:fld>
             <a:endParaRPr lang="en-US" dirty="0"/>
           </a:p>
@@ -21713,6 +18980,88 @@
     <p:extLst>
       <p:ext uri="{BB962C8B-B14F-4D97-AF65-F5344CB8AC3E}">
         <p14:creationId xmlns:p14="http://schemas.microsoft.com/office/powerpoint/2010/main" val="3986850097"/>
+      </p:ext>
+    </p:extLst>
+  </p:cSld>
+  <p:clrMapOvr>
+    <a:masterClrMapping/>
+  </p:clrMapOvr>
+</p:sld>
+</file>
+
+<file path=ppt/slides/slide36.xml><?xml version="1.0" encoding="utf-8"?>
+<p:sld xmlns:a="http://schemas.openxmlformats.org/drawingml/2006/main" xmlns:r="http://schemas.openxmlformats.org/officeDocument/2006/relationships" xmlns:p="http://schemas.openxmlformats.org/presentationml/2006/main">
+  <p:cSld>
+    <p:spTree>
+      <p:nvGrpSpPr>
+        <p:cNvPr id="1" name=""/>
+        <p:cNvGrpSpPr/>
+        <p:nvPr/>
+      </p:nvGrpSpPr>
+      <p:grpSpPr>
+        <a:xfrm>
+          <a:off x="0" y="0"/>
+          <a:ext cx="0" cy="0"/>
+          <a:chOff x="0" y="0"/>
+          <a:chExt cx="0" cy="0"/>
+        </a:xfrm>
+      </p:grpSpPr>
+      <p:sp>
+        <p:nvSpPr>
+          <p:cNvPr id="3" name="Title 2"/>
+          <p:cNvSpPr>
+            <a:spLocks noGrp="1"/>
+          </p:cNvSpPr>
+          <p:nvPr>
+            <p:ph type="title"/>
+          </p:nvPr>
+        </p:nvSpPr>
+        <p:spPr/>
+        <p:txBody>
+          <a:bodyPr/>
+          <a:lstStyle/>
+          <a:p>
+            <a:r>
+              <a:rPr lang="en-US" dirty="0"/>
+              <a:t>ASP.NET Web Security</a:t>
+            </a:r>
+          </a:p>
+        </p:txBody>
+      </p:sp>
+      <p:sp>
+        <p:nvSpPr>
+          <p:cNvPr id="4" name="Text Placeholder 3"/>
+          <p:cNvSpPr>
+            <a:spLocks noGrp="1"/>
+          </p:cNvSpPr>
+          <p:nvPr>
+            <p:ph type="body" sz="quarter" idx="10"/>
+          </p:nvPr>
+        </p:nvSpPr>
+        <p:spPr>
+          <a:xfrm>
+            <a:off x="6115981" y="6400800"/>
+            <a:ext cx="2909706" cy="369332"/>
+          </a:xfrm>
+        </p:spPr>
+        <p:txBody>
+          <a:bodyPr/>
+          <a:lstStyle/>
+          <a:p>
+            <a:r>
+              <a:rPr lang="en-US" dirty="0">
+                <a:hlinkClick r:id="rId2"/>
+              </a:rPr>
+              <a:t>http://academy.telerik.com</a:t>
+            </a:r>
+            <a:endParaRPr lang="en-US" dirty="0"/>
+          </a:p>
+        </p:txBody>
+      </p:sp>
+    </p:spTree>
+    <p:extLst>
+      <p:ext uri="{BB962C8B-B14F-4D97-AF65-F5344CB8AC3E}">
+        <p14:creationId xmlns:p14="http://schemas.microsoft.com/office/powerpoint/2010/main" val="1265141199"/>
       </p:ext>
     </p:extLst>
   </p:cSld>
@@ -21755,102 +19104,9 @@
           <a:lstStyle/>
           <a:p>
             <a:r>
-              <a:rPr lang="en-US" dirty="0" smtClean="0"/>
-              <a:t>ASP.NET Web </a:t>
-            </a:r>
-            <a:r>
-              <a:rPr lang="en-US" dirty="0"/>
-              <a:t>Security</a:t>
-            </a:r>
-          </a:p>
-        </p:txBody>
-      </p:sp>
-      <p:sp>
-        <p:nvSpPr>
-          <p:cNvPr id="4" name="Text Placeholder 3"/>
-          <p:cNvSpPr>
-            <a:spLocks noGrp="1"/>
-          </p:cNvSpPr>
-          <p:nvPr>
-            <p:ph type="body" sz="quarter" idx="10"/>
-          </p:nvPr>
-        </p:nvSpPr>
-        <p:spPr>
-          <a:xfrm>
-            <a:off x="6115981" y="6400800"/>
-            <a:ext cx="2909706" cy="369332"/>
-          </a:xfrm>
-        </p:spPr>
-        <p:txBody>
-          <a:bodyPr/>
-          <a:lstStyle/>
-          <a:p>
-            <a:r>
-              <a:rPr lang="en-US" dirty="0">
-                <a:hlinkClick r:id="rId2"/>
-              </a:rPr>
-              <a:t>http://</a:t>
-            </a:r>
-            <a:r>
-              <a:rPr lang="en-US" dirty="0" smtClean="0">
-                <a:hlinkClick r:id="rId2"/>
-              </a:rPr>
-              <a:t>academy.telerik.com</a:t>
-            </a:r>
-            <a:endParaRPr lang="en-US" dirty="0"/>
-          </a:p>
-        </p:txBody>
-      </p:sp>
-    </p:spTree>
-    <p:extLst>
-      <p:ext uri="{BB962C8B-B14F-4D97-AF65-F5344CB8AC3E}">
-        <p14:creationId xmlns:p14="http://schemas.microsoft.com/office/powerpoint/2010/main" val="1265141199"/>
-      </p:ext>
-    </p:extLst>
-  </p:cSld>
-  <p:clrMapOvr>
-    <a:masterClrMapping/>
-  </p:clrMapOvr>
-</p:sld>
-</file>
-
-<file path=ppt/slides/slide38.xml><?xml version="1.0" encoding="utf-8"?>
-<p:sld xmlns:a="http://schemas.openxmlformats.org/drawingml/2006/main" xmlns:r="http://schemas.openxmlformats.org/officeDocument/2006/relationships" xmlns:p="http://schemas.openxmlformats.org/presentationml/2006/main">
-  <p:cSld>
-    <p:spTree>
-      <p:nvGrpSpPr>
-        <p:cNvPr id="1" name=""/>
-        <p:cNvGrpSpPr/>
-        <p:nvPr/>
-      </p:nvGrpSpPr>
-      <p:grpSpPr>
-        <a:xfrm>
-          <a:off x="0" y="0"/>
-          <a:ext cx="0" cy="0"/>
-          <a:chOff x="0" y="0"/>
-          <a:chExt cx="0" cy="0"/>
-        </a:xfrm>
-      </p:grpSpPr>
-      <p:sp>
-        <p:nvSpPr>
-          <p:cNvPr id="3" name="Title 2"/>
-          <p:cNvSpPr>
-            <a:spLocks noGrp="1"/>
-          </p:cNvSpPr>
-          <p:nvPr>
-            <p:ph type="title"/>
-          </p:nvPr>
-        </p:nvSpPr>
-        <p:spPr/>
-        <p:txBody>
-          <a:bodyPr/>
-          <a:lstStyle/>
-          <a:p>
-            <a:r>
-              <a:rPr lang="en-US" sz="3600" dirty="0" smtClean="0"/>
+              <a:rPr lang="en-US" sz="3600" dirty="0"/>
               <a:t>Free Trainings @ Telerik Academy</a:t>
             </a:r>
-            <a:endParaRPr lang="en-US" sz="3600" dirty="0"/>
           </a:p>
         </p:txBody>
       </p:sp>
@@ -21870,29 +19126,29 @@
           <a:lstStyle/>
           <a:p>
             <a:r>
-              <a:rPr lang="en-US" dirty="0" smtClean="0"/>
+              <a:rPr lang="en-US" dirty="0"/>
               <a:t>"Web Design with HTML </a:t>
             </a:r>
             <a:r>
-              <a:rPr lang="en-US" dirty="0" smtClean="0">
+              <a:rPr lang="en-US" dirty="0">
                 <a:latin typeface="Consolas" pitchFamily="49" charset="0"/>
                 <a:cs typeface="Consolas" pitchFamily="49" charset="0"/>
               </a:rPr>
               <a:t>5</a:t>
             </a:r>
             <a:r>
-              <a:rPr lang="en-US" dirty="0" smtClean="0"/>
+              <a:rPr lang="en-US" dirty="0"/>
               <a:t>, CSS </a:t>
             </a:r>
             <a:r>
-              <a:rPr lang="en-US" dirty="0" smtClean="0">
+              <a:rPr lang="en-US" dirty="0">
                 <a:latin typeface="Consolas" pitchFamily="49" charset="0"/>
                 <a:cs typeface="Consolas" pitchFamily="49" charset="0"/>
               </a:rPr>
               <a:t>3</a:t>
             </a:r>
             <a:r>
-              <a:rPr lang="en-US" dirty="0" smtClean="0"/>
+              <a:rPr lang="en-US" dirty="0"/>
               <a:t> and JavaScript" course @ Telerik Academy</a:t>
             </a:r>
           </a:p>
@@ -21912,12 +19168,12 @@
               </a:tabLst>
             </a:pPr>
             <a:r>
-              <a:rPr lang="en-US" noProof="1" smtClean="0">
+              <a:rPr lang="en-US" noProof="1">
                 <a:hlinkClick r:id="rId2" tooltip="&quot;Web Design with HTML 5, CSS 3 and JavaScript&quot; course @ Telerik Academy"/>
               </a:rPr>
               <a:t>html5course.telerik.com</a:t>
             </a:r>
-            <a:endParaRPr lang="en-US" noProof="1" smtClean="0"/>
+            <a:endParaRPr lang="en-US" noProof="1"/>
           </a:p>
           <a:p>
             <a:pPr marL="282575" lvl="1" indent="-282575">
@@ -21938,7 +19194,7 @@
               </a:tabLst>
             </a:pPr>
             <a:r>
-              <a:rPr lang="en-US" dirty="0" smtClean="0"/>
+              <a:rPr lang="en-US" dirty="0"/>
               <a:t>Telerik Software Academy</a:t>
             </a:r>
           </a:p>
@@ -21958,12 +19214,12 @@
               </a:tabLst>
             </a:pPr>
             <a:r>
-              <a:rPr lang="en-US" noProof="1" smtClean="0">
+              <a:rPr lang="en-US" noProof="1">
                 <a:hlinkClick r:id="rId3" tooltip="Telerik Software Academy - Free Programming Courses"/>
               </a:rPr>
               <a:t>academy.telerik.com</a:t>
             </a:r>
-            <a:endParaRPr lang="en-US" noProof="1" smtClean="0"/>
+            <a:endParaRPr lang="en-US" noProof="1"/>
           </a:p>
           <a:p>
             <a:pPr marL="282575" lvl="1" indent="-282575">
@@ -21984,7 +19240,7 @@
               </a:tabLst>
             </a:pPr>
             <a:r>
-              <a:rPr lang="en-US" dirty="0" smtClean="0"/>
+              <a:rPr lang="en-US" dirty="0"/>
               <a:t>Telerik Academy @ Facebook</a:t>
             </a:r>
           </a:p>
@@ -22004,12 +19260,12 @@
               </a:tabLst>
             </a:pPr>
             <a:r>
-              <a:rPr lang="en-US" noProof="1" smtClean="0">
+              <a:rPr lang="en-US" noProof="1">
                 <a:hlinkClick r:id="rId4" tooltip="Telerik Softyware Academy @ Facebook"/>
               </a:rPr>
               <a:t>facebook.com/TelerikAcademy</a:t>
             </a:r>
-            <a:endParaRPr lang="en-US" noProof="1" smtClean="0"/>
+            <a:endParaRPr lang="en-US" noProof="1"/>
           </a:p>
           <a:p>
             <a:pPr marL="282575" lvl="1" indent="-282575">
@@ -22030,7 +19286,7 @@
               </a:tabLst>
             </a:pPr>
             <a:r>
-              <a:rPr lang="en-US" dirty="0" smtClean="0"/>
+              <a:rPr lang="en-US" dirty="0"/>
               <a:t>Telerik Software Academy Forums</a:t>
             </a:r>
           </a:p>
@@ -22050,7 +19306,7 @@
               </a:tabLst>
             </a:pPr>
             <a:r>
-              <a:rPr lang="en-US" noProof="1" smtClean="0">
+              <a:rPr lang="en-US" noProof="1">
                 <a:hlinkClick r:id="rId5" tooltip="Telerik Software Academy Forums - Community for Programmers"/>
               </a:rPr>
               <a:t>forums.academy.telerik.com</a:t>
@@ -22305,7 +19561,7 @@
               <a:pPr>
                 <a:defRPr/>
               </a:pPr>
-              <a:t>38</a:t>
+              <a:t>37</a:t>
             </a:fld>
             <a:endParaRPr lang="en-US" dirty="0"/>
           </a:p>
@@ -22321,13 +19577,6 @@
   <p:clrMapOvr>
     <a:masterClrMapping/>
   </p:clrMapOvr>
-  <p:timing>
-    <p:tnLst>
-      <p:par>
-        <p:cTn id="1" dur="indefinite" restart="never" nodeType="tmRoot"/>
-      </p:par>
-    </p:tnLst>
-  </p:timing>
 </p:sld>
 </file>
 
@@ -22365,13 +19614,8 @@
           <a:p>
             <a:r>
               <a:rPr lang="en-US" dirty="0"/>
-              <a:t>F</a:t>
-            </a:r>
-            <a:r>
-              <a:rPr lang="en-US" dirty="0" smtClean="0"/>
-              <a:t>eature or Bug</a:t>
-            </a:r>
-            <a:endParaRPr lang="en-US" dirty="0"/>
+              <a:t>Feature or Bug</a:t>
+            </a:r>
           </a:p>
         </p:txBody>
       </p:sp>
@@ -22414,33 +19658,16 @@
             <a:pPr lvl="1"/>
             <a:r>
               <a:rPr lang="en-US" dirty="0"/>
-              <a:t>M</a:t>
-            </a:r>
-            <a:r>
-              <a:rPr lang="en-US" dirty="0" smtClean="0"/>
-              <a:t>ost people consider </a:t>
-            </a:r>
+              <a:t>Most people consider software security as a necessary feature of a product</a:t>
+            </a:r>
+          </a:p>
+          <a:p>
             <a:r>
               <a:rPr lang="en-US" dirty="0"/>
-              <a:t>software security as a necessary </a:t>
-            </a:r>
-            <a:r>
-              <a:rPr lang="en-US" dirty="0" smtClean="0"/>
-              <a:t>feature of a product</a:t>
-            </a:r>
-            <a:endParaRPr lang="en-US" dirty="0"/>
-          </a:p>
-          <a:p>
-            <a:r>
-              <a:rPr lang="en-US" dirty="0" smtClean="0"/>
-              <a:t>Is </a:t>
-            </a:r>
-            <a:r>
-              <a:rPr lang="en-US" dirty="0"/>
-              <a:t>Security Vulnerability a </a:t>
-            </a:r>
-            <a:r>
-              <a:rPr lang="en-US" dirty="0" smtClean="0">
+              <a:t>Is Security Vulnerability a </a:t>
+            </a:r>
+            <a:r>
+              <a:rPr lang="en-US" dirty="0">
                 <a:solidFill>
                   <a:schemeClr val="accent5">
                     <a:lumMod val="20000"/>
@@ -22451,7 +19678,7 @@
               <a:t>Bug</a:t>
             </a:r>
             <a:r>
-              <a:rPr lang="en-US" dirty="0" smtClean="0"/>
+              <a:rPr lang="en-US" dirty="0"/>
               <a:t>?</a:t>
             </a:r>
           </a:p>
@@ -22459,15 +19686,7 @@
             <a:pPr lvl="1"/>
             <a:r>
               <a:rPr lang="en-US" dirty="0"/>
-              <a:t>If the software "failed" and allowed a hacker to see personal </a:t>
-            </a:r>
-            <a:r>
-              <a:rPr lang="en-US" dirty="0" smtClean="0"/>
-              <a:t>info</a:t>
-            </a:r>
-            <a:r>
-              <a:rPr lang="en-US" dirty="0"/>
-              <a:t>, most users would consider that a software bug</a:t>
+              <a:t>If the software "failed" and allowed a hacker to see personal info, most users would consider that a software bug</a:t>
             </a:r>
           </a:p>
         </p:txBody>
@@ -22611,10 +19830,9 @@
           <a:lstStyle/>
           <a:p>
             <a:r>
-              <a:rPr lang="en-US" dirty="0" smtClean="0"/>
+              <a:rPr lang="en-US" dirty="0"/>
               <a:t>Reasons for Failures</a:t>
             </a:r>
-            <a:endParaRPr lang="en-US" dirty="0"/>
           </a:p>
         </p:txBody>
       </p:sp>
@@ -22634,19 +19852,11 @@
           <a:lstStyle/>
           <a:p>
             <a:r>
-              <a:rPr lang="en-US" dirty="0" smtClean="0"/>
-              <a:t>In the real </a:t>
-            </a:r>
-            <a:r>
               <a:rPr lang="en-US" dirty="0"/>
-              <a:t>world, software failures </a:t>
-            </a:r>
-            <a:r>
-              <a:rPr lang="en-US" dirty="0" smtClean="0"/>
-              <a:t>usually happen </a:t>
-            </a:r>
-            <a:r>
-              <a:rPr lang="en-US" dirty="0" smtClean="0">
+              <a:t>In the real world, software failures usually happen </a:t>
+            </a:r>
+            <a:r>
+              <a:rPr lang="en-US" dirty="0">
                 <a:solidFill>
                   <a:schemeClr val="accent5">
                     <a:lumMod val="20000"/>
@@ -22661,28 +19871,16 @@
             <a:pPr lvl="1"/>
             <a:r>
               <a:rPr lang="en-US" dirty="0"/>
-              <a:t>W</a:t>
-            </a:r>
-            <a:r>
-              <a:rPr lang="en-US" dirty="0" smtClean="0"/>
-              <a:t>ithout </a:t>
-            </a:r>
+              <a:t>Without intentional mischief</a:t>
+            </a:r>
+          </a:p>
+          <a:p>
             <a:r>
               <a:rPr lang="en-US" dirty="0"/>
-              <a:t>intentional </a:t>
-            </a:r>
-            <a:r>
-              <a:rPr lang="en-US" dirty="0" smtClean="0"/>
-              <a:t>mischief</a:t>
-            </a:r>
-          </a:p>
-          <a:p>
-            <a:r>
-              <a:rPr lang="en-US" dirty="0" smtClean="0"/>
               <a:t>Failures can be result of </a:t>
             </a:r>
             <a:r>
-              <a:rPr lang="en-US" dirty="0" smtClean="0">
+              <a:rPr lang="en-US" dirty="0">
                 <a:solidFill>
                   <a:schemeClr val="accent5">
                     <a:lumMod val="20000"/>
@@ -22696,15 +19894,11 @@
           <a:p>
             <a:pPr lvl="1"/>
             <a:r>
-              <a:rPr lang="en-US" dirty="0" smtClean="0"/>
-              <a:t>For </a:t>
-            </a:r>
-            <a:r>
               <a:rPr lang="en-US" dirty="0"/>
-              <a:t>the </a:t>
-            </a:r>
-            <a:r>
-              <a:rPr lang="en-US" dirty="0" smtClean="0">
+              <a:t>For the </a:t>
+            </a:r>
+            <a:r>
+              <a:rPr lang="en-US" dirty="0">
                 <a:solidFill>
                   <a:schemeClr val="accent5">
                     <a:lumMod val="20000"/>
@@ -22718,7 +19912,7 @@
           <a:p>
             <a:pPr lvl="1"/>
             <a:r>
-              <a:rPr lang="en-US" dirty="0" smtClean="0">
+              <a:rPr lang="en-US" dirty="0">
                 <a:solidFill>
                   <a:schemeClr val="accent5">
                     <a:lumMod val="20000"/>
@@ -22729,18 +19923,18 @@
               <a:t>Curiosity</a:t>
             </a:r>
             <a:r>
-              <a:rPr lang="en-US" dirty="0" smtClean="0"/>
+              <a:rPr lang="en-US" dirty="0"/>
               <a:t> driven</a:t>
             </a:r>
           </a:p>
           <a:p>
             <a:pPr lvl="1"/>
             <a:r>
-              <a:rPr lang="en-US" dirty="0" smtClean="0"/>
+              <a:rPr lang="en-US" dirty="0"/>
               <a:t>Aiming to </a:t>
             </a:r>
             <a:r>
-              <a:rPr lang="en-US" dirty="0" smtClean="0">
+              <a:rPr lang="en-US" dirty="0">
                 <a:solidFill>
                   <a:schemeClr val="accent5">
                     <a:lumMod val="20000"/>
@@ -22751,7 +19945,7 @@
               <a:t>use</a:t>
             </a:r>
             <a:r>
-              <a:rPr lang="en-US" dirty="0" smtClean="0"/>
+              <a:rPr lang="en-US" dirty="0"/>
               <a:t> resources</a:t>
             </a:r>
           </a:p>
@@ -22766,10 +19960,13 @@
                   </a:schemeClr>
                 </a:solidFill>
               </a:rPr>
-              <a:t>V</a:t>
-            </a:r>
-            <a:r>
-              <a:rPr lang="en-US" dirty="0" smtClean="0">
+              <a:t>Vandalizing</a:t>
+            </a:r>
+          </a:p>
+          <a:p>
+            <a:pPr lvl="1"/>
+            <a:r>
+              <a:rPr lang="en-US" dirty="0">
                 <a:solidFill>
                   <a:schemeClr val="accent5">
                     <a:lumMod val="20000"/>
@@ -22777,30 +19974,8 @@
                   </a:schemeClr>
                 </a:solidFill>
               </a:rPr>
-              <a:t>andalizing</a:t>
-            </a:r>
-          </a:p>
-          <a:p>
-            <a:pPr lvl="1"/>
-            <a:r>
-              <a:rPr lang="en-US" dirty="0" smtClean="0">
-                <a:solidFill>
-                  <a:schemeClr val="accent5">
-                    <a:lumMod val="20000"/>
-                    <a:lumOff val="80000"/>
-                  </a:schemeClr>
-                </a:solidFill>
-              </a:rPr>
               <a:t>Stealing</a:t>
             </a:r>
-            <a:endParaRPr lang="en-US" dirty="0">
-              <a:solidFill>
-                <a:schemeClr val="accent5">
-                  <a:lumMod val="20000"/>
-                  <a:lumOff val="80000"/>
-                </a:schemeClr>
-              </a:solidFill>
-            </a:endParaRPr>
           </a:p>
         </p:txBody>
       </p:sp>
@@ -22943,10 +20118,9 @@
           <a:lstStyle/>
           <a:p>
             <a:r>
-              <a:rPr lang="en-US" dirty="0" smtClean="0"/>
+              <a:rPr lang="en-US" dirty="0"/>
               <a:t>Golden Rules!</a:t>
             </a:r>
-            <a:endParaRPr lang="en-US" dirty="0"/>
           </a:p>
         </p:txBody>
       </p:sp>
@@ -22980,11 +20154,7 @@
             </a:pPr>
             <a:r>
               <a:rPr lang="en-US" dirty="0"/>
-              <a:t>Maximum </a:t>
-            </a:r>
-            <a:r>
-              <a:rPr lang="en-US" dirty="0" smtClean="0"/>
-              <a:t>Simplicity</a:t>
+              <a:t>Maximum Simplicity</a:t>
             </a:r>
           </a:p>
           <a:p>
@@ -22997,7 +20167,7 @@
               </a:spcAft>
             </a:pPr>
             <a:r>
-              <a:rPr lang="en-US" dirty="0" smtClean="0"/>
+              <a:rPr lang="en-US" dirty="0"/>
               <a:t>More complicated – greater chance for mistakes</a:t>
             </a:r>
           </a:p>
@@ -23012,11 +20182,7 @@
             </a:pPr>
             <a:r>
               <a:rPr lang="en-US" dirty="0"/>
-              <a:t>Secure the Weakest </a:t>
-            </a:r>
-            <a:r>
-              <a:rPr lang="en-US" dirty="0" smtClean="0"/>
-              <a:t>Link</a:t>
+              <a:t>Secure the Weakest Link</a:t>
             </a:r>
           </a:p>
           <a:p>
@@ -23043,16 +20209,8 @@
               </a:spcAft>
             </a:pPr>
             <a:r>
-              <a:rPr lang="en-US" dirty="0" smtClean="0"/>
-              <a:t>(!) Limit </a:t>
-            </a:r>
-            <a:r>
               <a:rPr lang="en-US" dirty="0"/>
-              <a:t>the Publicly Available </a:t>
-            </a:r>
-            <a:r>
-              <a:rPr lang="en-US" dirty="0" smtClean="0"/>
-              <a:t>Resources</a:t>
+              <a:t>(!) Limit the Publicly Available Resources</a:t>
             </a:r>
           </a:p>
           <a:p>
@@ -23065,16 +20223,8 @@
               </a:spcAft>
             </a:pPr>
             <a:r>
-              <a:rPr lang="en-US" dirty="0" smtClean="0"/>
-              <a:t>(!) Incorrect </a:t>
-            </a:r>
-            <a:r>
               <a:rPr lang="en-US" dirty="0"/>
-              <a:t>Until Proven </a:t>
-            </a:r>
-            <a:r>
-              <a:rPr lang="en-US" dirty="0" smtClean="0"/>
-              <a:t>Correct</a:t>
+              <a:t>(!) Incorrect Until Proven Correct</a:t>
             </a:r>
           </a:p>
           <a:p>
@@ -23091,7 +20241,7 @@
               <a:t>Consider each user input as </a:t>
             </a:r>
             <a:r>
-              <a:rPr lang="en-US" dirty="0" smtClean="0">
+              <a:rPr lang="en-US" dirty="0">
                 <a:solidFill>
                   <a:schemeClr val="accent6">
                     <a:lumMod val="20000"/>
@@ -23112,16 +20262,8 @@
               </a:spcAft>
             </a:pPr>
             <a:r>
-              <a:rPr lang="en-US" dirty="0" smtClean="0"/>
-              <a:t>(!) The </a:t>
-            </a:r>
-            <a:r>
               <a:rPr lang="en-US" dirty="0"/>
-              <a:t>Principle of the "Weakest Privilege</a:t>
-            </a:r>
-            <a:r>
-              <a:rPr lang="en-US" dirty="0" smtClean="0"/>
-              <a:t>"</a:t>
+              <a:t>(!) The Principle of the "Weakest Privilege"</a:t>
             </a:r>
           </a:p>
           <a:p>
@@ -23135,11 +20277,7 @@
             </a:pPr>
             <a:r>
               <a:rPr lang="en-US" dirty="0"/>
-              <a:t>Security in </a:t>
-            </a:r>
-            <a:r>
-              <a:rPr lang="en-US" dirty="0" smtClean="0"/>
-              <a:t>Errors (Remain stable)</a:t>
+              <a:t>Security in Errors (Remain stable)</a:t>
             </a:r>
           </a:p>
           <a:p>
@@ -23153,13 +20291,8 @@
             </a:pPr>
             <a:r>
               <a:rPr lang="en-US" dirty="0"/>
-              <a:t>Provide Constant </a:t>
-            </a:r>
-            <a:r>
-              <a:rPr lang="en-US" dirty="0" smtClean="0"/>
-              <a:t>Defense (also use backups)</a:t>
-            </a:r>
-            <a:endParaRPr lang="en-US" dirty="0"/>
+              <a:t>Provide Constant Defense (also use backups)</a:t>
+            </a:r>
           </a:p>
         </p:txBody>
       </p:sp>
@@ -23243,10 +20376,9 @@
           <a:lstStyle/>
           <a:p>
             <a:r>
-              <a:rPr lang="en-US" dirty="0" smtClean="0"/>
+              <a:rPr lang="en-US" dirty="0"/>
               <a:t>SQL Injection</a:t>
             </a:r>
-            <a:endParaRPr lang="en-US" dirty="0"/>
           </a:p>
         </p:txBody>
       </p:sp>
@@ -23271,14 +20403,13 @@
           <a:lstStyle/>
           <a:p>
             <a:r>
-              <a:rPr lang="en-US" dirty="0" smtClean="0"/>
+              <a:rPr lang="en-US" dirty="0"/>
               <a:t>What is SQL Injection and How </a:t>
             </a:r>
             <a:r>
-              <a:rPr lang="en-US" smtClean="0"/>
+              <a:rPr lang="en-US"/>
               <a:t>to Prevent It?</a:t>
             </a:r>
-            <a:endParaRPr lang="en-US"/>
           </a:p>
         </p:txBody>
       </p:sp>
@@ -23440,13 +20571,6 @@
   <p:clrMapOvr>
     <a:masterClrMapping/>
   </p:clrMapOvr>
-  <p:timing>
-    <p:tnLst>
-      <p:par>
-        <p:cTn id="1" dur="indefinite" restart="never" nodeType="tmRoot"/>
-      </p:par>
-    </p:tnLst>
-  </p:timing>
 </p:sld>
 </file>
 
@@ -23488,10 +20612,9 @@
           <a:lstStyle/>
           <a:p>
             <a:r>
-              <a:rPr lang="en-US" dirty="0" smtClean="0"/>
+              <a:rPr lang="en-US" dirty="0"/>
               <a:t>What is SQL Injection?</a:t>
             </a:r>
-            <a:endParaRPr lang="en-US" dirty="0"/>
           </a:p>
         </p:txBody>
       </p:sp>
@@ -23639,7 +20762,7 @@
               <a:buSzPct val="70000"/>
             </a:pPr>
             <a:r>
-              <a:rPr lang="en-US" sz="1800" b="1" noProof="1" smtClean="0">
+              <a:rPr lang="en-US" sz="1800" b="1" noProof="1">
                 <a:solidFill>
                   <a:srgbClr val="8CF4F2"/>
                 </a:solidFill>
@@ -23654,25 +20777,7 @@
                 <a:cs typeface="Consolas" pitchFamily="49" charset="0"/>
                 <a:sym typeface="Wingdings" pitchFamily="2" charset="2"/>
               </a:rPr>
-              <a:t>  </a:t>
-            </a:r>
-            <a:r>
-              <a:rPr lang="en-US" sz="1800" b="1" noProof="1">
-                <a:solidFill>
-                  <a:srgbClr val="8CF4F2"/>
-                </a:solidFill>
-                <a:effectLst>
-                  <a:outerShdw blurRad="38100" dist="38100" dir="2700000" algn="tl">
-                    <a:srgbClr val="000000">
-                      <a:alpha val="43137"/>
-                    </a:srgbClr>
-                  </a:outerShdw>
-                </a:effectLst>
-                <a:latin typeface="Consolas" pitchFamily="49" charset="0"/>
-                <a:cs typeface="Consolas" pitchFamily="49" charset="0"/>
-                <a:sym typeface="Wingdings" pitchFamily="2" charset="2"/>
-              </a:rPr>
-              <a:t>string searchString = this.TextBoxSearch.Text;</a:t>
+              <a:t>  string searchString = this.TextBoxSearch.Text;</a:t>
             </a:r>
           </a:p>
           <a:p>
@@ -23689,7 +20794,7 @@
               <a:buSzPct val="70000"/>
             </a:pPr>
             <a:r>
-              <a:rPr lang="en-US" sz="1800" b="1" noProof="1" smtClean="0">
+              <a:rPr lang="en-US" sz="1800" b="1" noProof="1">
                 <a:solidFill>
                   <a:srgbClr val="8CF4F2"/>
                 </a:solidFill>
@@ -23704,46 +20809,10 @@
                 <a:cs typeface="Consolas" pitchFamily="49" charset="0"/>
                 <a:sym typeface="Wingdings" pitchFamily="2" charset="2"/>
               </a:rPr>
-              <a:t>  </a:t>
-            </a:r>
-            <a:r>
+              <a:t>  string searchSql = "SELECT * FROM Messages WHERE</a:t>
+            </a:r>
+            <a:br>
               <a:rPr lang="en-US" sz="1800" b="1" noProof="1">
-                <a:solidFill>
-                  <a:srgbClr val="8CF4F2"/>
-                </a:solidFill>
-                <a:effectLst>
-                  <a:outerShdw blurRad="38100" dist="38100" dir="2700000" algn="tl">
-                    <a:srgbClr val="000000">
-                      <a:alpha val="43137"/>
-                    </a:srgbClr>
-                  </a:outerShdw>
-                </a:effectLst>
-                <a:latin typeface="Consolas" pitchFamily="49" charset="0"/>
-                <a:cs typeface="Consolas" pitchFamily="49" charset="0"/>
-                <a:sym typeface="Wingdings" pitchFamily="2" charset="2"/>
-              </a:rPr>
-              <a:t>string searchSql = "SELECT * FROM Messages </a:t>
-            </a:r>
-            <a:r>
-              <a:rPr lang="en-US" sz="1800" b="1" noProof="1" smtClean="0">
-                <a:solidFill>
-                  <a:srgbClr val="8CF4F2"/>
-                </a:solidFill>
-                <a:effectLst>
-                  <a:outerShdw blurRad="38100" dist="38100" dir="2700000" algn="tl">
-                    <a:srgbClr val="000000">
-                      <a:alpha val="43137"/>
-                    </a:srgbClr>
-                  </a:outerShdw>
-                </a:effectLst>
-                <a:latin typeface="Consolas" pitchFamily="49" charset="0"/>
-                <a:cs typeface="Consolas" pitchFamily="49" charset="0"/>
-                <a:sym typeface="Wingdings" pitchFamily="2" charset="2"/>
-              </a:rPr>
-              <a:t>WHERE</a:t>
-            </a:r>
-            <a:br>
-              <a:rPr lang="en-US" sz="1800" b="1" noProof="1" smtClean="0">
                 <a:solidFill>
                   <a:srgbClr val="8CF4F2"/>
                 </a:solidFill>
@@ -23760,7 +20829,7 @@
               </a:rPr>
             </a:br>
             <a:r>
-              <a:rPr lang="en-US" sz="1800" b="1" noProof="1" smtClean="0">
+              <a:rPr lang="en-US" sz="1800" b="1" noProof="1">
                 <a:solidFill>
                   <a:srgbClr val="8CF4F2"/>
                 </a:solidFill>
@@ -23775,25 +20844,7 @@
                 <a:cs typeface="Consolas" pitchFamily="49" charset="0"/>
                 <a:sym typeface="Wingdings" pitchFamily="2" charset="2"/>
               </a:rPr>
-              <a:t>    MessageText </a:t>
-            </a:r>
-            <a:r>
-              <a:rPr lang="en-US" sz="1800" b="1" noProof="1">
-                <a:solidFill>
-                  <a:srgbClr val="8CF4F2"/>
-                </a:solidFill>
-                <a:effectLst>
-                  <a:outerShdw blurRad="38100" dist="38100" dir="2700000" algn="tl">
-                    <a:srgbClr val="000000">
-                      <a:alpha val="43137"/>
-                    </a:srgbClr>
-                  </a:outerShdw>
-                </a:effectLst>
-                <a:latin typeface="Consolas" pitchFamily="49" charset="0"/>
-                <a:cs typeface="Consolas" pitchFamily="49" charset="0"/>
-                <a:sym typeface="Wingdings" pitchFamily="2" charset="2"/>
-              </a:rPr>
-              <a:t>LIKE '%" </a:t>
+              <a:t>    MessageText LIKE '%" </a:t>
             </a:r>
             <a:r>
               <a:rPr lang="en-US" sz="1800" b="1" noProof="1">
@@ -23848,7 +20899,7 @@
               <a:buSzPct val="70000"/>
             </a:pPr>
             <a:r>
-              <a:rPr lang="en-US" sz="1800" b="1" noProof="1" smtClean="0">
+              <a:rPr lang="en-US" sz="1800" b="1" noProof="1">
                 <a:solidFill>
                   <a:srgbClr val="8CF4F2"/>
                 </a:solidFill>
@@ -23863,25 +20914,7 @@
                 <a:cs typeface="Consolas" pitchFamily="49" charset="0"/>
                 <a:sym typeface="Wingdings" pitchFamily="2" charset="2"/>
               </a:rPr>
-              <a:t>  </a:t>
-            </a:r>
-            <a:r>
-              <a:rPr lang="en-US" sz="1800" b="1" noProof="1">
-                <a:solidFill>
-                  <a:srgbClr val="8CF4F2"/>
-                </a:solidFill>
-                <a:effectLst>
-                  <a:outerShdw blurRad="38100" dist="38100" dir="2700000" algn="tl">
-                    <a:srgbClr val="000000">
-                      <a:alpha val="43137"/>
-                    </a:srgbClr>
-                  </a:outerShdw>
-                </a:effectLst>
-                <a:latin typeface="Consolas" pitchFamily="49" charset="0"/>
-                <a:cs typeface="Consolas" pitchFamily="49" charset="0"/>
-                <a:sym typeface="Wingdings" pitchFamily="2" charset="2"/>
-              </a:rPr>
-              <a:t>MessagesDbContext dbContext = new MessagesDbContext();</a:t>
+              <a:t>  MessagesDbContext dbContext = new MessagesDbContext();</a:t>
             </a:r>
           </a:p>
           <a:p>
@@ -23898,7 +20931,7 @@
               <a:buSzPct val="70000"/>
             </a:pPr>
             <a:r>
-              <a:rPr lang="en-US" sz="1800" b="1" noProof="1" smtClean="0">
+              <a:rPr lang="en-US" sz="1800" b="1" noProof="1">
                 <a:solidFill>
                   <a:srgbClr val="8CF4F2"/>
                 </a:solidFill>
@@ -23913,43 +20946,7 @@
                 <a:cs typeface="Consolas" pitchFamily="49" charset="0"/>
                 <a:sym typeface="Wingdings" pitchFamily="2" charset="2"/>
               </a:rPr>
-              <a:t>  </a:t>
-            </a:r>
-            <a:r>
-              <a:rPr lang="en-US" sz="1800" b="1" noProof="1">
-                <a:solidFill>
-                  <a:srgbClr val="8CF4F2"/>
-                </a:solidFill>
-                <a:effectLst>
-                  <a:outerShdw blurRad="38100" dist="38100" dir="2700000" algn="tl">
-                    <a:srgbClr val="000000">
-                      <a:alpha val="43137"/>
-                    </a:srgbClr>
-                  </a:outerShdw>
-                </a:effectLst>
-                <a:latin typeface="Consolas" pitchFamily="49" charset="0"/>
-                <a:cs typeface="Consolas" pitchFamily="49" charset="0"/>
-                <a:sym typeface="Wingdings" pitchFamily="2" charset="2"/>
-              </a:rPr>
-              <a:t>var matchingMessages </a:t>
-            </a:r>
-            <a:r>
-              <a:rPr lang="en-US" sz="1800" b="1" noProof="1" smtClean="0">
-                <a:solidFill>
-                  <a:srgbClr val="8CF4F2"/>
-                </a:solidFill>
-                <a:effectLst>
-                  <a:outerShdw blurRad="38100" dist="38100" dir="2700000" algn="tl">
-                    <a:srgbClr val="000000">
-                      <a:alpha val="43137"/>
-                    </a:srgbClr>
-                  </a:outerShdw>
-                </a:effectLst>
-                <a:latin typeface="Consolas" pitchFamily="49" charset="0"/>
-                <a:cs typeface="Consolas" pitchFamily="49" charset="0"/>
-                <a:sym typeface="Wingdings" pitchFamily="2" charset="2"/>
-              </a:rPr>
-              <a:t>=</a:t>
+              <a:t>  var matchingMessages =</a:t>
             </a:r>
           </a:p>
           <a:p>
@@ -23966,7 +20963,7 @@
               <a:buSzPct val="70000"/>
             </a:pPr>
             <a:r>
-              <a:rPr lang="en-US" sz="1800" b="1" noProof="1" smtClean="0">
+              <a:rPr lang="en-US" sz="1800" b="1" noProof="1">
                 <a:solidFill>
                   <a:srgbClr val="8CF4F2"/>
                 </a:solidFill>
@@ -23981,25 +20978,7 @@
                 <a:cs typeface="Consolas" pitchFamily="49" charset="0"/>
                 <a:sym typeface="Wingdings" pitchFamily="2" charset="2"/>
               </a:rPr>
-              <a:t>    dbContext.Database.SqlQuery&lt;Message</a:t>
-            </a:r>
-            <a:r>
-              <a:rPr lang="en-US" sz="1800" b="1" noProof="1">
-                <a:solidFill>
-                  <a:srgbClr val="8CF4F2"/>
-                </a:solidFill>
-                <a:effectLst>
-                  <a:outerShdw blurRad="38100" dist="38100" dir="2700000" algn="tl">
-                    <a:srgbClr val="000000">
-                      <a:alpha val="43137"/>
-                    </a:srgbClr>
-                  </a:outerShdw>
-                </a:effectLst>
-                <a:latin typeface="Consolas" pitchFamily="49" charset="0"/>
-                <a:cs typeface="Consolas" pitchFamily="49" charset="0"/>
-                <a:sym typeface="Wingdings" pitchFamily="2" charset="2"/>
-              </a:rPr>
-              <a:t>&gt;(searchSql).ToList();</a:t>
+              <a:t>    dbContext.Database.SqlQuery&lt;Message&gt;(searchSql).ToList();</a:t>
             </a:r>
           </a:p>
           <a:p>
@@ -24016,7 +20995,7 @@
               <a:buSzPct val="70000"/>
             </a:pPr>
             <a:r>
-              <a:rPr lang="en-US" sz="1800" b="1" noProof="1" smtClean="0">
+              <a:rPr lang="en-US" sz="1800" b="1" noProof="1">
                 <a:solidFill>
                   <a:srgbClr val="8CF4F2"/>
                 </a:solidFill>
@@ -24031,25 +21010,7 @@
                 <a:cs typeface="Consolas" pitchFamily="49" charset="0"/>
                 <a:sym typeface="Wingdings" pitchFamily="2" charset="2"/>
               </a:rPr>
-              <a:t>  </a:t>
-            </a:r>
-            <a:r>
-              <a:rPr lang="en-US" sz="1800" b="1" noProof="1">
-                <a:solidFill>
-                  <a:srgbClr val="8CF4F2"/>
-                </a:solidFill>
-                <a:effectLst>
-                  <a:outerShdw blurRad="38100" dist="38100" dir="2700000" algn="tl">
-                    <a:srgbClr val="000000">
-                      <a:alpha val="43137"/>
-                    </a:srgbClr>
-                  </a:outerShdw>
-                </a:effectLst>
-                <a:latin typeface="Consolas" pitchFamily="49" charset="0"/>
-                <a:cs typeface="Consolas" pitchFamily="49" charset="0"/>
-                <a:sym typeface="Wingdings" pitchFamily="2" charset="2"/>
-              </a:rPr>
-              <a:t>this.ListViewMessages.DataSource = matchingMessages;</a:t>
+              <a:t>  this.ListViewMessages.DataSource = matchingMessages;</a:t>
             </a:r>
           </a:p>
           <a:p>
@@ -24066,7 +21027,7 @@
               <a:buSzPct val="70000"/>
             </a:pPr>
             <a:r>
-              <a:rPr lang="en-US" sz="1800" b="1" noProof="1" smtClean="0">
+              <a:rPr lang="en-US" sz="1800" b="1" noProof="1">
                 <a:solidFill>
                   <a:srgbClr val="8CF4F2"/>
                 </a:solidFill>
@@ -24081,25 +21042,7 @@
                 <a:cs typeface="Consolas" pitchFamily="49" charset="0"/>
                 <a:sym typeface="Wingdings" pitchFamily="2" charset="2"/>
               </a:rPr>
-              <a:t>  </a:t>
-            </a:r>
-            <a:r>
-              <a:rPr lang="en-US" sz="1800" b="1" noProof="1">
-                <a:solidFill>
-                  <a:srgbClr val="8CF4F2"/>
-                </a:solidFill>
-                <a:effectLst>
-                  <a:outerShdw blurRad="38100" dist="38100" dir="2700000" algn="tl">
-                    <a:srgbClr val="000000">
-                      <a:alpha val="43137"/>
-                    </a:srgbClr>
-                  </a:outerShdw>
-                </a:effectLst>
-                <a:latin typeface="Consolas" pitchFamily="49" charset="0"/>
-                <a:cs typeface="Consolas" pitchFamily="49" charset="0"/>
-                <a:sym typeface="Wingdings" pitchFamily="2" charset="2"/>
-              </a:rPr>
-              <a:t>this.DataBind();</a:t>
+              <a:t>  this.DataBind();</a:t>
             </a:r>
           </a:p>
           <a:p>
@@ -24116,7 +21059,7 @@
               <a:buSzPct val="70000"/>
             </a:pPr>
             <a:r>
-              <a:rPr lang="en-US" sz="1800" b="1" noProof="1" smtClean="0">
+              <a:rPr lang="en-US" sz="1800" b="1" noProof="1">
                 <a:solidFill>
                   <a:srgbClr val="8CF4F2"/>
                 </a:solidFill>
@@ -24133,21 +21076,6 @@
               </a:rPr>
               <a:t>}</a:t>
             </a:r>
-            <a:endParaRPr lang="en-US" sz="1800" b="1" noProof="1">
-              <a:solidFill>
-                <a:srgbClr val="8CF4F2"/>
-              </a:solidFill>
-              <a:effectLst>
-                <a:outerShdw blurRad="38100" dist="38100" dir="2700000" algn="tl">
-                  <a:srgbClr val="000000">
-                    <a:alpha val="43137"/>
-                  </a:srgbClr>
-                </a:outerShdw>
-              </a:effectLst>
-              <a:latin typeface="Consolas" pitchFamily="49" charset="0"/>
-              <a:cs typeface="Consolas" pitchFamily="49" charset="0"/>
-              <a:sym typeface="Wingdings" pitchFamily="2" charset="2"/>
-            </a:endParaRPr>
           </a:p>
         </p:txBody>
       </p:sp>
@@ -24177,7 +21105,7 @@
               </a:lnSpc>
             </a:pPr>
             <a:r>
-              <a:rPr lang="en-US" sz="3000" dirty="0" smtClean="0"/>
+              <a:rPr lang="en-US" sz="3000" dirty="0"/>
               <a:t>Try the following queries:</a:t>
             </a:r>
           </a:p>
@@ -24188,7 +21116,7 @@
               </a:lnSpc>
             </a:pPr>
             <a:r>
-              <a:rPr lang="en-US" sz="2400" dirty="0" smtClean="0">
+              <a:rPr lang="en-US" sz="2400" dirty="0">
                 <a:solidFill>
                   <a:schemeClr val="accent5">
                     <a:lumMod val="20000"/>
@@ -24201,11 +21129,11 @@
               <a:t>'</a:t>
             </a:r>
             <a:r>
-              <a:rPr lang="en-US" sz="2400" dirty="0" smtClean="0"/>
+              <a:rPr lang="en-US" sz="2400" dirty="0"/>
               <a:t> </a:t>
             </a:r>
             <a:r>
-              <a:rPr lang="en-US" sz="2400" dirty="0" smtClean="0">
+              <a:rPr lang="en-US" sz="2400" dirty="0">
                 <a:sym typeface="Wingdings" panose="05000000000000000000" pitchFamily="2" charset="2"/>
               </a:rPr>
               <a:t> crashes</a:t>
@@ -24218,7 +21146,7 @@
               </a:lnSpc>
             </a:pPr>
             <a:r>
-              <a:rPr lang="en-US" sz="2400" noProof="1" smtClean="0">
+              <a:rPr lang="en-US" sz="2400" noProof="1">
                 <a:solidFill>
                   <a:schemeClr val="accent5">
                     <a:lumMod val="20000"/>
@@ -24231,7 +21159,7 @@
               <a:t>';</a:t>
             </a:r>
             <a:r>
-              <a:rPr lang="en-US" sz="2400" noProof="1" smtClean="0">
+              <a:rPr lang="en-US" sz="2400" noProof="1">
                 <a:solidFill>
                   <a:schemeClr val="accent5">
                     <a:lumMod val="20000"/>
@@ -24243,7 +21171,7 @@
               <a:t> </a:t>
             </a:r>
             <a:r>
-              <a:rPr lang="en-US" sz="2400" noProof="1" smtClean="0">
+              <a:rPr lang="en-US" sz="2400" noProof="1">
                 <a:solidFill>
                   <a:schemeClr val="accent5">
                     <a:lumMod val="20000"/>
@@ -24256,7 +21184,7 @@
               <a:t>INSERT</a:t>
             </a:r>
             <a:r>
-              <a:rPr lang="en-US" sz="2400" noProof="1" smtClean="0">
+              <a:rPr lang="en-US" sz="2400" noProof="1">
                 <a:solidFill>
                   <a:schemeClr val="accent5">
                     <a:lumMod val="20000"/>
@@ -24268,7 +21196,7 @@
               <a:t> </a:t>
             </a:r>
             <a:r>
-              <a:rPr lang="en-US" sz="2400" noProof="1" smtClean="0">
+              <a:rPr lang="en-US" sz="2400" noProof="1">
                 <a:solidFill>
                   <a:schemeClr val="accent5">
                     <a:lumMod val="20000"/>
@@ -24281,7 +21209,7 @@
               <a:t>INTO</a:t>
             </a:r>
             <a:r>
-              <a:rPr lang="en-US" sz="2400" noProof="1" smtClean="0">
+              <a:rPr lang="en-US" sz="2400" noProof="1">
                 <a:solidFill>
                   <a:schemeClr val="accent5">
                     <a:lumMod val="20000"/>
@@ -24293,7 +21221,7 @@
               <a:t> </a:t>
             </a:r>
             <a:r>
-              <a:rPr lang="en-US" sz="2400" noProof="1" smtClean="0">
+              <a:rPr lang="en-US" sz="2400" noProof="1">
                 <a:solidFill>
                   <a:schemeClr val="accent5">
                     <a:lumMod val="20000"/>
@@ -24306,7 +21234,7 @@
               <a:t>Messages(MessageText,</a:t>
             </a:r>
             <a:r>
-              <a:rPr lang="en-US" sz="2400" noProof="1" smtClean="0">
+              <a:rPr lang="en-US" sz="2400" noProof="1">
                 <a:solidFill>
                   <a:schemeClr val="accent5">
                     <a:lumMod val="20000"/>
@@ -24318,7 +21246,7 @@
               <a:t> </a:t>
             </a:r>
             <a:r>
-              <a:rPr lang="en-US" sz="2400" noProof="1" smtClean="0">
+              <a:rPr lang="en-US" sz="2400" noProof="1">
                 <a:solidFill>
                   <a:schemeClr val="accent5">
                     <a:lumMod val="20000"/>
@@ -24331,7 +21259,7 @@
               <a:t>MessageDate)</a:t>
             </a:r>
             <a:r>
-              <a:rPr lang="en-US" sz="2400" noProof="1" smtClean="0">
+              <a:rPr lang="en-US" sz="2400" noProof="1">
                 <a:solidFill>
                   <a:schemeClr val="accent5">
                     <a:lumMod val="20000"/>
@@ -24343,7 +21271,7 @@
               <a:t> </a:t>
             </a:r>
             <a:r>
-              <a:rPr lang="en-US" sz="2400" noProof="1" smtClean="0">
+              <a:rPr lang="en-US" sz="2400" noProof="1">
                 <a:solidFill>
                   <a:schemeClr val="accent5">
                     <a:lumMod val="20000"/>
@@ -24356,7 +21284,7 @@
               <a:t>VALUES</a:t>
             </a:r>
             <a:r>
-              <a:rPr lang="en-US" sz="2400" noProof="1" smtClean="0">
+              <a:rPr lang="en-US" sz="2400" noProof="1">
                 <a:solidFill>
                   <a:schemeClr val="accent5">
                     <a:lumMod val="20000"/>
@@ -24368,7 +21296,7 @@
               <a:t> </a:t>
             </a:r>
             <a:r>
-              <a:rPr lang="en-US" sz="2400" noProof="1" smtClean="0">
+              <a:rPr lang="en-US" sz="2400" noProof="1">
                 <a:solidFill>
                   <a:schemeClr val="accent5">
                     <a:lumMod val="20000"/>
@@ -24381,7 +21309,7 @@
               <a:t>('Hacked!!!',</a:t>
             </a:r>
             <a:r>
-              <a:rPr lang="en-US" sz="2400" noProof="1" smtClean="0">
+              <a:rPr lang="en-US" sz="2400" noProof="1">
                 <a:solidFill>
                   <a:schemeClr val="accent5">
                     <a:lumMod val="20000"/>
@@ -24393,7 +21321,7 @@
               <a:t> </a:t>
             </a:r>
             <a:r>
-              <a:rPr lang="en-US" sz="2400" noProof="1" smtClean="0">
+              <a:rPr lang="en-US" sz="2400" noProof="1">
                 <a:solidFill>
                   <a:schemeClr val="accent5">
                     <a:lumMod val="20000"/>
@@ -24406,7 +21334,7 @@
               <a:t>'1.1.1980</a:t>
             </a:r>
             <a:r>
-              <a:rPr lang="en-US" sz="2400" dirty="0" smtClean="0">
+              <a:rPr lang="en-US" sz="2400" dirty="0">
                 <a:solidFill>
                   <a:schemeClr val="accent5">
                     <a:lumMod val="20000"/>
@@ -24419,7 +21347,7 @@
               <a:t>')</a:t>
             </a:r>
             <a:r>
-              <a:rPr lang="en-US" sz="2400" dirty="0" smtClean="0">
+              <a:rPr lang="en-US" sz="2400" dirty="0">
                 <a:solidFill>
                   <a:schemeClr val="accent5">
                     <a:lumMod val="20000"/>
@@ -24431,7 +21359,7 @@
               <a:t> </a:t>
             </a:r>
             <a:r>
-              <a:rPr lang="en-US" sz="2400" dirty="0" smtClean="0">
+              <a:rPr lang="en-US" sz="2400" dirty="0">
                 <a:sym typeface="Wingdings" panose="05000000000000000000" pitchFamily="2" charset="2"/>
               </a:rPr>
               <a:t> injects a message</a:t>
@@ -24450,13 +21378,6 @@
   <p:clrMapOvr>
     <a:masterClrMapping/>
   </p:clrMapOvr>
-  <p:timing>
-    <p:tnLst>
-      <p:par>
-        <p:cTn id="1" dur="indefinite" restart="never" nodeType="tmRoot"/>
-      </p:par>
-    </p:tnLst>
-  </p:timing>
 </p:sld>
 </file>
 
@@ -24503,7 +21424,7 @@
               </a:lnSpc>
             </a:pPr>
             <a:r>
-              <a:rPr lang="en-US" sz="3000" dirty="0" smtClean="0"/>
+              <a:rPr lang="en-US" sz="3000" dirty="0"/>
               <a:t>The following SQL commands are executed:</a:t>
             </a:r>
           </a:p>
@@ -24514,36 +21435,9 @@
               </a:lnSpc>
             </a:pPr>
             <a:r>
-              <a:rPr lang="en-US" sz="2600" dirty="0" smtClean="0"/>
+              <a:rPr lang="en-US" sz="2600" dirty="0"/>
               <a:t>Usual search (no SQL injection):</a:t>
             </a:r>
-          </a:p>
-          <a:p>
-            <a:pPr lvl="1">
-              <a:lnSpc>
-                <a:spcPct val="100000"/>
-              </a:lnSpc>
-            </a:pPr>
-            <a:endParaRPr lang="en-US" sz="2600" dirty="0" smtClean="0"/>
-          </a:p>
-          <a:p>
-            <a:pPr lvl="1">
-              <a:lnSpc>
-                <a:spcPct val="100000"/>
-              </a:lnSpc>
-            </a:pPr>
-            <a:r>
-              <a:rPr lang="en-US" sz="2600" dirty="0" smtClean="0"/>
-              <a:t>SQL-injected search (matches all records):</a:t>
-            </a:r>
-          </a:p>
-          <a:p>
-            <a:pPr lvl="1">
-              <a:lnSpc>
-                <a:spcPct val="100000"/>
-              </a:lnSpc>
-            </a:pPr>
-            <a:endParaRPr lang="en-US" sz="2600" dirty="0" smtClean="0"/>
           </a:p>
           <a:p>
             <a:pPr lvl="1">
@@ -24560,7 +21454,34 @@
               </a:lnSpc>
             </a:pPr>
             <a:r>
-              <a:rPr lang="en-US" sz="2600" dirty="0" smtClean="0"/>
+              <a:rPr lang="en-US" sz="2600" dirty="0"/>
+              <a:t>SQL-injected search (matches all records):</a:t>
+            </a:r>
+          </a:p>
+          <a:p>
+            <a:pPr lvl="1">
+              <a:lnSpc>
+                <a:spcPct val="100000"/>
+              </a:lnSpc>
+            </a:pPr>
+            <a:endParaRPr lang="en-US" sz="2600" dirty="0"/>
+          </a:p>
+          <a:p>
+            <a:pPr lvl="1">
+              <a:lnSpc>
+                <a:spcPct val="100000"/>
+              </a:lnSpc>
+            </a:pPr>
+            <a:endParaRPr lang="en-US" sz="2600" dirty="0"/>
+          </a:p>
+          <a:p>
+            <a:pPr lvl="1">
+              <a:lnSpc>
+                <a:spcPct val="100000"/>
+              </a:lnSpc>
+            </a:pPr>
+            <a:r>
+              <a:rPr lang="en-US" sz="2600" dirty="0"/>
               <a:t>SQL-injected INSERT command:</a:t>
             </a:r>
             <a:endParaRPr lang="bg-BG" sz="2600" dirty="0"/>
@@ -24588,17 +21509,16 @@
           <a:lstStyle/>
           <a:p>
             <a:r>
-              <a:rPr lang="en-US" dirty="0" smtClean="0"/>
+              <a:rPr lang="en-US" dirty="0"/>
               <a:t>How Does</a:t>
             </a:r>
             <a:br>
-              <a:rPr lang="en-US" dirty="0" smtClean="0"/>
+              <a:rPr lang="en-US" dirty="0"/>
             </a:br>
             <a:r>
-              <a:rPr lang="en-US" dirty="0" smtClean="0"/>
+              <a:rPr lang="en-US" dirty="0"/>
               <a:t>SQL Injection Work?</a:t>
             </a:r>
-            <a:endParaRPr lang="en-US" dirty="0"/>
           </a:p>
         </p:txBody>
       </p:sp>
@@ -24694,64 +21614,10 @@
                 <a:cs typeface="Consolas" pitchFamily="49" charset="0"/>
                 <a:sym typeface="Wingdings" pitchFamily="2" charset="2"/>
               </a:rPr>
-              <a:t>SELECT * FROM Messages </a:t>
-            </a:r>
-            <a:r>
-              <a:rPr lang="en-US" sz="1800" b="1" noProof="1" smtClean="0">
-                <a:solidFill>
-                  <a:srgbClr val="8CF4F2"/>
-                </a:solidFill>
-                <a:effectLst>
-                  <a:outerShdw blurRad="38100" dist="38100" dir="2700000" algn="tl">
-                    <a:srgbClr val="000000">
-                      <a:alpha val="43137"/>
-                    </a:srgbClr>
-                  </a:outerShdw>
-                </a:effectLst>
-                <a:latin typeface="Consolas" pitchFamily="49" charset="0"/>
-                <a:cs typeface="Consolas" pitchFamily="49" charset="0"/>
-                <a:sym typeface="Wingdings" pitchFamily="2" charset="2"/>
-              </a:rPr>
-              <a:t>WHERE MessageText </a:t>
+              <a:t>SELECT * FROM Messages WHERE MessageText LIKE '%</a:t>
             </a:r>
             <a:r>
               <a:rPr lang="en-US" sz="1800" b="1" noProof="1">
-                <a:solidFill>
-                  <a:srgbClr val="8CF4F2"/>
-                </a:solidFill>
-                <a:effectLst>
-                  <a:outerShdw blurRad="38100" dist="38100" dir="2700000" algn="tl">
-                    <a:srgbClr val="000000">
-                      <a:alpha val="43137"/>
-                    </a:srgbClr>
-                  </a:outerShdw>
-                </a:effectLst>
-                <a:latin typeface="Consolas" pitchFamily="49" charset="0"/>
-                <a:cs typeface="Consolas" pitchFamily="49" charset="0"/>
-                <a:sym typeface="Wingdings" pitchFamily="2" charset="2"/>
-              </a:rPr>
-              <a:t>LIKE </a:t>
-            </a:r>
-            <a:r>
-              <a:rPr lang="en-US" sz="1800" b="1" noProof="1" smtClean="0">
-                <a:solidFill>
-                  <a:srgbClr val="8CF4F2"/>
-                </a:solidFill>
-                <a:effectLst>
-                  <a:outerShdw blurRad="38100" dist="38100" dir="2700000" algn="tl">
-                    <a:srgbClr val="000000">
-                      <a:alpha val="43137"/>
-                    </a:srgbClr>
-                  </a:outerShdw>
-                </a:effectLst>
-                <a:latin typeface="Consolas" pitchFamily="49" charset="0"/>
-                <a:cs typeface="Consolas" pitchFamily="49" charset="0"/>
-                <a:sym typeface="Wingdings" pitchFamily="2" charset="2"/>
-              </a:rPr>
-              <a:t>'%</a:t>
-            </a:r>
-            <a:r>
-              <a:rPr lang="en-US" sz="1800" b="1" noProof="1" smtClean="0">
                 <a:solidFill>
                   <a:schemeClr val="tx1">
                     <a:lumMod val="75000"/>
@@ -24771,7 +21637,7 @@
               <a:t>Nikolay.IT</a:t>
             </a:r>
             <a:r>
-              <a:rPr lang="en-US" sz="1800" b="1" noProof="1" smtClean="0">
+              <a:rPr lang="en-US" sz="1800" b="1" noProof="1">
                 <a:solidFill>
                   <a:srgbClr val="8CF4F2"/>
                 </a:solidFill>
@@ -24788,7 +21654,7 @@
               </a:rPr>
               <a:t>%'"</a:t>
             </a:r>
-            <a:endParaRPr lang="bg-BG" sz="1800" b="1" noProof="1" smtClean="0">
+            <a:endParaRPr lang="bg-BG" sz="1800" b="1" noProof="1">
               <a:solidFill>
                 <a:srgbClr val="8CF4F2"/>
               </a:solidFill>
@@ -24869,28 +21735,10 @@
                 <a:cs typeface="Consolas" pitchFamily="49" charset="0"/>
                 <a:sym typeface="Wingdings" pitchFamily="2" charset="2"/>
               </a:rPr>
-              <a:t>SELECT * FROM Messages WHERE MessageText LIKE </a:t>
-            </a:r>
-            <a:r>
-              <a:rPr lang="en-US" sz="1800" b="1" noProof="1" smtClean="0">
-                <a:solidFill>
-                  <a:srgbClr val="8CF4F2"/>
-                </a:solidFill>
-                <a:effectLst>
-                  <a:outerShdw blurRad="38100" dist="38100" dir="2700000" algn="tl">
-                    <a:srgbClr val="000000">
-                      <a:alpha val="43137"/>
-                    </a:srgbClr>
-                  </a:outerShdw>
-                </a:effectLst>
-                <a:latin typeface="Consolas" pitchFamily="49" charset="0"/>
-                <a:cs typeface="Consolas" pitchFamily="49" charset="0"/>
-                <a:sym typeface="Wingdings" pitchFamily="2" charset="2"/>
-              </a:rPr>
-              <a:t>'%</a:t>
-            </a:r>
-            <a:r>
-              <a:rPr lang="en-US" sz="1800" b="1" noProof="1" smtClean="0">
+              <a:t>SELECT * FROM Messages WHERE MessageText LIKE '%</a:t>
+            </a:r>
+            <a:r>
+              <a:rPr lang="en-US" sz="1800" b="1" noProof="1">
                 <a:solidFill>
                   <a:schemeClr val="tx1">
                     <a:lumMod val="75000"/>
@@ -24910,7 +21758,7 @@
               <a:t>%%</a:t>
             </a:r>
             <a:r>
-              <a:rPr lang="en-US" sz="1800" b="1" noProof="1" smtClean="0">
+              <a:rPr lang="en-US" sz="1800" b="1" noProof="1">
                 <a:solidFill>
                   <a:srgbClr val="8CF4F2"/>
                 </a:solidFill>
@@ -24993,7 +21841,7 @@
               <a:buSzPct val="70000"/>
             </a:pPr>
             <a:r>
-              <a:rPr lang="en-US" sz="1800" b="1" noProof="1" smtClean="0">
+              <a:rPr lang="en-US" sz="1800" b="1" noProof="1">
                 <a:solidFill>
                   <a:srgbClr val="8CF4F2"/>
                 </a:solidFill>
@@ -25022,7 +21870,7 @@
               <a:buSzPct val="70000"/>
             </a:pPr>
             <a:r>
-              <a:rPr lang="en-US" sz="1800" b="1" noProof="1" smtClean="0">
+              <a:rPr lang="en-US" sz="1800" b="1" noProof="1">
                 <a:solidFill>
                   <a:srgbClr val="8CF4F2"/>
                 </a:solidFill>
@@ -25040,7 +21888,7 @@
               <a:t>LIKE '%</a:t>
             </a:r>
             <a:r>
-              <a:rPr lang="en-US" sz="1800" b="1" noProof="1" smtClean="0">
+              <a:rPr lang="en-US" sz="1800" b="1" noProof="1">
                 <a:solidFill>
                   <a:schemeClr val="tx1">
                     <a:lumMod val="75000"/>
@@ -25059,7 +21907,7 @@
               <a:t>'; INSERT INTO Messages(MessageText, MessageDate) VALUES ('Hacked!!!', '1.1.1980') --</a:t>
             </a:r>
             <a:r>
-              <a:rPr lang="en-US" sz="1800" b="1" noProof="1" smtClean="0">
+              <a:rPr lang="en-US" sz="1800" b="1" noProof="1">
                 <a:solidFill>
                   <a:srgbClr val="8CF4F2"/>
                 </a:solidFill>
@@ -25076,21 +21924,6 @@
               </a:rPr>
               <a:t>%'"</a:t>
             </a:r>
-            <a:endParaRPr lang="en-US" sz="1800" b="1" noProof="1">
-              <a:solidFill>
-                <a:srgbClr val="8CF4F2"/>
-              </a:solidFill>
-              <a:effectLst>
-                <a:outerShdw blurRad="38100" dist="38100" dir="2700000" algn="tl">
-                  <a:srgbClr val="000000">
-                    <a:alpha val="43137"/>
-                  </a:srgbClr>
-                </a:outerShdw>
-              </a:effectLst>
-              <a:latin typeface="Consolas" pitchFamily="49" charset="0"/>
-              <a:cs typeface="Consolas" pitchFamily="49" charset="0"/>
-              <a:sym typeface="Wingdings" pitchFamily="2" charset="2"/>
-            </a:endParaRPr>
           </a:p>
         </p:txBody>
       </p:sp>
@@ -25157,28 +21990,10 @@
                 <a:cs typeface="Consolas" pitchFamily="49" charset="0"/>
                 <a:sym typeface="Wingdings" pitchFamily="2" charset="2"/>
               </a:rPr>
-              <a:t>SELECT * FROM Messages WHERE MessageText LIKE </a:t>
-            </a:r>
-            <a:r>
-              <a:rPr lang="en-US" sz="1800" b="1" noProof="1" smtClean="0">
-                <a:solidFill>
-                  <a:srgbClr val="8CF4F2"/>
-                </a:solidFill>
-                <a:effectLst>
-                  <a:outerShdw blurRad="38100" dist="38100" dir="2700000" algn="tl">
-                    <a:srgbClr val="000000">
-                      <a:alpha val="43137"/>
-                    </a:srgbClr>
-                  </a:outerShdw>
-                </a:effectLst>
-                <a:latin typeface="Consolas" pitchFamily="49" charset="0"/>
-                <a:cs typeface="Consolas" pitchFamily="49" charset="0"/>
-                <a:sym typeface="Wingdings" pitchFamily="2" charset="2"/>
-              </a:rPr>
-              <a:t>'%</a:t>
-            </a:r>
-            <a:r>
-              <a:rPr lang="en-US" sz="1800" b="1" noProof="1" smtClean="0">
+              <a:t>SELECT * FROM Messages WHERE MessageText LIKE '%</a:t>
+            </a:r>
+            <a:r>
+              <a:rPr lang="en-US" sz="1800" b="1" noProof="1">
                 <a:solidFill>
                   <a:schemeClr val="tx1">
                     <a:lumMod val="75000"/>
@@ -25198,7 +22013,7 @@
               <a:t>' or 1=1 --</a:t>
             </a:r>
             <a:r>
-              <a:rPr lang="en-US" sz="1800" b="1" noProof="1" smtClean="0">
+              <a:rPr lang="en-US" sz="1800" b="1" noProof="1">
                 <a:solidFill>
                   <a:srgbClr val="8CF4F2"/>
                 </a:solidFill>
@@ -25243,13 +22058,6 @@
   <p:clrMapOvr>
     <a:masterClrMapping/>
   </p:clrMapOvr>
-  <p:timing>
-    <p:tnLst>
-      <p:par>
-        <p:cTn id="1" dur="indefinite" restart="never" nodeType="tmRoot"/>
-      </p:par>
-    </p:tnLst>
-  </p:timing>
 </p:sld>
 </file>
 
